--- a/2D 게임 프로그래밍 1차 발표.pptx
+++ b/2D 게임 프로그래밍 1차 발표.pptx
@@ -61,7 +61,7 @@
       </p:grpSpPr>
       <p:sp>
         <p:nvSpPr>
-          <p:cNvPr id="26" name="PlaceHolder 1"/>
+          <p:cNvPr id="23" name="PlaceHolder 1"/>
           <p:cNvSpPr>
             <a:spLocks noGrp="1"/>
           </p:cNvSpPr>
@@ -92,7 +92,7 @@
       </p:sp>
       <p:sp>
         <p:nvSpPr>
-          <p:cNvPr id="27" name="PlaceHolder 2"/>
+          <p:cNvPr id="24" name="PlaceHolder 2"/>
           <p:cNvSpPr>
             <a:spLocks noGrp="1"/>
           </p:cNvSpPr>
@@ -122,7 +122,7 @@
       </p:sp>
       <p:sp>
         <p:nvSpPr>
-          <p:cNvPr id="28" name="PlaceHolder 3"/>
+          <p:cNvPr id="25" name="PlaceHolder 3"/>
           <p:cNvSpPr>
             <a:spLocks noGrp="1"/>
           </p:cNvSpPr>
@@ -174,7 +174,7 @@
       </p:grpSpPr>
       <p:sp>
         <p:nvSpPr>
-          <p:cNvPr id="29" name="PlaceHolder 1"/>
+          <p:cNvPr id="26" name="PlaceHolder 1"/>
           <p:cNvSpPr>
             <a:spLocks noGrp="1"/>
           </p:cNvSpPr>
@@ -205,7 +205,7 @@
       </p:sp>
       <p:sp>
         <p:nvSpPr>
-          <p:cNvPr id="30" name="PlaceHolder 2"/>
+          <p:cNvPr id="27" name="PlaceHolder 2"/>
           <p:cNvSpPr>
             <a:spLocks noGrp="1"/>
           </p:cNvSpPr>
@@ -235,7 +235,7 @@
       </p:sp>
       <p:sp>
         <p:nvSpPr>
-          <p:cNvPr id="31" name="PlaceHolder 3"/>
+          <p:cNvPr id="28" name="PlaceHolder 3"/>
           <p:cNvSpPr>
             <a:spLocks noGrp="1"/>
           </p:cNvSpPr>
@@ -265,7 +265,7 @@
       </p:sp>
       <p:sp>
         <p:nvSpPr>
-          <p:cNvPr id="32" name="PlaceHolder 4"/>
+          <p:cNvPr id="29" name="PlaceHolder 4"/>
           <p:cNvSpPr>
             <a:spLocks noGrp="1"/>
           </p:cNvSpPr>
@@ -295,7 +295,7 @@
       </p:sp>
       <p:sp>
         <p:nvSpPr>
-          <p:cNvPr id="33" name="PlaceHolder 5"/>
+          <p:cNvPr id="30" name="PlaceHolder 5"/>
           <p:cNvSpPr>
             <a:spLocks noGrp="1"/>
           </p:cNvSpPr>
@@ -347,7 +347,7 @@
       </p:grpSpPr>
       <p:sp>
         <p:nvSpPr>
-          <p:cNvPr id="34" name="PlaceHolder 1"/>
+          <p:cNvPr id="31" name="PlaceHolder 1"/>
           <p:cNvSpPr>
             <a:spLocks noGrp="1"/>
           </p:cNvSpPr>
@@ -378,7 +378,7 @@
       </p:sp>
       <p:sp>
         <p:nvSpPr>
-          <p:cNvPr id="35" name="PlaceHolder 2"/>
+          <p:cNvPr id="32" name="PlaceHolder 2"/>
           <p:cNvSpPr>
             <a:spLocks noGrp="1"/>
           </p:cNvSpPr>
@@ -408,7 +408,7 @@
       </p:sp>
       <p:sp>
         <p:nvSpPr>
-          <p:cNvPr id="36" name="PlaceHolder 3"/>
+          <p:cNvPr id="33" name="PlaceHolder 3"/>
           <p:cNvSpPr>
             <a:spLocks noGrp="1"/>
           </p:cNvSpPr>
@@ -438,7 +438,7 @@
       </p:sp>
       <p:sp>
         <p:nvSpPr>
-          <p:cNvPr id="37" name="PlaceHolder 4"/>
+          <p:cNvPr id="34" name="PlaceHolder 4"/>
           <p:cNvSpPr>
             <a:spLocks noGrp="1"/>
           </p:cNvSpPr>
@@ -468,7 +468,7 @@
       </p:sp>
       <p:sp>
         <p:nvSpPr>
-          <p:cNvPr id="38" name="PlaceHolder 5"/>
+          <p:cNvPr id="35" name="PlaceHolder 5"/>
           <p:cNvSpPr>
             <a:spLocks noGrp="1"/>
           </p:cNvSpPr>
@@ -498,7 +498,7 @@
       </p:sp>
       <p:sp>
         <p:nvSpPr>
-          <p:cNvPr id="39" name="PlaceHolder 6"/>
+          <p:cNvPr id="36" name="PlaceHolder 6"/>
           <p:cNvSpPr>
             <a:spLocks noGrp="1"/>
           </p:cNvSpPr>
@@ -528,7 +528,7 @@
       </p:sp>
       <p:sp>
         <p:nvSpPr>
-          <p:cNvPr id="40" name="PlaceHolder 7"/>
+          <p:cNvPr id="37" name="PlaceHolder 7"/>
           <p:cNvSpPr>
             <a:spLocks noGrp="1"/>
           </p:cNvSpPr>
@@ -602,7 +602,7 @@
       </p:grpSpPr>
       <p:sp>
         <p:nvSpPr>
-          <p:cNvPr id="46" name="PlaceHolder 1"/>
+          <p:cNvPr id="40" name="PlaceHolder 1"/>
           <p:cNvSpPr>
             <a:spLocks noGrp="1"/>
           </p:cNvSpPr>
@@ -633,7 +633,7 @@
       </p:sp>
       <p:sp>
         <p:nvSpPr>
-          <p:cNvPr id="47" name="PlaceHolder 2"/>
+          <p:cNvPr id="41" name="PlaceHolder 2"/>
           <p:cNvSpPr>
             <a:spLocks noGrp="1"/>
           </p:cNvSpPr>
@@ -686,7 +686,7 @@
       </p:grpSpPr>
       <p:sp>
         <p:nvSpPr>
-          <p:cNvPr id="48" name="PlaceHolder 1"/>
+          <p:cNvPr id="42" name="PlaceHolder 1"/>
           <p:cNvSpPr>
             <a:spLocks noGrp="1"/>
           </p:cNvSpPr>
@@ -717,7 +717,7 @@
       </p:sp>
       <p:sp>
         <p:nvSpPr>
-          <p:cNvPr id="49" name="PlaceHolder 2"/>
+          <p:cNvPr id="43" name="PlaceHolder 2"/>
           <p:cNvSpPr>
             <a:spLocks noGrp="1"/>
           </p:cNvSpPr>
@@ -769,7 +769,7 @@
       </p:grpSpPr>
       <p:sp>
         <p:nvSpPr>
-          <p:cNvPr id="50" name="PlaceHolder 1"/>
+          <p:cNvPr id="44" name="PlaceHolder 1"/>
           <p:cNvSpPr>
             <a:spLocks noGrp="1"/>
           </p:cNvSpPr>
@@ -800,7 +800,7 @@
       </p:sp>
       <p:sp>
         <p:nvSpPr>
-          <p:cNvPr id="51" name="PlaceHolder 2"/>
+          <p:cNvPr id="45" name="PlaceHolder 2"/>
           <p:cNvSpPr>
             <a:spLocks noGrp="1"/>
           </p:cNvSpPr>
@@ -830,7 +830,7 @@
       </p:sp>
       <p:sp>
         <p:nvSpPr>
-          <p:cNvPr id="52" name="PlaceHolder 3"/>
+          <p:cNvPr id="46" name="PlaceHolder 3"/>
           <p:cNvSpPr>
             <a:spLocks noGrp="1"/>
           </p:cNvSpPr>
@@ -882,7 +882,7 @@
       </p:grpSpPr>
       <p:sp>
         <p:nvSpPr>
-          <p:cNvPr id="53" name="PlaceHolder 1"/>
+          <p:cNvPr id="47" name="PlaceHolder 1"/>
           <p:cNvSpPr>
             <a:spLocks noGrp="1"/>
           </p:cNvSpPr>
@@ -935,7 +935,7 @@
       </p:grpSpPr>
       <p:sp>
         <p:nvSpPr>
-          <p:cNvPr id="54" name="PlaceHolder 1"/>
+          <p:cNvPr id="48" name="PlaceHolder 1"/>
           <p:cNvSpPr>
             <a:spLocks noGrp="1"/>
           </p:cNvSpPr>
@@ -988,7 +988,7 @@
       </p:grpSpPr>
       <p:sp>
         <p:nvSpPr>
-          <p:cNvPr id="55" name="PlaceHolder 1"/>
+          <p:cNvPr id="49" name="PlaceHolder 1"/>
           <p:cNvSpPr>
             <a:spLocks noGrp="1"/>
           </p:cNvSpPr>
@@ -1019,7 +1019,7 @@
       </p:sp>
       <p:sp>
         <p:nvSpPr>
-          <p:cNvPr id="56" name="PlaceHolder 2"/>
+          <p:cNvPr id="50" name="PlaceHolder 2"/>
           <p:cNvSpPr>
             <a:spLocks noGrp="1"/>
           </p:cNvSpPr>
@@ -1049,7 +1049,7 @@
       </p:sp>
       <p:sp>
         <p:nvSpPr>
-          <p:cNvPr id="57" name="PlaceHolder 3"/>
+          <p:cNvPr id="51" name="PlaceHolder 3"/>
           <p:cNvSpPr>
             <a:spLocks noGrp="1"/>
           </p:cNvSpPr>
@@ -1079,7 +1079,7 @@
       </p:sp>
       <p:sp>
         <p:nvSpPr>
-          <p:cNvPr id="58" name="PlaceHolder 4"/>
+          <p:cNvPr id="52" name="PlaceHolder 4"/>
           <p:cNvSpPr>
             <a:spLocks noGrp="1"/>
           </p:cNvSpPr>
@@ -1131,7 +1131,7 @@
       </p:grpSpPr>
       <p:sp>
         <p:nvSpPr>
-          <p:cNvPr id="5" name="PlaceHolder 1"/>
+          <p:cNvPr id="2" name="PlaceHolder 1"/>
           <p:cNvSpPr>
             <a:spLocks noGrp="1"/>
           </p:cNvSpPr>
@@ -1162,7 +1162,7 @@
       </p:sp>
       <p:sp>
         <p:nvSpPr>
-          <p:cNvPr id="6" name="PlaceHolder 2"/>
+          <p:cNvPr id="3" name="PlaceHolder 2"/>
           <p:cNvSpPr>
             <a:spLocks noGrp="1"/>
           </p:cNvSpPr>
@@ -1215,7 +1215,7 @@
       </p:grpSpPr>
       <p:sp>
         <p:nvSpPr>
-          <p:cNvPr id="59" name="PlaceHolder 1"/>
+          <p:cNvPr id="53" name="PlaceHolder 1"/>
           <p:cNvSpPr>
             <a:spLocks noGrp="1"/>
           </p:cNvSpPr>
@@ -1246,7 +1246,7 @@
       </p:sp>
       <p:sp>
         <p:nvSpPr>
-          <p:cNvPr id="60" name="PlaceHolder 2"/>
+          <p:cNvPr id="54" name="PlaceHolder 2"/>
           <p:cNvSpPr>
             <a:spLocks noGrp="1"/>
           </p:cNvSpPr>
@@ -1276,7 +1276,7 @@
       </p:sp>
       <p:sp>
         <p:nvSpPr>
-          <p:cNvPr id="61" name="PlaceHolder 3"/>
+          <p:cNvPr id="55" name="PlaceHolder 3"/>
           <p:cNvSpPr>
             <a:spLocks noGrp="1"/>
           </p:cNvSpPr>
@@ -1306,7 +1306,7 @@
       </p:sp>
       <p:sp>
         <p:nvSpPr>
-          <p:cNvPr id="62" name="PlaceHolder 4"/>
+          <p:cNvPr id="56" name="PlaceHolder 4"/>
           <p:cNvSpPr>
             <a:spLocks noGrp="1"/>
           </p:cNvSpPr>
@@ -1358,7 +1358,7 @@
       </p:grpSpPr>
       <p:sp>
         <p:nvSpPr>
-          <p:cNvPr id="63" name="PlaceHolder 1"/>
+          <p:cNvPr id="57" name="PlaceHolder 1"/>
           <p:cNvSpPr>
             <a:spLocks noGrp="1"/>
           </p:cNvSpPr>
@@ -1389,7 +1389,7 @@
       </p:sp>
       <p:sp>
         <p:nvSpPr>
-          <p:cNvPr id="64" name="PlaceHolder 2"/>
+          <p:cNvPr id="58" name="PlaceHolder 2"/>
           <p:cNvSpPr>
             <a:spLocks noGrp="1"/>
           </p:cNvSpPr>
@@ -1419,7 +1419,7 @@
       </p:sp>
       <p:sp>
         <p:nvSpPr>
-          <p:cNvPr id="65" name="PlaceHolder 3"/>
+          <p:cNvPr id="59" name="PlaceHolder 3"/>
           <p:cNvSpPr>
             <a:spLocks noGrp="1"/>
           </p:cNvSpPr>
@@ -1449,7 +1449,7 @@
       </p:sp>
       <p:sp>
         <p:nvSpPr>
-          <p:cNvPr id="66" name="PlaceHolder 4"/>
+          <p:cNvPr id="60" name="PlaceHolder 4"/>
           <p:cNvSpPr>
             <a:spLocks noGrp="1"/>
           </p:cNvSpPr>
@@ -1501,7 +1501,7 @@
       </p:grpSpPr>
       <p:sp>
         <p:nvSpPr>
-          <p:cNvPr id="67" name="PlaceHolder 1"/>
+          <p:cNvPr id="61" name="PlaceHolder 1"/>
           <p:cNvSpPr>
             <a:spLocks noGrp="1"/>
           </p:cNvSpPr>
@@ -1532,7 +1532,7 @@
       </p:sp>
       <p:sp>
         <p:nvSpPr>
-          <p:cNvPr id="68" name="PlaceHolder 2"/>
+          <p:cNvPr id="62" name="PlaceHolder 2"/>
           <p:cNvSpPr>
             <a:spLocks noGrp="1"/>
           </p:cNvSpPr>
@@ -1562,7 +1562,7 @@
       </p:sp>
       <p:sp>
         <p:nvSpPr>
-          <p:cNvPr id="69" name="PlaceHolder 3"/>
+          <p:cNvPr id="63" name="PlaceHolder 3"/>
           <p:cNvSpPr>
             <a:spLocks noGrp="1"/>
           </p:cNvSpPr>
@@ -1614,7 +1614,7 @@
       </p:grpSpPr>
       <p:sp>
         <p:nvSpPr>
-          <p:cNvPr id="70" name="PlaceHolder 1"/>
+          <p:cNvPr id="64" name="PlaceHolder 1"/>
           <p:cNvSpPr>
             <a:spLocks noGrp="1"/>
           </p:cNvSpPr>
@@ -1645,7 +1645,7 @@
       </p:sp>
       <p:sp>
         <p:nvSpPr>
-          <p:cNvPr id="71" name="PlaceHolder 2"/>
+          <p:cNvPr id="65" name="PlaceHolder 2"/>
           <p:cNvSpPr>
             <a:spLocks noGrp="1"/>
           </p:cNvSpPr>
@@ -1675,7 +1675,7 @@
       </p:sp>
       <p:sp>
         <p:nvSpPr>
-          <p:cNvPr id="72" name="PlaceHolder 3"/>
+          <p:cNvPr id="66" name="PlaceHolder 3"/>
           <p:cNvSpPr>
             <a:spLocks noGrp="1"/>
           </p:cNvSpPr>
@@ -1705,7 +1705,7 @@
       </p:sp>
       <p:sp>
         <p:nvSpPr>
-          <p:cNvPr id="73" name="PlaceHolder 4"/>
+          <p:cNvPr id="67" name="PlaceHolder 4"/>
           <p:cNvSpPr>
             <a:spLocks noGrp="1"/>
           </p:cNvSpPr>
@@ -1735,7 +1735,7 @@
       </p:sp>
       <p:sp>
         <p:nvSpPr>
-          <p:cNvPr id="74" name="PlaceHolder 5"/>
+          <p:cNvPr id="68" name="PlaceHolder 5"/>
           <p:cNvSpPr>
             <a:spLocks noGrp="1"/>
           </p:cNvSpPr>
@@ -1787,7 +1787,7 @@
       </p:grpSpPr>
       <p:sp>
         <p:nvSpPr>
-          <p:cNvPr id="75" name="PlaceHolder 1"/>
+          <p:cNvPr id="69" name="PlaceHolder 1"/>
           <p:cNvSpPr>
             <a:spLocks noGrp="1"/>
           </p:cNvSpPr>
@@ -1818,7 +1818,7 @@
       </p:sp>
       <p:sp>
         <p:nvSpPr>
-          <p:cNvPr id="76" name="PlaceHolder 2"/>
+          <p:cNvPr id="70" name="PlaceHolder 2"/>
           <p:cNvSpPr>
             <a:spLocks noGrp="1"/>
           </p:cNvSpPr>
@@ -1848,7 +1848,7 @@
       </p:sp>
       <p:sp>
         <p:nvSpPr>
-          <p:cNvPr id="77" name="PlaceHolder 3"/>
+          <p:cNvPr id="71" name="PlaceHolder 3"/>
           <p:cNvSpPr>
             <a:spLocks noGrp="1"/>
           </p:cNvSpPr>
@@ -1878,7 +1878,7 @@
       </p:sp>
       <p:sp>
         <p:nvSpPr>
-          <p:cNvPr id="78" name="PlaceHolder 4"/>
+          <p:cNvPr id="72" name="PlaceHolder 4"/>
           <p:cNvSpPr>
             <a:spLocks noGrp="1"/>
           </p:cNvSpPr>
@@ -1908,7 +1908,7 @@
       </p:sp>
       <p:sp>
         <p:nvSpPr>
-          <p:cNvPr id="79" name="PlaceHolder 5"/>
+          <p:cNvPr id="73" name="PlaceHolder 5"/>
           <p:cNvSpPr>
             <a:spLocks noGrp="1"/>
           </p:cNvSpPr>
@@ -1938,7 +1938,7 @@
       </p:sp>
       <p:sp>
         <p:nvSpPr>
-          <p:cNvPr id="80" name="PlaceHolder 6"/>
+          <p:cNvPr id="74" name="PlaceHolder 6"/>
           <p:cNvSpPr>
             <a:spLocks noGrp="1"/>
           </p:cNvSpPr>
@@ -1968,7 +1968,7 @@
       </p:sp>
       <p:sp>
         <p:nvSpPr>
-          <p:cNvPr id="81" name="PlaceHolder 7"/>
+          <p:cNvPr id="75" name="PlaceHolder 7"/>
           <p:cNvSpPr>
             <a:spLocks noGrp="1"/>
           </p:cNvSpPr>
@@ -2042,7 +2042,7 @@
       </p:grpSpPr>
       <p:sp>
         <p:nvSpPr>
-          <p:cNvPr id="87" name="PlaceHolder 1"/>
+          <p:cNvPr id="78" name="PlaceHolder 1"/>
           <p:cNvSpPr>
             <a:spLocks noGrp="1"/>
           </p:cNvSpPr>
@@ -2073,7 +2073,7 @@
       </p:sp>
       <p:sp>
         <p:nvSpPr>
-          <p:cNvPr id="88" name="PlaceHolder 2"/>
+          <p:cNvPr id="79" name="PlaceHolder 2"/>
           <p:cNvSpPr>
             <a:spLocks noGrp="1"/>
           </p:cNvSpPr>
@@ -2126,7 +2126,7 @@
       </p:grpSpPr>
       <p:sp>
         <p:nvSpPr>
-          <p:cNvPr id="89" name="PlaceHolder 1"/>
+          <p:cNvPr id="80" name="PlaceHolder 1"/>
           <p:cNvSpPr>
             <a:spLocks noGrp="1"/>
           </p:cNvSpPr>
@@ -2157,7 +2157,7 @@
       </p:sp>
       <p:sp>
         <p:nvSpPr>
-          <p:cNvPr id="90" name="PlaceHolder 2"/>
+          <p:cNvPr id="81" name="PlaceHolder 2"/>
           <p:cNvSpPr>
             <a:spLocks noGrp="1"/>
           </p:cNvSpPr>
@@ -2209,7 +2209,7 @@
       </p:grpSpPr>
       <p:sp>
         <p:nvSpPr>
-          <p:cNvPr id="91" name="PlaceHolder 1"/>
+          <p:cNvPr id="82" name="PlaceHolder 1"/>
           <p:cNvSpPr>
             <a:spLocks noGrp="1"/>
           </p:cNvSpPr>
@@ -2240,7 +2240,7 @@
       </p:sp>
       <p:sp>
         <p:nvSpPr>
-          <p:cNvPr id="92" name="PlaceHolder 2"/>
+          <p:cNvPr id="83" name="PlaceHolder 2"/>
           <p:cNvSpPr>
             <a:spLocks noGrp="1"/>
           </p:cNvSpPr>
@@ -2270,7 +2270,7 @@
       </p:sp>
       <p:sp>
         <p:nvSpPr>
-          <p:cNvPr id="93" name="PlaceHolder 3"/>
+          <p:cNvPr id="84" name="PlaceHolder 3"/>
           <p:cNvSpPr>
             <a:spLocks noGrp="1"/>
           </p:cNvSpPr>
@@ -2322,7 +2322,7 @@
       </p:grpSpPr>
       <p:sp>
         <p:nvSpPr>
-          <p:cNvPr id="94" name="PlaceHolder 1"/>
+          <p:cNvPr id="85" name="PlaceHolder 1"/>
           <p:cNvSpPr>
             <a:spLocks noGrp="1"/>
           </p:cNvSpPr>
@@ -2375,7 +2375,7 @@
       </p:grpSpPr>
       <p:sp>
         <p:nvSpPr>
-          <p:cNvPr id="7" name="PlaceHolder 1"/>
+          <p:cNvPr id="4" name="PlaceHolder 1"/>
           <p:cNvSpPr>
             <a:spLocks noGrp="1"/>
           </p:cNvSpPr>
@@ -2406,7 +2406,7 @@
       </p:sp>
       <p:sp>
         <p:nvSpPr>
-          <p:cNvPr id="8" name="PlaceHolder 2"/>
+          <p:cNvPr id="5" name="PlaceHolder 2"/>
           <p:cNvSpPr>
             <a:spLocks noGrp="1"/>
           </p:cNvSpPr>
@@ -2458,7 +2458,7 @@
       </p:grpSpPr>
       <p:sp>
         <p:nvSpPr>
-          <p:cNvPr id="95" name="PlaceHolder 1"/>
+          <p:cNvPr id="86" name="PlaceHolder 1"/>
           <p:cNvSpPr>
             <a:spLocks noGrp="1"/>
           </p:cNvSpPr>
@@ -2511,7 +2511,7 @@
       </p:grpSpPr>
       <p:sp>
         <p:nvSpPr>
-          <p:cNvPr id="96" name="PlaceHolder 1"/>
+          <p:cNvPr id="87" name="PlaceHolder 1"/>
           <p:cNvSpPr>
             <a:spLocks noGrp="1"/>
           </p:cNvSpPr>
@@ -2542,7 +2542,7 @@
       </p:sp>
       <p:sp>
         <p:nvSpPr>
-          <p:cNvPr id="97" name="PlaceHolder 2"/>
+          <p:cNvPr id="88" name="PlaceHolder 2"/>
           <p:cNvSpPr>
             <a:spLocks noGrp="1"/>
           </p:cNvSpPr>
@@ -2572,7 +2572,7 @@
       </p:sp>
       <p:sp>
         <p:nvSpPr>
-          <p:cNvPr id="98" name="PlaceHolder 3"/>
+          <p:cNvPr id="89" name="PlaceHolder 3"/>
           <p:cNvSpPr>
             <a:spLocks noGrp="1"/>
           </p:cNvSpPr>
@@ -2602,7 +2602,7 @@
       </p:sp>
       <p:sp>
         <p:nvSpPr>
-          <p:cNvPr id="99" name="PlaceHolder 4"/>
+          <p:cNvPr id="90" name="PlaceHolder 4"/>
           <p:cNvSpPr>
             <a:spLocks noGrp="1"/>
           </p:cNvSpPr>
@@ -2654,7 +2654,7 @@
       </p:grpSpPr>
       <p:sp>
         <p:nvSpPr>
-          <p:cNvPr id="100" name="PlaceHolder 1"/>
+          <p:cNvPr id="91" name="PlaceHolder 1"/>
           <p:cNvSpPr>
             <a:spLocks noGrp="1"/>
           </p:cNvSpPr>
@@ -2685,7 +2685,7 @@
       </p:sp>
       <p:sp>
         <p:nvSpPr>
-          <p:cNvPr id="101" name="PlaceHolder 2"/>
+          <p:cNvPr id="92" name="PlaceHolder 2"/>
           <p:cNvSpPr>
             <a:spLocks noGrp="1"/>
           </p:cNvSpPr>
@@ -2715,7 +2715,7 @@
       </p:sp>
       <p:sp>
         <p:nvSpPr>
-          <p:cNvPr id="102" name="PlaceHolder 3"/>
+          <p:cNvPr id="93" name="PlaceHolder 3"/>
           <p:cNvSpPr>
             <a:spLocks noGrp="1"/>
           </p:cNvSpPr>
@@ -2745,7 +2745,7 @@
       </p:sp>
       <p:sp>
         <p:nvSpPr>
-          <p:cNvPr id="103" name="PlaceHolder 4"/>
+          <p:cNvPr id="94" name="PlaceHolder 4"/>
           <p:cNvSpPr>
             <a:spLocks noGrp="1"/>
           </p:cNvSpPr>
@@ -2797,7 +2797,7 @@
       </p:grpSpPr>
       <p:sp>
         <p:nvSpPr>
-          <p:cNvPr id="104" name="PlaceHolder 1"/>
+          <p:cNvPr id="95" name="PlaceHolder 1"/>
           <p:cNvSpPr>
             <a:spLocks noGrp="1"/>
           </p:cNvSpPr>
@@ -2828,7 +2828,7 @@
       </p:sp>
       <p:sp>
         <p:nvSpPr>
-          <p:cNvPr id="105" name="PlaceHolder 2"/>
+          <p:cNvPr id="96" name="PlaceHolder 2"/>
           <p:cNvSpPr>
             <a:spLocks noGrp="1"/>
           </p:cNvSpPr>
@@ -2858,7 +2858,7 @@
       </p:sp>
       <p:sp>
         <p:nvSpPr>
-          <p:cNvPr id="106" name="PlaceHolder 3"/>
+          <p:cNvPr id="97" name="PlaceHolder 3"/>
           <p:cNvSpPr>
             <a:spLocks noGrp="1"/>
           </p:cNvSpPr>
@@ -2888,7 +2888,7 @@
       </p:sp>
       <p:sp>
         <p:nvSpPr>
-          <p:cNvPr id="107" name="PlaceHolder 4"/>
+          <p:cNvPr id="98" name="PlaceHolder 4"/>
           <p:cNvSpPr>
             <a:spLocks noGrp="1"/>
           </p:cNvSpPr>
@@ -2940,7 +2940,7 @@
       </p:grpSpPr>
       <p:sp>
         <p:nvSpPr>
-          <p:cNvPr id="108" name="PlaceHolder 1"/>
+          <p:cNvPr id="99" name="PlaceHolder 1"/>
           <p:cNvSpPr>
             <a:spLocks noGrp="1"/>
           </p:cNvSpPr>
@@ -2971,7 +2971,7 @@
       </p:sp>
       <p:sp>
         <p:nvSpPr>
-          <p:cNvPr id="109" name="PlaceHolder 2"/>
+          <p:cNvPr id="100" name="PlaceHolder 2"/>
           <p:cNvSpPr>
             <a:spLocks noGrp="1"/>
           </p:cNvSpPr>
@@ -3001,7 +3001,7 @@
       </p:sp>
       <p:sp>
         <p:nvSpPr>
-          <p:cNvPr id="110" name="PlaceHolder 3"/>
+          <p:cNvPr id="101" name="PlaceHolder 3"/>
           <p:cNvSpPr>
             <a:spLocks noGrp="1"/>
           </p:cNvSpPr>
@@ -3053,7 +3053,7 @@
       </p:grpSpPr>
       <p:sp>
         <p:nvSpPr>
-          <p:cNvPr id="111" name="PlaceHolder 1"/>
+          <p:cNvPr id="102" name="PlaceHolder 1"/>
           <p:cNvSpPr>
             <a:spLocks noGrp="1"/>
           </p:cNvSpPr>
@@ -3084,7 +3084,7 @@
       </p:sp>
       <p:sp>
         <p:nvSpPr>
-          <p:cNvPr id="112" name="PlaceHolder 2"/>
+          <p:cNvPr id="103" name="PlaceHolder 2"/>
           <p:cNvSpPr>
             <a:spLocks noGrp="1"/>
           </p:cNvSpPr>
@@ -3114,7 +3114,7 @@
       </p:sp>
       <p:sp>
         <p:nvSpPr>
-          <p:cNvPr id="113" name="PlaceHolder 3"/>
+          <p:cNvPr id="104" name="PlaceHolder 3"/>
           <p:cNvSpPr>
             <a:spLocks noGrp="1"/>
           </p:cNvSpPr>
@@ -3144,7 +3144,7 @@
       </p:sp>
       <p:sp>
         <p:nvSpPr>
-          <p:cNvPr id="114" name="PlaceHolder 4"/>
+          <p:cNvPr id="105" name="PlaceHolder 4"/>
           <p:cNvSpPr>
             <a:spLocks noGrp="1"/>
           </p:cNvSpPr>
@@ -3174,7 +3174,7 @@
       </p:sp>
       <p:sp>
         <p:nvSpPr>
-          <p:cNvPr id="115" name="PlaceHolder 5"/>
+          <p:cNvPr id="106" name="PlaceHolder 5"/>
           <p:cNvSpPr>
             <a:spLocks noGrp="1"/>
           </p:cNvSpPr>
@@ -3226,7 +3226,7 @@
       </p:grpSpPr>
       <p:sp>
         <p:nvSpPr>
-          <p:cNvPr id="116" name="PlaceHolder 1"/>
+          <p:cNvPr id="107" name="PlaceHolder 1"/>
           <p:cNvSpPr>
             <a:spLocks noGrp="1"/>
           </p:cNvSpPr>
@@ -3257,7 +3257,7 @@
       </p:sp>
       <p:sp>
         <p:nvSpPr>
-          <p:cNvPr id="117" name="PlaceHolder 2"/>
+          <p:cNvPr id="108" name="PlaceHolder 2"/>
           <p:cNvSpPr>
             <a:spLocks noGrp="1"/>
           </p:cNvSpPr>
@@ -3287,7 +3287,7 @@
       </p:sp>
       <p:sp>
         <p:nvSpPr>
-          <p:cNvPr id="118" name="PlaceHolder 3"/>
+          <p:cNvPr id="109" name="PlaceHolder 3"/>
           <p:cNvSpPr>
             <a:spLocks noGrp="1"/>
           </p:cNvSpPr>
@@ -3317,7 +3317,7 @@
       </p:sp>
       <p:sp>
         <p:nvSpPr>
-          <p:cNvPr id="119" name="PlaceHolder 4"/>
+          <p:cNvPr id="110" name="PlaceHolder 4"/>
           <p:cNvSpPr>
             <a:spLocks noGrp="1"/>
           </p:cNvSpPr>
@@ -3347,7 +3347,7 @@
       </p:sp>
       <p:sp>
         <p:nvSpPr>
-          <p:cNvPr id="120" name="PlaceHolder 5"/>
+          <p:cNvPr id="111" name="PlaceHolder 5"/>
           <p:cNvSpPr>
             <a:spLocks noGrp="1"/>
           </p:cNvSpPr>
@@ -3377,7 +3377,7 @@
       </p:sp>
       <p:sp>
         <p:nvSpPr>
-          <p:cNvPr id="121" name="PlaceHolder 6"/>
+          <p:cNvPr id="112" name="PlaceHolder 6"/>
           <p:cNvSpPr>
             <a:spLocks noGrp="1"/>
           </p:cNvSpPr>
@@ -3407,7 +3407,7 @@
       </p:sp>
       <p:sp>
         <p:nvSpPr>
-          <p:cNvPr id="122" name="PlaceHolder 7"/>
+          <p:cNvPr id="113" name="PlaceHolder 7"/>
           <p:cNvSpPr>
             <a:spLocks noGrp="1"/>
           </p:cNvSpPr>
@@ -3459,7 +3459,7 @@
       </p:grpSpPr>
       <p:sp>
         <p:nvSpPr>
-          <p:cNvPr id="9" name="PlaceHolder 1"/>
+          <p:cNvPr id="6" name="PlaceHolder 1"/>
           <p:cNvSpPr>
             <a:spLocks noGrp="1"/>
           </p:cNvSpPr>
@@ -3490,7 +3490,7 @@
       </p:sp>
       <p:sp>
         <p:nvSpPr>
-          <p:cNvPr id="10" name="PlaceHolder 2"/>
+          <p:cNvPr id="7" name="PlaceHolder 2"/>
           <p:cNvSpPr>
             <a:spLocks noGrp="1"/>
           </p:cNvSpPr>
@@ -3520,7 +3520,7 @@
       </p:sp>
       <p:sp>
         <p:nvSpPr>
-          <p:cNvPr id="11" name="PlaceHolder 3"/>
+          <p:cNvPr id="8" name="PlaceHolder 3"/>
           <p:cNvSpPr>
             <a:spLocks noGrp="1"/>
           </p:cNvSpPr>
@@ -3572,7 +3572,7 @@
       </p:grpSpPr>
       <p:sp>
         <p:nvSpPr>
-          <p:cNvPr id="12" name="PlaceHolder 1"/>
+          <p:cNvPr id="9" name="PlaceHolder 1"/>
           <p:cNvSpPr>
             <a:spLocks noGrp="1"/>
           </p:cNvSpPr>
@@ -3625,7 +3625,7 @@
       </p:grpSpPr>
       <p:sp>
         <p:nvSpPr>
-          <p:cNvPr id="13" name="PlaceHolder 1"/>
+          <p:cNvPr id="10" name="PlaceHolder 1"/>
           <p:cNvSpPr>
             <a:spLocks noGrp="1"/>
           </p:cNvSpPr>
@@ -3678,7 +3678,7 @@
       </p:grpSpPr>
       <p:sp>
         <p:nvSpPr>
-          <p:cNvPr id="14" name="PlaceHolder 1"/>
+          <p:cNvPr id="11" name="PlaceHolder 1"/>
           <p:cNvSpPr>
             <a:spLocks noGrp="1"/>
           </p:cNvSpPr>
@@ -3709,7 +3709,7 @@
       </p:sp>
       <p:sp>
         <p:nvSpPr>
-          <p:cNvPr id="15" name="PlaceHolder 2"/>
+          <p:cNvPr id="12" name="PlaceHolder 2"/>
           <p:cNvSpPr>
             <a:spLocks noGrp="1"/>
           </p:cNvSpPr>
@@ -3739,7 +3739,7 @@
       </p:sp>
       <p:sp>
         <p:nvSpPr>
-          <p:cNvPr id="16" name="PlaceHolder 3"/>
+          <p:cNvPr id="13" name="PlaceHolder 3"/>
           <p:cNvSpPr>
             <a:spLocks noGrp="1"/>
           </p:cNvSpPr>
@@ -3769,7 +3769,7 @@
       </p:sp>
       <p:sp>
         <p:nvSpPr>
-          <p:cNvPr id="17" name="PlaceHolder 4"/>
+          <p:cNvPr id="14" name="PlaceHolder 4"/>
           <p:cNvSpPr>
             <a:spLocks noGrp="1"/>
           </p:cNvSpPr>
@@ -3821,7 +3821,7 @@
       </p:grpSpPr>
       <p:sp>
         <p:nvSpPr>
-          <p:cNvPr id="18" name="PlaceHolder 1"/>
+          <p:cNvPr id="15" name="PlaceHolder 1"/>
           <p:cNvSpPr>
             <a:spLocks noGrp="1"/>
           </p:cNvSpPr>
@@ -3852,7 +3852,7 @@
       </p:sp>
       <p:sp>
         <p:nvSpPr>
-          <p:cNvPr id="19" name="PlaceHolder 2"/>
+          <p:cNvPr id="16" name="PlaceHolder 2"/>
           <p:cNvSpPr>
             <a:spLocks noGrp="1"/>
           </p:cNvSpPr>
@@ -3882,7 +3882,7 @@
       </p:sp>
       <p:sp>
         <p:nvSpPr>
-          <p:cNvPr id="20" name="PlaceHolder 3"/>
+          <p:cNvPr id="17" name="PlaceHolder 3"/>
           <p:cNvSpPr>
             <a:spLocks noGrp="1"/>
           </p:cNvSpPr>
@@ -3912,7 +3912,7 @@
       </p:sp>
       <p:sp>
         <p:nvSpPr>
-          <p:cNvPr id="21" name="PlaceHolder 4"/>
+          <p:cNvPr id="18" name="PlaceHolder 4"/>
           <p:cNvSpPr>
             <a:spLocks noGrp="1"/>
           </p:cNvSpPr>
@@ -3964,7 +3964,7 @@
       </p:grpSpPr>
       <p:sp>
         <p:nvSpPr>
-          <p:cNvPr id="22" name="PlaceHolder 1"/>
+          <p:cNvPr id="19" name="PlaceHolder 1"/>
           <p:cNvSpPr>
             <a:spLocks noGrp="1"/>
           </p:cNvSpPr>
@@ -3995,7 +3995,7 @@
       </p:sp>
       <p:sp>
         <p:nvSpPr>
-          <p:cNvPr id="23" name="PlaceHolder 2"/>
+          <p:cNvPr id="20" name="PlaceHolder 2"/>
           <p:cNvSpPr>
             <a:spLocks noGrp="1"/>
           </p:cNvSpPr>
@@ -4025,7 +4025,7 @@
       </p:sp>
       <p:sp>
         <p:nvSpPr>
-          <p:cNvPr id="24" name="PlaceHolder 3"/>
+          <p:cNvPr id="21" name="PlaceHolder 3"/>
           <p:cNvSpPr>
             <a:spLocks noGrp="1"/>
           </p:cNvSpPr>
@@ -4055,7 +4055,7 @@
       </p:sp>
       <p:sp>
         <p:nvSpPr>
-          <p:cNvPr id="25" name="PlaceHolder 4"/>
+          <p:cNvPr id="22" name="PlaceHolder 4"/>
           <p:cNvSpPr>
             <a:spLocks noGrp="1"/>
           </p:cNvSpPr>
@@ -4112,130 +4112,6 @@
             <a:spLocks noGrp="1"/>
           </p:cNvSpPr>
           <p:nvPr>
-            <p:ph type="ftr"/>
-          </p:nvPr>
-        </p:nvSpPr>
-        <p:spPr>
-          <a:xfrm>
-            <a:off x="3447000" y="5164560"/>
-            <a:ext cx="3193920" cy="389880"/>
-          </a:xfrm>
-          <a:prstGeom prst="rect">
-            <a:avLst/>
-          </a:prstGeom>
-        </p:spPr>
-        <p:txBody>
-          <a:bodyPr lIns="0" rIns="0" tIns="0" bIns="0">
-            <a:noAutofit/>
-          </a:bodyPr>
-          <a:p>
-            <a:pPr algn="ctr">
-              <a:lnSpc>
-                <a:spcPct val="100000"/>
-              </a:lnSpc>
-              <a:tabLst>
-                <a:tab algn="l" pos="0"/>
-              </a:tabLst>
-            </a:pPr>
-            <a:r>
-              <a:rPr b="0" lang="en-US" sz="1400" spc="-1" strike="noStrike">
-                <a:solidFill>
-                  <a:srgbClr val="000000"/>
-                </a:solidFill>
-                <a:latin typeface="바탕"/>
-              </a:rPr>
-              <a:t>Footer</a:t>
-            </a:r>
-            <a:endParaRPr b="0" lang="en-US" sz="1400" spc="-1" strike="noStrike">
-              <a:latin typeface="Noto Sans CJK KR"/>
-            </a:endParaRPr>
-          </a:p>
-        </p:txBody>
-      </p:sp>
-      <p:sp>
-        <p:nvSpPr>
-          <p:cNvPr id="1" name="PlaceHolder 2"/>
-          <p:cNvSpPr>
-            <a:spLocks noGrp="1"/>
-          </p:cNvSpPr>
-          <p:nvPr>
-            <p:ph type="sldNum"/>
-          </p:nvPr>
-        </p:nvSpPr>
-        <p:spPr>
-          <a:xfrm>
-            <a:off x="7225920" y="5164560"/>
-            <a:ext cx="2347200" cy="389880"/>
-          </a:xfrm>
-          <a:prstGeom prst="rect">
-            <a:avLst/>
-          </a:prstGeom>
-        </p:spPr>
-        <p:txBody>
-          <a:bodyPr lIns="0" rIns="0" tIns="0" bIns="0">
-            <a:noAutofit/>
-          </a:bodyPr>
-          <a:p>
-            <a:pPr algn="r">
-              <a:lnSpc>
-                <a:spcPct val="100000"/>
-              </a:lnSpc>
-              <a:tabLst>
-                <a:tab algn="l" pos="0"/>
-              </a:tabLst>
-            </a:pPr>
-            <a:fld id="{2D2D80A6-3304-4760-9BC1-6B85B80E1801}" type="slidenum">
-              <a:rPr b="0" lang="en-US" sz="1400" spc="-1" strike="noStrike">
-                <a:solidFill>
-                  <a:srgbClr val="000000"/>
-                </a:solidFill>
-                <a:latin typeface="바탕"/>
-              </a:rPr>
-              <a:t>&lt;number&gt;</a:t>
-            </a:fld>
-            <a:endParaRPr b="0" lang="en-US" sz="1400" spc="-1" strike="noStrike">
-              <a:latin typeface="Noto Sans CJK KR"/>
-            </a:endParaRPr>
-          </a:p>
-        </p:txBody>
-      </p:sp>
-      <p:sp>
-        <p:nvSpPr>
-          <p:cNvPr id="2" name="PlaceHolder 3"/>
-          <p:cNvSpPr>
-            <a:spLocks noGrp="1"/>
-          </p:cNvSpPr>
-          <p:nvPr>
-            <p:ph type="dt"/>
-          </p:nvPr>
-        </p:nvSpPr>
-        <p:spPr>
-          <a:xfrm>
-            <a:off x="503640" y="5164560"/>
-            <a:ext cx="2347200" cy="389880"/>
-          </a:xfrm>
-          <a:prstGeom prst="rect">
-            <a:avLst/>
-          </a:prstGeom>
-        </p:spPr>
-        <p:txBody>
-          <a:bodyPr lIns="0" rIns="0" tIns="0" bIns="0">
-            <a:noAutofit/>
-          </a:bodyPr>
-          <a:p>
-            <a:endParaRPr b="0" lang="en-US" sz="2400" spc="-1" strike="noStrike">
-              <a:latin typeface="Noto Sans CJK KR"/>
-            </a:endParaRPr>
-          </a:p>
-        </p:txBody>
-      </p:sp>
-      <p:sp>
-        <p:nvSpPr>
-          <p:cNvPr id="3" name="PlaceHolder 4"/>
-          <p:cNvSpPr>
-            <a:spLocks noGrp="1"/>
-          </p:cNvSpPr>
-          <p:nvPr>
             <p:ph type="title"/>
           </p:nvPr>
         </p:nvSpPr>
@@ -4268,7 +4144,7 @@
       </p:sp>
       <p:sp>
         <p:nvSpPr>
-          <p:cNvPr id="4" name="PlaceHolder 5"/>
+          <p:cNvPr id="1" name="PlaceHolder 2"/>
           <p:cNvSpPr>
             <a:spLocks noGrp="1"/>
           </p:cNvSpPr>
@@ -4484,7 +4360,7 @@
       </p:grpSpPr>
       <p:sp>
         <p:nvSpPr>
-          <p:cNvPr id="41" name="PlaceHolder 1"/>
+          <p:cNvPr id="38" name="PlaceHolder 1"/>
           <p:cNvSpPr>
             <a:spLocks noGrp="1"/>
           </p:cNvSpPr>
@@ -4494,8 +4370,8 @@
         </p:nvSpPr>
         <p:spPr>
           <a:xfrm>
-            <a:off x="503640" y="225720"/>
-            <a:ext cx="9070200" cy="945360"/>
+            <a:off x="504000" y="226080"/>
+            <a:ext cx="9072000" cy="946440"/>
           </a:xfrm>
           <a:prstGeom prst="rect">
             <a:avLst/>
@@ -4506,21 +4382,22 @@
             <a:noAutofit/>
           </a:bodyPr>
           <a:p>
-            <a:r>
-              <a:rPr b="0" lang="en-US" sz="1800" spc="-1" strike="noStrike">
+            <a:pPr algn="ctr"/>
+            <a:r>
+              <a:rPr b="0" lang="en-US" sz="4400" spc="-1" strike="noStrike">
                 <a:latin typeface="Arial"/>
               </a:rPr>
               <a:t>Click to edit the title text format</a:t>
             </a:r>
-            <a:endParaRPr b="0" lang="en-US" sz="1800" spc="-1" strike="noStrike">
-              <a:latin typeface="Arial"/>
-            </a:endParaRPr>
-          </a:p>
-        </p:txBody>
-      </p:sp>
-      <p:sp>
-        <p:nvSpPr>
-          <p:cNvPr id="42" name="PlaceHolder 2"/>
+            <a:endParaRPr b="0" lang="en-US" sz="4400" spc="-1" strike="noStrike">
+              <a:latin typeface="Arial"/>
+            </a:endParaRPr>
+          </a:p>
+        </p:txBody>
+      </p:sp>
+      <p:sp>
+        <p:nvSpPr>
+          <p:cNvPr id="39" name="PlaceHolder 2"/>
           <p:cNvSpPr>
             <a:spLocks noGrp="1"/>
           </p:cNvSpPr>
@@ -4530,8 +4407,8 @@
         </p:nvSpPr>
         <p:spPr>
           <a:xfrm>
-            <a:off x="503640" y="1326240"/>
-            <a:ext cx="9070200" cy="3287160"/>
+            <a:off x="504000" y="1326600"/>
+            <a:ext cx="9072000" cy="3288600"/>
           </a:xfrm>
           <a:prstGeom prst="rect">
             <a:avLst/>
@@ -4554,12 +4431,12 @@
               <a:buChar char=""/>
             </a:pPr>
             <a:r>
-              <a:rPr b="0" lang="en-US" sz="1800" spc="-1" strike="noStrike">
+              <a:rPr b="0" lang="en-US" sz="3200" spc="-1" strike="noStrike">
                 <a:latin typeface="Arial"/>
               </a:rPr>
               <a:t>Click to edit the outline text format</a:t>
             </a:r>
-            <a:endParaRPr b="0" lang="en-US" sz="1800" spc="-1" strike="noStrike">
+            <a:endParaRPr b="0" lang="en-US" sz="3200" spc="-1" strike="noStrike">
               <a:latin typeface="Arial"/>
             </a:endParaRPr>
           </a:p>
@@ -4576,12 +4453,12 @@
               <a:buChar char=""/>
             </a:pPr>
             <a:r>
-              <a:rPr b="0" lang="en-US" sz="1800" spc="-1" strike="noStrike">
+              <a:rPr b="0" lang="en-US" sz="2800" spc="-1" strike="noStrike">
                 <a:latin typeface="Arial"/>
               </a:rPr>
               <a:t>Second Outline Level</a:t>
             </a:r>
-            <a:endParaRPr b="0" lang="en-US" sz="1800" spc="-1" strike="noStrike">
+            <a:endParaRPr b="0" lang="en-US" sz="2800" spc="-1" strike="noStrike">
               <a:latin typeface="Arial"/>
             </a:endParaRPr>
           </a:p>
@@ -4598,12 +4475,12 @@
               <a:buChar char=""/>
             </a:pPr>
             <a:r>
-              <a:rPr b="0" lang="en-US" sz="1800" spc="-1" strike="noStrike">
+              <a:rPr b="0" lang="en-US" sz="2400" spc="-1" strike="noStrike">
                 <a:latin typeface="Arial"/>
               </a:rPr>
               <a:t>Third Outline Level</a:t>
             </a:r>
-            <a:endParaRPr b="0" lang="en-US" sz="1800" spc="-1" strike="noStrike">
+            <a:endParaRPr b="0" lang="en-US" sz="2400" spc="-1" strike="noStrike">
               <a:latin typeface="Arial"/>
             </a:endParaRPr>
           </a:p>
@@ -4620,12 +4497,12 @@
               <a:buChar char=""/>
             </a:pPr>
             <a:r>
-              <a:rPr b="0" lang="en-US" sz="1800" spc="-1" strike="noStrike">
+              <a:rPr b="0" lang="en-US" sz="2000" spc="-1" strike="noStrike">
                 <a:latin typeface="Arial"/>
               </a:rPr>
               <a:t>Fourth Outline Level</a:t>
             </a:r>
-            <a:endParaRPr b="0" lang="en-US" sz="1800" spc="-1" strike="noStrike">
+            <a:endParaRPr b="0" lang="en-US" sz="2000" spc="-1" strike="noStrike">
               <a:latin typeface="Arial"/>
             </a:endParaRPr>
           </a:p>
@@ -4642,12 +4519,12 @@
               <a:buChar char=""/>
             </a:pPr>
             <a:r>
-              <a:rPr b="0" lang="en-US" sz="1800" spc="-1" strike="noStrike">
+              <a:rPr b="0" lang="en-US" sz="2000" spc="-1" strike="noStrike">
                 <a:latin typeface="Arial"/>
               </a:rPr>
               <a:t>Fifth Outline Level</a:t>
             </a:r>
-            <a:endParaRPr b="0" lang="en-US" sz="1800" spc="-1" strike="noStrike">
+            <a:endParaRPr b="0" lang="en-US" sz="2000" spc="-1" strike="noStrike">
               <a:latin typeface="Arial"/>
             </a:endParaRPr>
           </a:p>
@@ -4664,12 +4541,12 @@
               <a:buChar char=""/>
             </a:pPr>
             <a:r>
-              <a:rPr b="0" lang="en-US" sz="1800" spc="-1" strike="noStrike">
+              <a:rPr b="0" lang="en-US" sz="2000" spc="-1" strike="noStrike">
                 <a:latin typeface="Arial"/>
               </a:rPr>
               <a:t>Sixth Outline Level</a:t>
             </a:r>
-            <a:endParaRPr b="0" lang="en-US" sz="1800" spc="-1" strike="noStrike">
+            <a:endParaRPr b="0" lang="en-US" sz="2000" spc="-1" strike="noStrike">
               <a:latin typeface="Arial"/>
             </a:endParaRPr>
           </a:p>
@@ -4686,137 +4563,13 @@
               <a:buChar char=""/>
             </a:pPr>
             <a:r>
-              <a:rPr b="0" lang="en-US" sz="1800" spc="-1" strike="noStrike">
+              <a:rPr b="0" lang="en-US" sz="2000" spc="-1" strike="noStrike">
                 <a:latin typeface="Arial"/>
               </a:rPr>
               <a:t>Seventh Outline Level</a:t>
             </a:r>
-            <a:endParaRPr b="0" lang="en-US" sz="1800" spc="-1" strike="noStrike">
-              <a:latin typeface="Arial"/>
-            </a:endParaRPr>
-          </a:p>
-        </p:txBody>
-      </p:sp>
-      <p:sp>
-        <p:nvSpPr>
-          <p:cNvPr id="43" name="PlaceHolder 3"/>
-          <p:cNvSpPr>
-            <a:spLocks noGrp="1"/>
-          </p:cNvSpPr>
-          <p:nvPr>
-            <p:ph type="ftr"/>
-          </p:nvPr>
-        </p:nvSpPr>
-        <p:spPr>
-          <a:xfrm>
-            <a:off x="3447000" y="5164560"/>
-            <a:ext cx="3193920" cy="389880"/>
-          </a:xfrm>
-          <a:prstGeom prst="rect">
-            <a:avLst/>
-          </a:prstGeom>
-        </p:spPr>
-        <p:txBody>
-          <a:bodyPr lIns="0" rIns="0" tIns="0" bIns="0">
-            <a:noAutofit/>
-          </a:bodyPr>
-          <a:p>
-            <a:pPr algn="ctr">
-              <a:lnSpc>
-                <a:spcPct val="100000"/>
-              </a:lnSpc>
-              <a:tabLst>
-                <a:tab algn="l" pos="0"/>
-              </a:tabLst>
-            </a:pPr>
-            <a:r>
-              <a:rPr b="0" lang="en-US" sz="1400" spc="-1" strike="noStrike">
-                <a:solidFill>
-                  <a:srgbClr val="000000"/>
-                </a:solidFill>
-                <a:latin typeface="바탕"/>
-              </a:rPr>
-              <a:t>Footer</a:t>
-            </a:r>
-            <a:endParaRPr b="0" lang="en-US" sz="1400" spc="-1" strike="noStrike">
-              <a:latin typeface="Noto Sans CJK KR"/>
-            </a:endParaRPr>
-          </a:p>
-        </p:txBody>
-      </p:sp>
-      <p:sp>
-        <p:nvSpPr>
-          <p:cNvPr id="44" name="PlaceHolder 4"/>
-          <p:cNvSpPr>
-            <a:spLocks noGrp="1"/>
-          </p:cNvSpPr>
-          <p:nvPr>
-            <p:ph type="sldNum"/>
-          </p:nvPr>
-        </p:nvSpPr>
-        <p:spPr>
-          <a:xfrm>
-            <a:off x="7225920" y="5164560"/>
-            <a:ext cx="2347200" cy="389880"/>
-          </a:xfrm>
-          <a:prstGeom prst="rect">
-            <a:avLst/>
-          </a:prstGeom>
-        </p:spPr>
-        <p:txBody>
-          <a:bodyPr lIns="0" rIns="0" tIns="0" bIns="0">
-            <a:noAutofit/>
-          </a:bodyPr>
-          <a:p>
-            <a:pPr algn="r">
-              <a:lnSpc>
-                <a:spcPct val="100000"/>
-              </a:lnSpc>
-              <a:tabLst>
-                <a:tab algn="l" pos="0"/>
-              </a:tabLst>
-            </a:pPr>
-            <a:fld id="{8E75F551-07A0-4034-BEC3-3212B3392C93}" type="slidenum">
-              <a:rPr b="0" lang="en-US" sz="1400" spc="-1" strike="noStrike">
-                <a:solidFill>
-                  <a:srgbClr val="000000"/>
-                </a:solidFill>
-                <a:latin typeface="바탕"/>
-              </a:rPr>
-              <a:t>&lt;number&gt;</a:t>
-            </a:fld>
-            <a:endParaRPr b="0" lang="en-US" sz="1400" spc="-1" strike="noStrike">
-              <a:latin typeface="Noto Sans CJK KR"/>
-            </a:endParaRPr>
-          </a:p>
-        </p:txBody>
-      </p:sp>
-      <p:sp>
-        <p:nvSpPr>
-          <p:cNvPr id="45" name="PlaceHolder 5"/>
-          <p:cNvSpPr>
-            <a:spLocks noGrp="1"/>
-          </p:cNvSpPr>
-          <p:nvPr>
-            <p:ph type="dt"/>
-          </p:nvPr>
-        </p:nvSpPr>
-        <p:spPr>
-          <a:xfrm>
-            <a:off x="503640" y="5164560"/>
-            <a:ext cx="2347200" cy="389880"/>
-          </a:xfrm>
-          <a:prstGeom prst="rect">
-            <a:avLst/>
-          </a:prstGeom>
-        </p:spPr>
-        <p:txBody>
-          <a:bodyPr lIns="0" rIns="0" tIns="0" bIns="0">
-            <a:noAutofit/>
-          </a:bodyPr>
-          <a:p>
-            <a:endParaRPr b="0" lang="en-US" sz="2400" spc="-1" strike="noStrike">
-              <a:latin typeface="Noto Sans CJK KR"/>
+            <a:endParaRPr b="0" lang="en-US" sz="2000" spc="-1" strike="noStrike">
+              <a:latin typeface="Arial"/>
             </a:endParaRPr>
           </a:p>
         </p:txBody>
@@ -4860,131 +4613,7 @@
       </p:grpSpPr>
       <p:sp>
         <p:nvSpPr>
-          <p:cNvPr id="82" name="PlaceHolder 1"/>
-          <p:cNvSpPr>
-            <a:spLocks noGrp="1"/>
-          </p:cNvSpPr>
-          <p:nvPr>
-            <p:ph type="ftr"/>
-          </p:nvPr>
-        </p:nvSpPr>
-        <p:spPr>
-          <a:xfrm>
-            <a:off x="3447000" y="5164560"/>
-            <a:ext cx="3193920" cy="389880"/>
-          </a:xfrm>
-          <a:prstGeom prst="rect">
-            <a:avLst/>
-          </a:prstGeom>
-        </p:spPr>
-        <p:txBody>
-          <a:bodyPr lIns="0" rIns="0" tIns="0" bIns="0">
-            <a:noAutofit/>
-          </a:bodyPr>
-          <a:p>
-            <a:pPr algn="ctr">
-              <a:lnSpc>
-                <a:spcPct val="100000"/>
-              </a:lnSpc>
-              <a:tabLst>
-                <a:tab algn="l" pos="0"/>
-              </a:tabLst>
-            </a:pPr>
-            <a:r>
-              <a:rPr b="0" lang="en-US" sz="1400" spc="-1" strike="noStrike">
-                <a:solidFill>
-                  <a:srgbClr val="000000"/>
-                </a:solidFill>
-                <a:latin typeface="바탕"/>
-              </a:rPr>
-              <a:t>Footer</a:t>
-            </a:r>
-            <a:endParaRPr b="0" lang="en-US" sz="1400" spc="-1" strike="noStrike">
-              <a:latin typeface="Noto Sans CJK KR"/>
-            </a:endParaRPr>
-          </a:p>
-        </p:txBody>
-      </p:sp>
-      <p:sp>
-        <p:nvSpPr>
-          <p:cNvPr id="83" name="PlaceHolder 2"/>
-          <p:cNvSpPr>
-            <a:spLocks noGrp="1"/>
-          </p:cNvSpPr>
-          <p:nvPr>
-            <p:ph type="sldNum"/>
-          </p:nvPr>
-        </p:nvSpPr>
-        <p:spPr>
-          <a:xfrm>
-            <a:off x="7225920" y="5164560"/>
-            <a:ext cx="2347200" cy="389880"/>
-          </a:xfrm>
-          <a:prstGeom prst="rect">
-            <a:avLst/>
-          </a:prstGeom>
-        </p:spPr>
-        <p:txBody>
-          <a:bodyPr lIns="0" rIns="0" tIns="0" bIns="0">
-            <a:noAutofit/>
-          </a:bodyPr>
-          <a:p>
-            <a:pPr algn="r">
-              <a:lnSpc>
-                <a:spcPct val="100000"/>
-              </a:lnSpc>
-              <a:tabLst>
-                <a:tab algn="l" pos="0"/>
-              </a:tabLst>
-            </a:pPr>
-            <a:fld id="{3E4A1100-7898-4D10-ABF9-BBE6B81F6156}" type="slidenum">
-              <a:rPr b="0" lang="en-US" sz="1400" spc="-1" strike="noStrike">
-                <a:solidFill>
-                  <a:srgbClr val="000000"/>
-                </a:solidFill>
-                <a:latin typeface="바탕"/>
-              </a:rPr>
-              <a:t>&lt;number&gt;</a:t>
-            </a:fld>
-            <a:endParaRPr b="0" lang="en-US" sz="1400" spc="-1" strike="noStrike">
-              <a:latin typeface="Noto Sans CJK KR"/>
-            </a:endParaRPr>
-          </a:p>
-        </p:txBody>
-      </p:sp>
-      <p:sp>
-        <p:nvSpPr>
-          <p:cNvPr id="84" name="PlaceHolder 3"/>
-          <p:cNvSpPr>
-            <a:spLocks noGrp="1"/>
-          </p:cNvSpPr>
-          <p:nvPr>
-            <p:ph type="dt"/>
-          </p:nvPr>
-        </p:nvSpPr>
-        <p:spPr>
-          <a:xfrm>
-            <a:off x="503640" y="5164560"/>
-            <a:ext cx="2347200" cy="389880"/>
-          </a:xfrm>
-          <a:prstGeom prst="rect">
-            <a:avLst/>
-          </a:prstGeom>
-        </p:spPr>
-        <p:txBody>
-          <a:bodyPr lIns="0" rIns="0" tIns="0" bIns="0">
-            <a:noAutofit/>
-          </a:bodyPr>
-          <a:p>
-            <a:endParaRPr b="0" lang="en-US" sz="2400" spc="-1" strike="noStrike">
-              <a:latin typeface="Noto Sans CJK KR"/>
-            </a:endParaRPr>
-          </a:p>
-        </p:txBody>
-      </p:sp>
-      <p:sp>
-        <p:nvSpPr>
-          <p:cNvPr id="85" name="PlaceHolder 4"/>
+          <p:cNvPr id="76" name="PlaceHolder 1"/>
           <p:cNvSpPr>
             <a:spLocks noGrp="1"/>
           </p:cNvSpPr>
@@ -5021,7 +4650,7 @@
       </p:sp>
       <p:sp>
         <p:nvSpPr>
-          <p:cNvPr id="86" name="PlaceHolder 5"/>
+          <p:cNvPr id="77" name="PlaceHolder 2"/>
           <p:cNvSpPr>
             <a:spLocks noGrp="1"/>
           </p:cNvSpPr>
@@ -5237,7 +4866,7 @@
       </p:grpSpPr>
       <p:pic>
         <p:nvPicPr>
-          <p:cNvPr id="123" name="" descr=""/>
+          <p:cNvPr id="114" name="" descr=""/>
           <p:cNvPicPr/>
           <p:nvPr/>
         </p:nvPicPr>
@@ -5248,7 +4877,7 @@
         <p:spPr>
           <a:xfrm>
             <a:off x="0" y="899640"/>
-            <a:ext cx="10079640" cy="3599280"/>
+            <a:ext cx="10079280" cy="3598920"/>
           </a:xfrm>
           <a:prstGeom prst="rect">
             <a:avLst/>
@@ -5260,7 +4889,7 @@
       </p:pic>
       <p:pic>
         <p:nvPicPr>
-          <p:cNvPr id="124" name="" descr=""/>
+          <p:cNvPr id="115" name="" descr=""/>
           <p:cNvPicPr/>
           <p:nvPr/>
         </p:nvPicPr>
@@ -5271,7 +4900,7 @@
         <p:spPr>
           <a:xfrm>
             <a:off x="0" y="3419280"/>
-            <a:ext cx="10113480" cy="1263600"/>
+            <a:ext cx="10113120" cy="1263240"/>
           </a:xfrm>
           <a:prstGeom prst="rect">
             <a:avLst/>
@@ -5283,7 +4912,7 @@
       </p:pic>
       <p:pic>
         <p:nvPicPr>
-          <p:cNvPr id="125" name="" descr=""/>
+          <p:cNvPr id="116" name="" descr=""/>
           <p:cNvPicPr/>
           <p:nvPr/>
         </p:nvPicPr>
@@ -5294,7 +4923,7 @@
         <p:spPr>
           <a:xfrm>
             <a:off x="1586520" y="899640"/>
-            <a:ext cx="6987240" cy="3491640"/>
+            <a:ext cx="6986880" cy="3491280"/>
           </a:xfrm>
           <a:prstGeom prst="rect">
             <a:avLst/>
@@ -5351,14 +4980,14 @@
       </p:grpSpPr>
       <p:sp>
         <p:nvSpPr>
-          <p:cNvPr id="126" name="TextShape 1"/>
-          <p:cNvSpPr txBox="1"/>
+          <p:cNvPr id="117" name="CustomShape 1"/>
+          <p:cNvSpPr/>
           <p:nvPr/>
         </p:nvSpPr>
         <p:spPr>
           <a:xfrm>
             <a:off x="503640" y="225720"/>
-            <a:ext cx="9070200" cy="945360"/>
+            <a:ext cx="9069840" cy="945000"/>
           </a:xfrm>
           <a:prstGeom prst="rect">
             <a:avLst/>
@@ -5368,6 +4997,12 @@
             <a:noFill/>
           </a:ln>
         </p:spPr>
+        <p:style>
+          <a:lnRef idx="0"/>
+          <a:fillRef idx="0"/>
+          <a:effectRef idx="0"/>
+          <a:fontRef idx="minor"/>
+        </p:style>
         <p:txBody>
           <a:bodyPr lIns="0" rIns="0" tIns="0" bIns="0" anchor="ctr">
             <a:noAutofit/>
@@ -5398,14 +5033,14 @@
       </p:sp>
       <p:sp>
         <p:nvSpPr>
-          <p:cNvPr id="127" name="TextShape 2"/>
-          <p:cNvSpPr txBox="1"/>
+          <p:cNvPr id="118" name="CustomShape 2"/>
+          <p:cNvSpPr/>
           <p:nvPr/>
         </p:nvSpPr>
         <p:spPr>
           <a:xfrm>
             <a:off x="503640" y="942840"/>
-            <a:ext cx="9070200" cy="4313160"/>
+            <a:ext cx="9069840" cy="4312800"/>
           </a:xfrm>
           <a:prstGeom prst="rect">
             <a:avLst/>
@@ -5415,6 +5050,12 @@
             <a:noFill/>
           </a:ln>
         </p:spPr>
+        <p:style>
+          <a:lnRef idx="0"/>
+          <a:fillRef idx="0"/>
+          <a:effectRef idx="0"/>
+          <a:fontRef idx="minor"/>
+        </p:style>
         <p:txBody>
           <a:bodyPr lIns="0" rIns="0" tIns="0" bIns="0" anchor="ctr">
             <a:noAutofit/>
@@ -5428,7 +5069,7 @@
                 <a:tab algn="l" pos="0"/>
               </a:tabLst>
             </a:pPr>
-            <a:endParaRPr b="0" lang="en-US" sz="3200" spc="-1" strike="noStrike">
+            <a:endParaRPr b="0" lang="en-US" sz="1800" spc="-1" strike="noStrike">
               <a:latin typeface="Arial"/>
             </a:endParaRPr>
           </a:p>
@@ -5441,12 +5082,12 @@
                 <a:tab algn="l" pos="0"/>
               </a:tabLst>
             </a:pPr>
-            <a:endParaRPr b="0" lang="en-US" sz="3200" spc="-1" strike="noStrike">
-              <a:latin typeface="Arial"/>
-            </a:endParaRPr>
-          </a:p>
-          <a:p>
-            <a:pPr marL="216000" indent="-215640">
+            <a:endParaRPr b="0" lang="en-US" sz="1800" spc="-1" strike="noStrike">
+              <a:latin typeface="Arial"/>
+            </a:endParaRPr>
+          </a:p>
+          <a:p>
+            <a:pPr marL="216000" indent="-215280">
               <a:lnSpc>
                 <a:spcPct val="100000"/>
               </a:lnSpc>
@@ -5492,7 +5133,20 @@
             </a:endParaRPr>
           </a:p>
           <a:p>
-            <a:pPr marL="216000" indent="-215640">
+            <a:pPr>
+              <a:lnSpc>
+                <a:spcPct val="100000"/>
+              </a:lnSpc>
+              <a:tabLst>
+                <a:tab algn="l" pos="0"/>
+              </a:tabLst>
+            </a:pPr>
+            <a:endParaRPr b="0" lang="en-US" sz="1600" spc="-1" strike="noStrike">
+              <a:latin typeface="Arial"/>
+            </a:endParaRPr>
+          </a:p>
+          <a:p>
+            <a:pPr marL="216000" indent="-215280">
               <a:lnSpc>
                 <a:spcPct val="100000"/>
               </a:lnSpc>
@@ -5506,12 +5160,34 @@
                 <a:tab algn="l" pos="0"/>
               </a:tabLst>
             </a:pPr>
+            <a:r>
+              <a:rPr b="1" lang="ko-KR" sz="1600" spc="-1" strike="noStrike">
+                <a:solidFill>
+                  <a:srgbClr val="000000"/>
+                </a:solidFill>
+                <a:latin typeface="맑은 고딕"/>
+              </a:rPr>
+              <a:t>리소스 마당 리소스 활용 게임</a:t>
+            </a:r>
             <a:endParaRPr b="0" lang="en-US" sz="1600" spc="-1" strike="noStrike">
               <a:latin typeface="Arial"/>
             </a:endParaRPr>
           </a:p>
           <a:p>
-            <a:pPr marL="216000" indent="-215640">
+            <a:pPr>
+              <a:lnSpc>
+                <a:spcPct val="100000"/>
+              </a:lnSpc>
+              <a:tabLst>
+                <a:tab algn="l" pos="0"/>
+              </a:tabLst>
+            </a:pPr>
+            <a:endParaRPr b="0" lang="en-US" sz="1600" spc="-1" strike="noStrike">
+              <a:latin typeface="Arial"/>
+            </a:endParaRPr>
+          </a:p>
+          <a:p>
+            <a:pPr marL="216000" indent="-215280">
               <a:lnSpc>
                 <a:spcPct val="100000"/>
               </a:lnSpc>
@@ -5526,13 +5202,22 @@
               </a:tabLst>
             </a:pPr>
             <a:r>
+              <a:rPr b="0" lang="ko-KR" sz="1600" spc="-1" strike="noStrike">
+                <a:solidFill>
+                  <a:srgbClr val="000000"/>
+                </a:solidFill>
+                <a:latin typeface="맑은 고딕"/>
+              </a:rPr>
+              <a:t>전 작과 동일한 </a:t>
+            </a:r>
+            <a:r>
               <a:rPr b="1" lang="ko-KR" sz="1600" spc="-1" strike="noStrike">
                 <a:solidFill>
                   <a:srgbClr val="000000"/>
                 </a:solidFill>
                 <a:latin typeface="맑은 고딕"/>
               </a:rPr>
-              <a:t>리소스 마당 리소스 활용 게임</a:t>
+              <a:t>횡 스크롤 액션 슈팅 게임</a:t>
             </a:r>
             <a:endParaRPr b="0" lang="en-US" sz="1600" spc="-1" strike="noStrike">
               <a:latin typeface="Arial"/>
@@ -5552,7 +5237,7 @@
             </a:endParaRPr>
           </a:p>
           <a:p>
-            <a:pPr marL="216000" indent="-215640">
+            <a:pPr marL="216000" indent="-215280">
               <a:lnSpc>
                 <a:spcPct val="100000"/>
               </a:lnSpc>
@@ -5573,7 +5258,7 @@
                 </a:solidFill>
                 <a:latin typeface="맑은 고딕"/>
               </a:rPr>
-              <a:t>전 작과 동일한 </a:t>
+              <a:t>단순한 그래픽이지만 빠른 게임 진행으로 </a:t>
             </a:r>
             <a:r>
               <a:rPr b="1" lang="ko-KR" sz="1600" spc="-1" strike="noStrike">
@@ -5582,7 +5267,16 @@
                 </a:solidFill>
                 <a:latin typeface="맑은 고딕"/>
               </a:rPr>
-              <a:t>횡 스크롤 액션 슈팅 게임</a:t>
+              <a:t>속 시원한 게임 플레이</a:t>
+            </a:r>
+            <a:r>
+              <a:rPr b="0" lang="ko-KR" sz="1600" spc="-1" strike="noStrike">
+                <a:solidFill>
+                  <a:srgbClr val="000000"/>
+                </a:solidFill>
+                <a:latin typeface="맑은 고딕"/>
+              </a:rPr>
+              <a:t>를 선사</a:t>
             </a:r>
             <a:endParaRPr b="0" lang="en-US" sz="1600" spc="-1" strike="noStrike">
               <a:latin typeface="Arial"/>
@@ -5602,7 +5296,7 @@
             </a:endParaRPr>
           </a:p>
           <a:p>
-            <a:pPr marL="216000" indent="-215640">
+            <a:pPr marL="216000" indent="-215280">
               <a:lnSpc>
                 <a:spcPct val="100000"/>
               </a:lnSpc>
@@ -5623,16 +5317,25 @@
                 </a:solidFill>
                 <a:latin typeface="맑은 고딕"/>
               </a:rPr>
-              <a:t>단순한 그래픽이지만 빠른 게임 진행으로 </a:t>
-            </a:r>
-            <a:r>
-              <a:rPr b="1" lang="ko-KR" sz="1600" spc="-1" strike="noStrike">
+              <a:t>객체 좌표를 랜덤하게 변형시켜 만드는 </a:t>
+            </a:r>
+            <a:r>
+              <a:rPr b="1" lang="en-US" sz="1600" spc="-1" strike="noStrike">
                 <a:solidFill>
                   <a:srgbClr val="000000"/>
                 </a:solidFill>
                 <a:latin typeface="맑은 고딕"/>
               </a:rPr>
-              <a:t>속 시원한 게임 플레이</a:t>
+              <a:t>Display Shaking</a:t>
+            </a:r>
+            <a:r>
+              <a:rPr b="0" lang="en-US" sz="1600" spc="-1" strike="noStrike">
+                <a:solidFill>
+                  <a:srgbClr val="000000"/>
+                </a:solidFill>
+                <a:latin typeface="맑은 고딕"/>
+              </a:rPr>
+              <a:t>, </a:t>
             </a:r>
             <a:r>
               <a:rPr b="0" lang="ko-KR" sz="1600" spc="-1" strike="noStrike">
@@ -5641,7 +5344,83 @@
                 </a:solidFill>
                 <a:latin typeface="맑은 고딕"/>
               </a:rPr>
-              <a:t>를 선사</a:t>
+              <a:t>마우스를 따라가는 </a:t>
+            </a:r>
+            <a:r>
+              <a:rPr b="1" lang="en-US" sz="1600" spc="-1" strike="noStrike">
+                <a:solidFill>
+                  <a:srgbClr val="000000"/>
+                </a:solidFill>
+                <a:latin typeface="맑은 고딕"/>
+              </a:rPr>
+              <a:t>Dynamic Camera</a:t>
+            </a:r>
+            <a:r>
+              <a:rPr b="0" lang="en-US" sz="1600" spc="-1" strike="noStrike">
+                <a:solidFill>
+                  <a:srgbClr val="000000"/>
+                </a:solidFill>
+                <a:latin typeface="맑은 고딕"/>
+              </a:rPr>
+              <a:t>,</a:t>
+            </a:r>
+            <a:endParaRPr b="0" lang="en-US" sz="1600" spc="-1" strike="noStrike">
+              <a:latin typeface="Arial"/>
+            </a:endParaRPr>
+          </a:p>
+          <a:p>
+            <a:pPr>
+              <a:lnSpc>
+                <a:spcPct val="100000"/>
+              </a:lnSpc>
+              <a:tabLst>
+                <a:tab algn="l" pos="0"/>
+              </a:tabLst>
+            </a:pPr>
+            <a:r>
+              <a:rPr b="0" lang="en-US" sz="1600" spc="-1" strike="noStrike">
+                <a:solidFill>
+                  <a:srgbClr val="000000"/>
+                </a:solidFill>
+                <a:latin typeface="맑은 고딕"/>
+              </a:rPr>
+              <a:t>   </a:t>
+            </a:r>
+            <a:r>
+              <a:rPr b="0" lang="ko-KR" sz="1600" spc="-1" strike="noStrike">
+                <a:solidFill>
+                  <a:srgbClr val="000000"/>
+                </a:solidFill>
+                <a:latin typeface="맑은 고딕"/>
+              </a:rPr>
+              <a:t>삼각함수를 순환시켜 만드는 </a:t>
+            </a:r>
+            <a:r>
+              <a:rPr b="1" lang="en-US" sz="1600" spc="-1" strike="noStrike">
+                <a:solidFill>
+                  <a:srgbClr val="000000"/>
+                </a:solidFill>
+                <a:latin typeface="맑은 고딕"/>
+              </a:rPr>
+              <a:t>Rubber Animation</a:t>
+            </a:r>
+            <a:r>
+              <a:rPr b="0" lang="en-US" sz="1600" spc="-1" strike="noStrike">
+                <a:solidFill>
+                  <a:srgbClr val="000000"/>
+                </a:solidFill>
+                <a:latin typeface="맑은 고딕"/>
+              </a:rPr>
+              <a:t> </a:t>
+            </a:r>
+            <a:r>
+              <a:rPr b="0" lang="ko-KR" sz="1600" spc="-1" strike="noStrike">
+                <a:solidFill>
+                  <a:srgbClr val="000000"/>
+                </a:solidFill>
+                <a:latin typeface="맑은 고딕"/>
+              </a:rPr>
+              <a:t>등 게임에 생동감을 더하는 다양한 장치</a:t>
             </a:r>
             <a:endParaRPr b="0" lang="en-US" sz="1600" spc="-1" strike="noStrike">
               <a:latin typeface="Arial"/>
@@ -5661,7 +5440,7 @@
             </a:endParaRPr>
           </a:p>
           <a:p>
-            <a:pPr marL="216000" indent="-215640">
+            <a:pPr marL="216000" indent="-215280">
               <a:lnSpc>
                 <a:spcPct val="100000"/>
               </a:lnSpc>
@@ -5682,16 +5461,25 @@
                 </a:solidFill>
                 <a:latin typeface="맑은 고딕"/>
               </a:rPr>
-              <a:t>객체 좌표를 랜덤하게 변형시켜 만드는 </a:t>
-            </a:r>
-            <a:r>
-              <a:rPr b="1" lang="en-US" sz="1600" spc="-1" strike="noStrike">
+              <a:t>거리 기반 대미지 판정 → </a:t>
+            </a:r>
+            <a:r>
+              <a:rPr b="1" lang="ko-KR" sz="1600" spc="-1" strike="noStrike">
                 <a:solidFill>
                   <a:srgbClr val="000000"/>
                 </a:solidFill>
                 <a:latin typeface="맑은 고딕"/>
               </a:rPr>
-              <a:t>Display Shaking</a:t>
+              <a:t>객체 간의 거리를 측정</a:t>
+            </a:r>
+            <a:r>
+              <a:rPr b="0" lang="ko-KR" sz="1600" spc="-1" strike="noStrike">
+                <a:solidFill>
+                  <a:srgbClr val="000000"/>
+                </a:solidFill>
+                <a:latin typeface="맑은 고딕"/>
+              </a:rPr>
+              <a:t>하여 특정 거리 안에 있는지의 여부로 판정</a:t>
             </a:r>
             <a:r>
               <a:rPr b="0" lang="en-US" sz="1600" spc="-1" strike="noStrike">
@@ -5700,83 +5488,7 @@
                 </a:solidFill>
                 <a:latin typeface="맑은 고딕"/>
               </a:rPr>
-              <a:t>, </a:t>
-            </a:r>
-            <a:r>
-              <a:rPr b="0" lang="ko-KR" sz="1600" spc="-1" strike="noStrike">
-                <a:solidFill>
-                  <a:srgbClr val="000000"/>
-                </a:solidFill>
-                <a:latin typeface="맑은 고딕"/>
-              </a:rPr>
-              <a:t>실시간 각도 계산</a:t>
-            </a:r>
-            <a:r>
-              <a:rPr b="0" lang="en-US" sz="1600" spc="-1" strike="noStrike">
-                <a:solidFill>
-                  <a:srgbClr val="000000"/>
-                </a:solidFill>
-                <a:latin typeface="맑은 고딕"/>
-              </a:rPr>
-              <a:t>,</a:t>
-            </a:r>
-            <a:endParaRPr b="0" lang="en-US" sz="1600" spc="-1" strike="noStrike">
-              <a:latin typeface="Arial"/>
-            </a:endParaRPr>
-          </a:p>
-          <a:p>
-            <a:pPr>
-              <a:lnSpc>
-                <a:spcPct val="100000"/>
-              </a:lnSpc>
-              <a:tabLst>
-                <a:tab algn="l" pos="0"/>
-              </a:tabLst>
-            </a:pPr>
-            <a:r>
-              <a:rPr b="0" lang="en-US" sz="1600" spc="-1" strike="noStrike">
-                <a:solidFill>
-                  <a:srgbClr val="000000"/>
-                </a:solidFill>
-                <a:latin typeface="맑은 고딕"/>
-              </a:rPr>
-              <a:t>   </a:t>
-            </a:r>
-            <a:r>
-              <a:rPr b="0" lang="ko-KR" sz="1600" spc="-1" strike="noStrike">
-                <a:solidFill>
-                  <a:srgbClr val="000000"/>
-                </a:solidFill>
-                <a:latin typeface="맑은 고딕"/>
-              </a:rPr>
-              <a:t>삼각함수를 순환시켜 만드는 </a:t>
-            </a:r>
-            <a:r>
-              <a:rPr b="1" lang="en-US" sz="1600" spc="-1" strike="noStrike">
-                <a:solidFill>
-                  <a:srgbClr val="000000"/>
-                </a:solidFill>
-                <a:latin typeface="맑은 고딕"/>
-              </a:rPr>
-              <a:t>Rubber Animation</a:t>
-            </a:r>
-            <a:r>
-              <a:rPr b="0" lang="en-US" sz="1600" spc="-1" strike="noStrike">
-                <a:solidFill>
-                  <a:srgbClr val="000000"/>
-                </a:solidFill>
-                <a:latin typeface="맑은 고딕"/>
-              </a:rPr>
-              <a:t> </a:t>
-            </a:r>
-            <a:r>
-              <a:rPr b="0" lang="ko-KR" sz="1600" spc="-1" strike="noStrike">
-                <a:solidFill>
-                  <a:srgbClr val="000000"/>
-                </a:solidFill>
-                <a:latin typeface="맑은 고딕"/>
-              </a:rPr>
-              <a:t>등 게임에 역동성을 더하는 다양한 장치</a:t>
+              <a:t>.</a:t>
             </a:r>
             <a:endParaRPr b="0" lang="en-US" sz="1600" spc="-1" strike="noStrike">
               <a:latin typeface="Arial"/>
@@ -5796,7 +5508,7 @@
             </a:endParaRPr>
           </a:p>
           <a:p>
-            <a:pPr marL="216000" indent="-215640">
+            <a:pPr marL="216000" indent="-215280">
               <a:lnSpc>
                 <a:spcPct val="100000"/>
               </a:lnSpc>
@@ -5817,7 +5529,7 @@
                 </a:solidFill>
                 <a:latin typeface="맑은 고딕"/>
               </a:rPr>
-              <a:t>거리 기반 대미지 판정 → </a:t>
+              <a:t>게임에 집중할 수 있도록 인터페이스는 </a:t>
             </a:r>
             <a:r>
               <a:rPr b="1" lang="ko-KR" sz="1600" spc="-1" strike="noStrike">
@@ -5826,25 +5538,7 @@
                 </a:solidFill>
                 <a:latin typeface="맑은 고딕"/>
               </a:rPr>
-              <a:t>객체 간의 거리를 측정</a:t>
-            </a:r>
-            <a:r>
-              <a:rPr b="0" lang="ko-KR" sz="1600" spc="-1" strike="noStrike">
-                <a:solidFill>
-                  <a:srgbClr val="000000"/>
-                </a:solidFill>
-                <a:latin typeface="맑은 고딕"/>
-              </a:rPr>
-              <a:t>하여 특정 거리 안에 있는지의 여부로 판정</a:t>
-            </a:r>
-            <a:r>
-              <a:rPr b="0" lang="en-US" sz="1600" spc="-1" strike="noStrike">
-                <a:solidFill>
-                  <a:srgbClr val="000000"/>
-                </a:solidFill>
-                <a:latin typeface="맑은 고딕"/>
-              </a:rPr>
-              <a:t>.</a:t>
+              <a:t>최대한 직관적이고 최소화된 형태</a:t>
             </a:r>
             <a:endParaRPr b="0" lang="en-US" sz="1600" spc="-1" strike="noStrike">
               <a:latin typeface="Arial"/>
@@ -5864,43 +5558,6 @@
             </a:endParaRPr>
           </a:p>
           <a:p>
-            <a:pPr marL="216000" indent="-215640">
-              <a:lnSpc>
-                <a:spcPct val="100000"/>
-              </a:lnSpc>
-              <a:buClr>
-                <a:srgbClr val="000000"/>
-              </a:buClr>
-              <a:buSzPct val="45000"/>
-              <a:buFont typeface="Wingdings" charset="2"/>
-              <a:buChar char=""/>
-              <a:tabLst>
-                <a:tab algn="l" pos="0"/>
-              </a:tabLst>
-            </a:pPr>
-            <a:r>
-              <a:rPr b="0" lang="ko-KR" sz="1600" spc="-1" strike="noStrike">
-                <a:solidFill>
-                  <a:srgbClr val="000000"/>
-                </a:solidFill>
-                <a:latin typeface="맑은 고딕"/>
-              </a:rPr>
-              <a:t>게임에 집중할 수 있도록 인터페이스는 </a:t>
-            </a:r>
-            <a:r>
-              <a:rPr b="1" lang="ko-KR" sz="1600" spc="-1" strike="noStrike">
-                <a:solidFill>
-                  <a:srgbClr val="000000"/>
-                </a:solidFill>
-                <a:latin typeface="맑은 고딕"/>
-              </a:rPr>
-              <a:t>최대한 직관적이고 최소화된 형태</a:t>
-            </a:r>
-            <a:endParaRPr b="0" lang="en-US" sz="1600" spc="-1" strike="noStrike">
-              <a:latin typeface="Arial"/>
-            </a:endParaRPr>
-          </a:p>
-          <a:p>
             <a:pPr>
               <a:lnSpc>
                 <a:spcPct val="100000"/>
@@ -5913,24 +5570,11 @@
               <a:latin typeface="Arial"/>
             </a:endParaRPr>
           </a:p>
-          <a:p>
-            <a:pPr>
-              <a:lnSpc>
-                <a:spcPct val="100000"/>
-              </a:lnSpc>
-              <a:tabLst>
-                <a:tab algn="l" pos="0"/>
-              </a:tabLst>
-            </a:pPr>
-            <a:endParaRPr b="0" lang="en-US" sz="1600" spc="-1" strike="noStrike">
-              <a:latin typeface="Arial"/>
-            </a:endParaRPr>
-          </a:p>
         </p:txBody>
       </p:sp>
       <p:pic>
         <p:nvPicPr>
-          <p:cNvPr id="128" name="" descr=""/>
+          <p:cNvPr id="119" name="" descr=""/>
           <p:cNvPicPr/>
           <p:nvPr/>
         </p:nvPicPr>
@@ -5942,7 +5586,7 @@
         <p:spPr>
           <a:xfrm>
             <a:off x="360" y="5035680"/>
-            <a:ext cx="10113480" cy="633960"/>
+            <a:ext cx="10113120" cy="633600"/>
           </a:xfrm>
           <a:prstGeom prst="rect">
             <a:avLst/>
@@ -5999,14 +5643,14 @@
       </p:grpSpPr>
       <p:sp>
         <p:nvSpPr>
-          <p:cNvPr id="129" name="TextShape 1"/>
-          <p:cNvSpPr txBox="1"/>
+          <p:cNvPr id="120" name="CustomShape 1"/>
+          <p:cNvSpPr/>
           <p:nvPr/>
         </p:nvSpPr>
         <p:spPr>
           <a:xfrm>
             <a:off x="503640" y="225720"/>
-            <a:ext cx="9070200" cy="945360"/>
+            <a:ext cx="9069840" cy="945000"/>
           </a:xfrm>
           <a:prstGeom prst="rect">
             <a:avLst/>
@@ -6016,6 +5660,12 @@
             <a:noFill/>
           </a:ln>
         </p:spPr>
+        <p:style>
+          <a:lnRef idx="0"/>
+          <a:fillRef idx="0"/>
+          <a:effectRef idx="0"/>
+          <a:fontRef idx="minor"/>
+        </p:style>
         <p:txBody>
           <a:bodyPr lIns="0" rIns="0" tIns="0" bIns="0" anchor="ctr">
             <a:noAutofit/>
@@ -6067,14 +5717,14 @@
       </p:sp>
       <p:sp>
         <p:nvSpPr>
-          <p:cNvPr id="130" name="TextShape 2"/>
-          <p:cNvSpPr txBox="1"/>
+          <p:cNvPr id="121" name="CustomShape 2"/>
+          <p:cNvSpPr/>
           <p:nvPr/>
         </p:nvSpPr>
         <p:spPr>
           <a:xfrm>
             <a:off x="503640" y="1146240"/>
-            <a:ext cx="9070200" cy="3891960"/>
+            <a:ext cx="9069840" cy="3891600"/>
           </a:xfrm>
           <a:prstGeom prst="rect">
             <a:avLst/>
@@ -6084,9 +5734,15 @@
             <a:noFill/>
           </a:ln>
         </p:spPr>
+        <p:style>
+          <a:lnRef idx="0"/>
+          <a:fillRef idx="0"/>
+          <a:effectRef idx="0"/>
+          <a:fontRef idx="minor"/>
+        </p:style>
         <p:txBody>
           <a:bodyPr lIns="0" rIns="0" tIns="0" bIns="0" anchor="ctr">
-            <a:normAutofit fontScale="82000"/>
+            <a:normAutofit fontScale="74000"/>
           </a:bodyPr>
           <a:p>
             <a:pPr marL="432000">
@@ -6097,12 +5753,12 @@
                 <a:tab algn="l" pos="0"/>
               </a:tabLst>
             </a:pPr>
-            <a:endParaRPr b="0" lang="en-US" sz="3200" spc="-1" strike="noStrike">
-              <a:latin typeface="Arial"/>
-            </a:endParaRPr>
-          </a:p>
-          <a:p>
-            <a:pPr marL="432000" indent="-323640">
+            <a:endParaRPr b="0" lang="en-US" sz="1800" spc="-1" strike="noStrike">
+              <a:latin typeface="Arial"/>
+            </a:endParaRPr>
+          </a:p>
+          <a:p>
+            <a:pPr marL="432000" indent="-323280">
               <a:lnSpc>
                 <a:spcPct val="100000"/>
               </a:lnSpc>
@@ -6257,7 +5913,7 @@
             </a:endParaRPr>
           </a:p>
           <a:p>
-            <a:pPr marL="432000" indent="-323640">
+            <a:pPr marL="432000" indent="-323280">
               <a:lnSpc>
                 <a:spcPct val="100000"/>
               </a:lnSpc>
@@ -6349,7 +6005,7 @@
             </a:endParaRPr>
           </a:p>
           <a:p>
-            <a:pPr marL="432000" indent="-323640">
+            <a:pPr marL="432000" indent="-323280">
               <a:lnSpc>
                 <a:spcPct val="100000"/>
               </a:lnSpc>
@@ -6441,7 +6097,7 @@
             </a:endParaRPr>
           </a:p>
           <a:p>
-            <a:pPr marL="432000" indent="-323640">
+            <a:pPr marL="432000" indent="-323280">
               <a:lnSpc>
                 <a:spcPct val="100000"/>
               </a:lnSpc>
@@ -6503,7 +6159,7 @@
             </a:endParaRPr>
           </a:p>
           <a:p>
-            <a:pPr marL="432000" indent="-323640">
+            <a:pPr marL="432000" indent="-323280">
               <a:lnSpc>
                 <a:spcPct val="100000"/>
               </a:lnSpc>
@@ -6575,7 +6231,7 @@
             </a:endParaRPr>
           </a:p>
           <a:p>
-            <a:pPr marL="432000" indent="-323640">
+            <a:pPr marL="432000" indent="-323280">
               <a:lnSpc>
                 <a:spcPct val="100000"/>
               </a:lnSpc>
@@ -6627,7 +6283,7 @@
             </a:endParaRPr>
           </a:p>
           <a:p>
-            <a:pPr marL="432000" indent="-323640">
+            <a:pPr marL="432000" indent="-323280">
               <a:lnSpc>
                 <a:spcPct val="100000"/>
               </a:lnSpc>
@@ -6669,7 +6325,7 @@
       </p:sp>
       <p:pic>
         <p:nvPicPr>
-          <p:cNvPr id="131" name="" descr=""/>
+          <p:cNvPr id="122" name="" descr=""/>
           <p:cNvPicPr/>
           <p:nvPr/>
         </p:nvPicPr>
@@ -6681,7 +6337,7 @@
         <p:spPr>
           <a:xfrm>
             <a:off x="0" y="5035320"/>
-            <a:ext cx="10113480" cy="633960"/>
+            <a:ext cx="10113120" cy="633600"/>
           </a:xfrm>
           <a:prstGeom prst="rect">
             <a:avLst/>
@@ -6738,14 +6394,14 @@
       </p:grpSpPr>
       <p:sp>
         <p:nvSpPr>
-          <p:cNvPr id="132" name="TextShape 1"/>
-          <p:cNvSpPr txBox="1"/>
+          <p:cNvPr id="123" name="CustomShape 1"/>
+          <p:cNvSpPr/>
           <p:nvPr/>
         </p:nvSpPr>
         <p:spPr>
           <a:xfrm>
             <a:off x="503640" y="225720"/>
-            <a:ext cx="9070200" cy="945360"/>
+            <a:ext cx="9069840" cy="945000"/>
           </a:xfrm>
           <a:prstGeom prst="rect">
             <a:avLst/>
@@ -6755,6 +6411,12 @@
             <a:noFill/>
           </a:ln>
         </p:spPr>
+        <p:style>
+          <a:lnRef idx="0"/>
+          <a:fillRef idx="0"/>
+          <a:effectRef idx="0"/>
+          <a:fontRef idx="minor"/>
+        </p:style>
         <p:txBody>
           <a:bodyPr lIns="0" rIns="0" tIns="0" bIns="0" anchor="ctr">
             <a:noAutofit/>
@@ -6803,7 +6465,7 @@
       </p:sp>
       <p:pic>
         <p:nvPicPr>
-          <p:cNvPr id="133" name="" descr=""/>
+          <p:cNvPr id="124" name="" descr=""/>
           <p:cNvPicPr/>
           <p:nvPr/>
         </p:nvPicPr>
@@ -6814,7 +6476,7 @@
         <p:spPr>
           <a:xfrm>
             <a:off x="5218920" y="2160000"/>
-            <a:ext cx="4557240" cy="2338920"/>
+            <a:ext cx="4556880" cy="2338560"/>
           </a:xfrm>
           <a:prstGeom prst="rect">
             <a:avLst/>
@@ -6826,7 +6488,7 @@
       </p:pic>
       <p:pic>
         <p:nvPicPr>
-          <p:cNvPr id="134" name="" descr=""/>
+          <p:cNvPr id="125" name="" descr=""/>
           <p:cNvPicPr/>
           <p:nvPr/>
         </p:nvPicPr>
@@ -6837,7 +6499,7 @@
         <p:spPr>
           <a:xfrm>
             <a:off x="359640" y="2160000"/>
-            <a:ext cx="4565880" cy="2338920"/>
+            <a:ext cx="4565520" cy="2338560"/>
           </a:xfrm>
           <a:prstGeom prst="rect">
             <a:avLst/>
@@ -6849,14 +6511,14 @@
       </p:pic>
       <p:sp>
         <p:nvSpPr>
-          <p:cNvPr id="135" name="TextShape 2"/>
-          <p:cNvSpPr txBox="1"/>
+          <p:cNvPr id="126" name="CustomShape 2"/>
+          <p:cNvSpPr/>
           <p:nvPr/>
         </p:nvSpPr>
         <p:spPr>
           <a:xfrm>
             <a:off x="303480" y="1327680"/>
-            <a:ext cx="9470880" cy="4251960"/>
+            <a:ext cx="9470520" cy="4251600"/>
           </a:xfrm>
           <a:prstGeom prst="rect">
             <a:avLst/>
@@ -6866,6 +6528,12 @@
             <a:noFill/>
           </a:ln>
         </p:spPr>
+        <p:style>
+          <a:lnRef idx="0"/>
+          <a:fillRef idx="0"/>
+          <a:effectRef idx="0"/>
+          <a:fontRef idx="minor"/>
+        </p:style>
         <p:txBody>
           <a:bodyPr lIns="0" rIns="0" tIns="0" bIns="0" anchor="ctr">
             <a:noAutofit/>
@@ -7058,7 +6726,7 @@
       </p:sp>
       <p:pic>
         <p:nvPicPr>
-          <p:cNvPr id="136" name="" descr=""/>
+          <p:cNvPr id="127" name="" descr=""/>
           <p:cNvPicPr/>
           <p:nvPr/>
         </p:nvPicPr>
@@ -7070,7 +6738,7 @@
         <p:spPr>
           <a:xfrm>
             <a:off x="0" y="4855320"/>
-            <a:ext cx="10113480" cy="813960"/>
+            <a:ext cx="10113120" cy="813600"/>
           </a:xfrm>
           <a:prstGeom prst="rect">
             <a:avLst/>
@@ -7127,7 +6795,7 @@
       </p:grpSpPr>
       <p:pic>
         <p:nvPicPr>
-          <p:cNvPr id="137" name="" descr=""/>
+          <p:cNvPr id="128" name="" descr=""/>
           <p:cNvPicPr/>
           <p:nvPr/>
         </p:nvPicPr>
@@ -7139,7 +6807,7 @@
         <p:spPr>
           <a:xfrm>
             <a:off x="0" y="4855320"/>
-            <a:ext cx="10113480" cy="813960"/>
+            <a:ext cx="10113120" cy="813600"/>
           </a:xfrm>
           <a:prstGeom prst="rect">
             <a:avLst/>
@@ -7151,14 +6819,14 @@
       </p:pic>
       <p:sp>
         <p:nvSpPr>
-          <p:cNvPr id="138" name="TextShape 1"/>
-          <p:cNvSpPr txBox="1"/>
+          <p:cNvPr id="129" name="CustomShape 1"/>
+          <p:cNvSpPr/>
           <p:nvPr/>
         </p:nvSpPr>
         <p:spPr>
           <a:xfrm>
             <a:off x="503640" y="225720"/>
-            <a:ext cx="9070200" cy="945360"/>
+            <a:ext cx="9069840" cy="945000"/>
           </a:xfrm>
           <a:prstGeom prst="rect">
             <a:avLst/>
@@ -7168,6 +6836,12 @@
             <a:noFill/>
           </a:ln>
         </p:spPr>
+        <p:style>
+          <a:lnRef idx="0"/>
+          <a:fillRef idx="0"/>
+          <a:effectRef idx="0"/>
+          <a:fontRef idx="minor"/>
+        </p:style>
         <p:txBody>
           <a:bodyPr lIns="0" rIns="0" tIns="0" bIns="0" anchor="ctr">
             <a:noAutofit/>
@@ -7216,7 +6890,7 @@
       </p:sp>
       <p:pic>
         <p:nvPicPr>
-          <p:cNvPr id="139" name="" descr=""/>
+          <p:cNvPr id="130" name="" descr=""/>
           <p:cNvPicPr/>
           <p:nvPr/>
         </p:nvPicPr>
@@ -7227,7 +6901,7 @@
         <p:spPr>
           <a:xfrm>
             <a:off x="1071720" y="1172160"/>
-            <a:ext cx="7933680" cy="4071960"/>
+            <a:ext cx="7933320" cy="4071600"/>
           </a:xfrm>
           <a:prstGeom prst="rect">
             <a:avLst/>
@@ -7284,14 +6958,14 @@
       </p:grpSpPr>
       <p:sp>
         <p:nvSpPr>
-          <p:cNvPr id="140" name="TextShape 1"/>
-          <p:cNvSpPr txBox="1"/>
+          <p:cNvPr id="131" name="CustomShape 1"/>
+          <p:cNvSpPr/>
           <p:nvPr/>
         </p:nvSpPr>
         <p:spPr>
           <a:xfrm>
             <a:off x="503640" y="225720"/>
-            <a:ext cx="9070200" cy="945360"/>
+            <a:ext cx="9069840" cy="945000"/>
           </a:xfrm>
           <a:prstGeom prst="rect">
             <a:avLst/>
@@ -7301,6 +6975,12 @@
             <a:noFill/>
           </a:ln>
         </p:spPr>
+        <p:style>
+          <a:lnRef idx="0"/>
+          <a:fillRef idx="0"/>
+          <a:effectRef idx="0"/>
+          <a:fontRef idx="minor"/>
+        </p:style>
         <p:txBody>
           <a:bodyPr lIns="0" rIns="0" tIns="0" bIns="0" anchor="ctr">
             <a:noAutofit/>
@@ -7331,7 +7011,7 @@
       </p:sp>
       <p:pic>
         <p:nvPicPr>
-          <p:cNvPr id="141" name="" descr=""/>
+          <p:cNvPr id="132" name="" descr=""/>
           <p:cNvPicPr/>
           <p:nvPr/>
         </p:nvPicPr>
@@ -7343,7 +7023,7 @@
         <p:spPr>
           <a:xfrm>
             <a:off x="0" y="4855320"/>
-            <a:ext cx="10113480" cy="813960"/>
+            <a:ext cx="10113120" cy="813600"/>
           </a:xfrm>
           <a:prstGeom prst="rect">
             <a:avLst/>
@@ -7355,7 +7035,7 @@
       </p:pic>
       <p:pic>
         <p:nvPicPr>
-          <p:cNvPr id="142" name="" descr=""/>
+          <p:cNvPr id="133" name="" descr=""/>
           <p:cNvPicPr/>
           <p:nvPr/>
         </p:nvPicPr>
@@ -7366,7 +7046,7 @@
         <p:spPr>
           <a:xfrm>
             <a:off x="2123280" y="1171800"/>
-            <a:ext cx="5832000" cy="4148640"/>
+            <a:ext cx="5831640" cy="4148280"/>
           </a:xfrm>
           <a:prstGeom prst="rect">
             <a:avLst/>
@@ -7376,6 +7056,84 @@
           </a:ln>
         </p:spPr>
       </p:pic>
+      <p:sp>
+        <p:nvSpPr>
+          <p:cNvPr id="134" name="CustomShape 2"/>
+          <p:cNvSpPr/>
+          <p:nvPr/>
+        </p:nvSpPr>
+        <p:spPr>
+          <a:xfrm>
+            <a:off x="5400000" y="5040000"/>
+            <a:ext cx="1152000" cy="184680"/>
+          </a:xfrm>
+          <a:prstGeom prst="rect">
+            <a:avLst/>
+          </a:prstGeom>
+          <a:solidFill>
+            <a:srgbClr val="ffffff"/>
+          </a:solidFill>
+          <a:ln>
+            <a:solidFill>
+              <a:srgbClr val="ffffff"/>
+            </a:solidFill>
+          </a:ln>
+        </p:spPr>
+        <p:style>
+          <a:lnRef idx="0"/>
+          <a:fillRef idx="0"/>
+          <a:effectRef idx="0"/>
+          <a:fontRef idx="minor"/>
+        </p:style>
+      </p:sp>
+      <p:sp>
+        <p:nvSpPr>
+          <p:cNvPr id="135" name="TextShape 3"/>
+          <p:cNvSpPr txBox="1"/>
+          <p:nvPr/>
+        </p:nvSpPr>
+        <p:spPr>
+          <a:xfrm>
+            <a:off x="5331240" y="4968000"/>
+            <a:ext cx="1508760" cy="293040"/>
+          </a:xfrm>
+          <a:prstGeom prst="rect">
+            <a:avLst/>
+          </a:prstGeom>
+          <a:noFill/>
+          <a:ln>
+            <a:noFill/>
+          </a:ln>
+        </p:spPr>
+        <p:txBody>
+          <a:bodyPr lIns="90000" rIns="90000" tIns="45000" bIns="45000">
+            <a:noAutofit/>
+          </a:bodyPr>
+          <a:p>
+            <a:r>
+              <a:rPr b="0" lang="ko-KR" sz="1100" spc="-1" strike="noStrike">
+                <a:latin typeface="Arial"/>
+              </a:rPr>
+              <a:t>사운드</a:t>
+            </a:r>
+            <a:r>
+              <a:rPr b="0" lang="en-US" sz="1100" spc="-1" strike="noStrike">
+                <a:latin typeface="Arial"/>
+              </a:rPr>
+              <a:t>, UI </a:t>
+            </a:r>
+            <a:r>
+              <a:rPr b="0" lang="ko-KR" sz="1100" spc="-1" strike="noStrike">
+                <a:latin typeface="Arial"/>
+              </a:rPr>
+              <a:t>작업</a:t>
+            </a:r>
+            <a:endParaRPr b="0" lang="en-US" sz="1100" spc="-1" strike="noStrike">
+              <a:latin typeface="Arial"/>
+            </a:endParaRPr>
+          </a:p>
+        </p:txBody>
+      </p:sp>
     </p:spTree>
   </p:cSld>
   <mc:AlternateContent>
@@ -7423,14 +7181,14 @@
       </p:grpSpPr>
       <p:sp>
         <p:nvSpPr>
-          <p:cNvPr id="143" name="TextShape 1"/>
-          <p:cNvSpPr txBox="1"/>
+          <p:cNvPr id="136" name="CustomShape 1"/>
+          <p:cNvSpPr/>
           <p:nvPr/>
         </p:nvSpPr>
         <p:spPr>
           <a:xfrm>
             <a:off x="503640" y="225720"/>
-            <a:ext cx="9070200" cy="945360"/>
+            <a:ext cx="9069840" cy="945000"/>
           </a:xfrm>
           <a:prstGeom prst="rect">
             <a:avLst/>
@@ -7440,6 +7198,12 @@
             <a:noFill/>
           </a:ln>
         </p:spPr>
+        <p:style>
+          <a:lnRef idx="0"/>
+          <a:fillRef idx="0"/>
+          <a:effectRef idx="0"/>
+          <a:fontRef idx="minor"/>
+        </p:style>
         <p:txBody>
           <a:bodyPr lIns="0" rIns="0" tIns="0" bIns="0" anchor="ctr">
             <a:noAutofit/>
@@ -7470,7 +7234,7 @@
       </p:sp>
       <p:pic>
         <p:nvPicPr>
-          <p:cNvPr id="144" name="" descr=""/>
+          <p:cNvPr id="137" name="" descr=""/>
           <p:cNvPicPr/>
           <p:nvPr/>
         </p:nvPicPr>
@@ -7482,7 +7246,7 @@
         <p:spPr>
           <a:xfrm>
             <a:off x="0" y="4855320"/>
-            <a:ext cx="10113480" cy="813960"/>
+            <a:ext cx="10113120" cy="813600"/>
           </a:xfrm>
           <a:prstGeom prst="rect">
             <a:avLst/>
@@ -7494,7 +7258,7 @@
       </p:pic>
       <p:pic>
         <p:nvPicPr>
-          <p:cNvPr id="145" name="" descr=""/>
+          <p:cNvPr id="138" name="" descr=""/>
           <p:cNvPicPr/>
           <p:nvPr/>
         </p:nvPicPr>
@@ -7505,7 +7269,7 @@
         <p:spPr>
           <a:xfrm>
             <a:off x="2369160" y="1079640"/>
-            <a:ext cx="5339880" cy="4253040"/>
+            <a:ext cx="5339520" cy="4252680"/>
           </a:xfrm>
           <a:prstGeom prst="rect">
             <a:avLst/>

--- a/2D 게임 프로그래밍 1차 발표.pptx
+++ b/2D 게임 프로그래밍 1차 발표.pptx
@@ -16,7 +16,7 @@
     <p:sldId id="262" r:id="rId11"/>
   </p:sldIdLst>
   <p:sldSz cx="10080625" cy="5670550"/>
-  <p:notesSz cx="7559675" cy="10691812"/>
+  <p:notesSz cx="7559675" cy="10691813"/>
 </p:presentation>
 </file>
 
@@ -77,15 +77,24 @@
           <a:prstGeom prst="rect">
             <a:avLst/>
           </a:prstGeom>
+          <a:noFill/>
+          <a:ln w="0">
+            <a:noFill/>
+          </a:ln>
         </p:spPr>
         <p:txBody>
           <a:bodyPr lIns="0" rIns="0" tIns="0" bIns="0" anchor="ctr">
             <a:noAutofit/>
           </a:bodyPr>
           <a:p>
-            <a:pPr algn="ctr"/>
+            <a:pPr indent="0" algn="ctr">
+              <a:buNone/>
+            </a:pPr>
             <a:endParaRPr b="0" lang="en-US" sz="4400" spc="-1" strike="noStrike">
-              <a:latin typeface="Arial"/>
+              <a:solidFill>
+                <a:srgbClr val="000000"/>
+              </a:solidFill>
+              <a:latin typeface="맑은 고딕"/>
             </a:endParaRPr>
           </a:p>
         </p:txBody>
@@ -97,7 +106,7 @@
             <a:spLocks noGrp="1"/>
           </p:cNvSpPr>
           <p:nvPr>
-            <p:ph type="body"/>
+            <p:ph/>
           </p:nvPr>
         </p:nvSpPr>
         <p:spPr>
@@ -108,14 +117,27 @@
           <a:prstGeom prst="rect">
             <a:avLst/>
           </a:prstGeom>
-        </p:spPr>
-        <p:txBody>
-          <a:bodyPr lIns="0" rIns="0" tIns="0" bIns="0">
+          <a:noFill/>
+          <a:ln w="0">
+            <a:noFill/>
+          </a:ln>
+        </p:spPr>
+        <p:txBody>
+          <a:bodyPr lIns="0" rIns="0" tIns="0" bIns="0" anchor="t">
             <a:normAutofit/>
           </a:bodyPr>
           <a:p>
+            <a:pPr indent="0">
+              <a:spcBef>
+                <a:spcPts val="1417"/>
+              </a:spcBef>
+              <a:buNone/>
+            </a:pPr>
             <a:endParaRPr b="0" lang="en-US" sz="3200" spc="-1" strike="noStrike">
-              <a:latin typeface="Arial"/>
+              <a:solidFill>
+                <a:srgbClr val="000000"/>
+              </a:solidFill>
+              <a:latin typeface="맑은 고딕"/>
             </a:endParaRPr>
           </a:p>
         </p:txBody>
@@ -127,7 +149,7 @@
             <a:spLocks noGrp="1"/>
           </p:cNvSpPr>
           <p:nvPr>
-            <p:ph type="body"/>
+            <p:ph/>
           </p:nvPr>
         </p:nvSpPr>
         <p:spPr>
@@ -138,14 +160,27 @@
           <a:prstGeom prst="rect">
             <a:avLst/>
           </a:prstGeom>
-        </p:spPr>
-        <p:txBody>
-          <a:bodyPr lIns="0" rIns="0" tIns="0" bIns="0">
+          <a:noFill/>
+          <a:ln w="0">
+            <a:noFill/>
+          </a:ln>
+        </p:spPr>
+        <p:txBody>
+          <a:bodyPr lIns="0" rIns="0" tIns="0" bIns="0" anchor="t">
             <a:normAutofit/>
           </a:bodyPr>
           <a:p>
+            <a:pPr indent="0">
+              <a:spcBef>
+                <a:spcPts val="1417"/>
+              </a:spcBef>
+              <a:buNone/>
+            </a:pPr>
             <a:endParaRPr b="0" lang="en-US" sz="3200" spc="-1" strike="noStrike">
-              <a:latin typeface="Arial"/>
+              <a:solidFill>
+                <a:srgbClr val="000000"/>
+              </a:solidFill>
+              <a:latin typeface="맑은 고딕"/>
             </a:endParaRPr>
           </a:p>
         </p:txBody>
@@ -190,15 +225,24 @@
           <a:prstGeom prst="rect">
             <a:avLst/>
           </a:prstGeom>
+          <a:noFill/>
+          <a:ln w="0">
+            <a:noFill/>
+          </a:ln>
         </p:spPr>
         <p:txBody>
           <a:bodyPr lIns="0" rIns="0" tIns="0" bIns="0" anchor="ctr">
             <a:noAutofit/>
           </a:bodyPr>
           <a:p>
-            <a:pPr algn="ctr"/>
+            <a:pPr indent="0" algn="ctr">
+              <a:buNone/>
+            </a:pPr>
             <a:endParaRPr b="0" lang="en-US" sz="4400" spc="-1" strike="noStrike">
-              <a:latin typeface="Arial"/>
+              <a:solidFill>
+                <a:srgbClr val="000000"/>
+              </a:solidFill>
+              <a:latin typeface="맑은 고딕"/>
             </a:endParaRPr>
           </a:p>
         </p:txBody>
@@ -210,7 +254,7 @@
             <a:spLocks noGrp="1"/>
           </p:cNvSpPr>
           <p:nvPr>
-            <p:ph type="body"/>
+            <p:ph/>
           </p:nvPr>
         </p:nvSpPr>
         <p:spPr>
@@ -221,14 +265,27 @@
           <a:prstGeom prst="rect">
             <a:avLst/>
           </a:prstGeom>
-        </p:spPr>
-        <p:txBody>
-          <a:bodyPr lIns="0" rIns="0" tIns="0" bIns="0">
+          <a:noFill/>
+          <a:ln w="0">
+            <a:noFill/>
+          </a:ln>
+        </p:spPr>
+        <p:txBody>
+          <a:bodyPr lIns="0" rIns="0" tIns="0" bIns="0" anchor="t">
             <a:normAutofit/>
           </a:bodyPr>
           <a:p>
+            <a:pPr indent="0">
+              <a:spcBef>
+                <a:spcPts val="1417"/>
+              </a:spcBef>
+              <a:buNone/>
+            </a:pPr>
             <a:endParaRPr b="0" lang="en-US" sz="3200" spc="-1" strike="noStrike">
-              <a:latin typeface="Arial"/>
+              <a:solidFill>
+                <a:srgbClr val="000000"/>
+              </a:solidFill>
+              <a:latin typeface="맑은 고딕"/>
             </a:endParaRPr>
           </a:p>
         </p:txBody>
@@ -240,7 +297,7 @@
             <a:spLocks noGrp="1"/>
           </p:cNvSpPr>
           <p:nvPr>
-            <p:ph type="body"/>
+            <p:ph/>
           </p:nvPr>
         </p:nvSpPr>
         <p:spPr>
@@ -251,14 +308,27 @@
           <a:prstGeom prst="rect">
             <a:avLst/>
           </a:prstGeom>
-        </p:spPr>
-        <p:txBody>
-          <a:bodyPr lIns="0" rIns="0" tIns="0" bIns="0">
+          <a:noFill/>
+          <a:ln w="0">
+            <a:noFill/>
+          </a:ln>
+        </p:spPr>
+        <p:txBody>
+          <a:bodyPr lIns="0" rIns="0" tIns="0" bIns="0" anchor="t">
             <a:normAutofit/>
           </a:bodyPr>
           <a:p>
+            <a:pPr indent="0">
+              <a:spcBef>
+                <a:spcPts val="1417"/>
+              </a:spcBef>
+              <a:buNone/>
+            </a:pPr>
             <a:endParaRPr b="0" lang="en-US" sz="3200" spc="-1" strike="noStrike">
-              <a:latin typeface="Arial"/>
+              <a:solidFill>
+                <a:srgbClr val="000000"/>
+              </a:solidFill>
+              <a:latin typeface="맑은 고딕"/>
             </a:endParaRPr>
           </a:p>
         </p:txBody>
@@ -270,7 +340,7 @@
             <a:spLocks noGrp="1"/>
           </p:cNvSpPr>
           <p:nvPr>
-            <p:ph type="body"/>
+            <p:ph/>
           </p:nvPr>
         </p:nvSpPr>
         <p:spPr>
@@ -281,14 +351,27 @@
           <a:prstGeom prst="rect">
             <a:avLst/>
           </a:prstGeom>
-        </p:spPr>
-        <p:txBody>
-          <a:bodyPr lIns="0" rIns="0" tIns="0" bIns="0">
+          <a:noFill/>
+          <a:ln w="0">
+            <a:noFill/>
+          </a:ln>
+        </p:spPr>
+        <p:txBody>
+          <a:bodyPr lIns="0" rIns="0" tIns="0" bIns="0" anchor="t">
             <a:normAutofit/>
           </a:bodyPr>
           <a:p>
+            <a:pPr indent="0">
+              <a:spcBef>
+                <a:spcPts val="1417"/>
+              </a:spcBef>
+              <a:buNone/>
+            </a:pPr>
             <a:endParaRPr b="0" lang="en-US" sz="3200" spc="-1" strike="noStrike">
-              <a:latin typeface="Arial"/>
+              <a:solidFill>
+                <a:srgbClr val="000000"/>
+              </a:solidFill>
+              <a:latin typeface="맑은 고딕"/>
             </a:endParaRPr>
           </a:p>
         </p:txBody>
@@ -300,7 +383,7 @@
             <a:spLocks noGrp="1"/>
           </p:cNvSpPr>
           <p:nvPr>
-            <p:ph type="body"/>
+            <p:ph/>
           </p:nvPr>
         </p:nvSpPr>
         <p:spPr>
@@ -311,14 +394,27 @@
           <a:prstGeom prst="rect">
             <a:avLst/>
           </a:prstGeom>
-        </p:spPr>
-        <p:txBody>
-          <a:bodyPr lIns="0" rIns="0" tIns="0" bIns="0">
+          <a:noFill/>
+          <a:ln w="0">
+            <a:noFill/>
+          </a:ln>
+        </p:spPr>
+        <p:txBody>
+          <a:bodyPr lIns="0" rIns="0" tIns="0" bIns="0" anchor="t">
             <a:normAutofit/>
           </a:bodyPr>
           <a:p>
+            <a:pPr indent="0">
+              <a:spcBef>
+                <a:spcPts val="1417"/>
+              </a:spcBef>
+              <a:buNone/>
+            </a:pPr>
             <a:endParaRPr b="0" lang="en-US" sz="3200" spc="-1" strike="noStrike">
-              <a:latin typeface="Arial"/>
+              <a:solidFill>
+                <a:srgbClr val="000000"/>
+              </a:solidFill>
+              <a:latin typeface="맑은 고딕"/>
             </a:endParaRPr>
           </a:p>
         </p:txBody>
@@ -363,15 +459,24 @@
           <a:prstGeom prst="rect">
             <a:avLst/>
           </a:prstGeom>
+          <a:noFill/>
+          <a:ln w="0">
+            <a:noFill/>
+          </a:ln>
         </p:spPr>
         <p:txBody>
           <a:bodyPr lIns="0" rIns="0" tIns="0" bIns="0" anchor="ctr">
             <a:noAutofit/>
           </a:bodyPr>
           <a:p>
-            <a:pPr algn="ctr"/>
+            <a:pPr indent="0" algn="ctr">
+              <a:buNone/>
+            </a:pPr>
             <a:endParaRPr b="0" lang="en-US" sz="4400" spc="-1" strike="noStrike">
-              <a:latin typeface="Arial"/>
+              <a:solidFill>
+                <a:srgbClr val="000000"/>
+              </a:solidFill>
+              <a:latin typeface="맑은 고딕"/>
             </a:endParaRPr>
           </a:p>
         </p:txBody>
@@ -383,7 +488,7 @@
             <a:spLocks noGrp="1"/>
           </p:cNvSpPr>
           <p:nvPr>
-            <p:ph type="body"/>
+            <p:ph/>
           </p:nvPr>
         </p:nvSpPr>
         <p:spPr>
@@ -394,14 +499,27 @@
           <a:prstGeom prst="rect">
             <a:avLst/>
           </a:prstGeom>
-        </p:spPr>
-        <p:txBody>
-          <a:bodyPr lIns="0" rIns="0" tIns="0" bIns="0">
-            <a:normAutofit/>
-          </a:bodyPr>
-          <a:p>
+          <a:noFill/>
+          <a:ln w="0">
+            <a:noFill/>
+          </a:ln>
+        </p:spPr>
+        <p:txBody>
+          <a:bodyPr lIns="0" rIns="0" tIns="0" bIns="0" anchor="t">
+            <a:normAutofit fontScale="96865"/>
+          </a:bodyPr>
+          <a:p>
+            <a:pPr indent="0">
+              <a:spcBef>
+                <a:spcPts val="1417"/>
+              </a:spcBef>
+              <a:buNone/>
+            </a:pPr>
             <a:endParaRPr b="0" lang="en-US" sz="3200" spc="-1" strike="noStrike">
-              <a:latin typeface="Arial"/>
+              <a:solidFill>
+                <a:srgbClr val="000000"/>
+              </a:solidFill>
+              <a:latin typeface="맑은 고딕"/>
             </a:endParaRPr>
           </a:p>
         </p:txBody>
@@ -413,7 +531,7 @@
             <a:spLocks noGrp="1"/>
           </p:cNvSpPr>
           <p:nvPr>
-            <p:ph type="body"/>
+            <p:ph/>
           </p:nvPr>
         </p:nvSpPr>
         <p:spPr>
@@ -424,14 +542,27 @@
           <a:prstGeom prst="rect">
             <a:avLst/>
           </a:prstGeom>
-        </p:spPr>
-        <p:txBody>
-          <a:bodyPr lIns="0" rIns="0" tIns="0" bIns="0">
-            <a:normAutofit/>
-          </a:bodyPr>
-          <a:p>
+          <a:noFill/>
+          <a:ln w="0">
+            <a:noFill/>
+          </a:ln>
+        </p:spPr>
+        <p:txBody>
+          <a:bodyPr lIns="0" rIns="0" tIns="0" bIns="0" anchor="t">
+            <a:normAutofit fontScale="96865"/>
+          </a:bodyPr>
+          <a:p>
+            <a:pPr indent="0">
+              <a:spcBef>
+                <a:spcPts val="1417"/>
+              </a:spcBef>
+              <a:buNone/>
+            </a:pPr>
             <a:endParaRPr b="0" lang="en-US" sz="3200" spc="-1" strike="noStrike">
-              <a:latin typeface="Arial"/>
+              <a:solidFill>
+                <a:srgbClr val="000000"/>
+              </a:solidFill>
+              <a:latin typeface="맑은 고딕"/>
             </a:endParaRPr>
           </a:p>
         </p:txBody>
@@ -443,7 +574,7 @@
             <a:spLocks noGrp="1"/>
           </p:cNvSpPr>
           <p:nvPr>
-            <p:ph type="body"/>
+            <p:ph/>
           </p:nvPr>
         </p:nvSpPr>
         <p:spPr>
@@ -454,14 +585,27 @@
           <a:prstGeom prst="rect">
             <a:avLst/>
           </a:prstGeom>
-        </p:spPr>
-        <p:txBody>
-          <a:bodyPr lIns="0" rIns="0" tIns="0" bIns="0">
-            <a:normAutofit/>
-          </a:bodyPr>
-          <a:p>
+          <a:noFill/>
+          <a:ln w="0">
+            <a:noFill/>
+          </a:ln>
+        </p:spPr>
+        <p:txBody>
+          <a:bodyPr lIns="0" rIns="0" tIns="0" bIns="0" anchor="t">
+            <a:normAutofit fontScale="96865"/>
+          </a:bodyPr>
+          <a:p>
+            <a:pPr indent="0">
+              <a:spcBef>
+                <a:spcPts val="1417"/>
+              </a:spcBef>
+              <a:buNone/>
+            </a:pPr>
             <a:endParaRPr b="0" lang="en-US" sz="3200" spc="-1" strike="noStrike">
-              <a:latin typeface="Arial"/>
+              <a:solidFill>
+                <a:srgbClr val="000000"/>
+              </a:solidFill>
+              <a:latin typeface="맑은 고딕"/>
             </a:endParaRPr>
           </a:p>
         </p:txBody>
@@ -473,7 +617,7 @@
             <a:spLocks noGrp="1"/>
           </p:cNvSpPr>
           <p:nvPr>
-            <p:ph type="body"/>
+            <p:ph/>
           </p:nvPr>
         </p:nvSpPr>
         <p:spPr>
@@ -484,14 +628,27 @@
           <a:prstGeom prst="rect">
             <a:avLst/>
           </a:prstGeom>
-        </p:spPr>
-        <p:txBody>
-          <a:bodyPr lIns="0" rIns="0" tIns="0" bIns="0">
-            <a:normAutofit/>
-          </a:bodyPr>
-          <a:p>
+          <a:noFill/>
+          <a:ln w="0">
+            <a:noFill/>
+          </a:ln>
+        </p:spPr>
+        <p:txBody>
+          <a:bodyPr lIns="0" rIns="0" tIns="0" bIns="0" anchor="t">
+            <a:normAutofit fontScale="96865"/>
+          </a:bodyPr>
+          <a:p>
+            <a:pPr indent="0">
+              <a:spcBef>
+                <a:spcPts val="1417"/>
+              </a:spcBef>
+              <a:buNone/>
+            </a:pPr>
             <a:endParaRPr b="0" lang="en-US" sz="3200" spc="-1" strike="noStrike">
-              <a:latin typeface="Arial"/>
+              <a:solidFill>
+                <a:srgbClr val="000000"/>
+              </a:solidFill>
+              <a:latin typeface="맑은 고딕"/>
             </a:endParaRPr>
           </a:p>
         </p:txBody>
@@ -503,7 +660,7 @@
             <a:spLocks noGrp="1"/>
           </p:cNvSpPr>
           <p:nvPr>
-            <p:ph type="body"/>
+            <p:ph/>
           </p:nvPr>
         </p:nvSpPr>
         <p:spPr>
@@ -514,14 +671,27 @@
           <a:prstGeom prst="rect">
             <a:avLst/>
           </a:prstGeom>
-        </p:spPr>
-        <p:txBody>
-          <a:bodyPr lIns="0" rIns="0" tIns="0" bIns="0">
-            <a:normAutofit/>
-          </a:bodyPr>
-          <a:p>
+          <a:noFill/>
+          <a:ln w="0">
+            <a:noFill/>
+          </a:ln>
+        </p:spPr>
+        <p:txBody>
+          <a:bodyPr lIns="0" rIns="0" tIns="0" bIns="0" anchor="t">
+            <a:normAutofit fontScale="96865"/>
+          </a:bodyPr>
+          <a:p>
+            <a:pPr indent="0">
+              <a:spcBef>
+                <a:spcPts val="1417"/>
+              </a:spcBef>
+              <a:buNone/>
+            </a:pPr>
             <a:endParaRPr b="0" lang="en-US" sz="3200" spc="-1" strike="noStrike">
-              <a:latin typeface="Arial"/>
+              <a:solidFill>
+                <a:srgbClr val="000000"/>
+              </a:solidFill>
+              <a:latin typeface="맑은 고딕"/>
             </a:endParaRPr>
           </a:p>
         </p:txBody>
@@ -533,7 +703,7 @@
             <a:spLocks noGrp="1"/>
           </p:cNvSpPr>
           <p:nvPr>
-            <p:ph type="body"/>
+            <p:ph/>
           </p:nvPr>
         </p:nvSpPr>
         <p:spPr>
@@ -544,14 +714,27 @@
           <a:prstGeom prst="rect">
             <a:avLst/>
           </a:prstGeom>
-        </p:spPr>
-        <p:txBody>
-          <a:bodyPr lIns="0" rIns="0" tIns="0" bIns="0">
-            <a:normAutofit/>
-          </a:bodyPr>
-          <a:p>
+          <a:noFill/>
+          <a:ln w="0">
+            <a:noFill/>
+          </a:ln>
+        </p:spPr>
+        <p:txBody>
+          <a:bodyPr lIns="0" rIns="0" tIns="0" bIns="0" anchor="t">
+            <a:normAutofit fontScale="96865"/>
+          </a:bodyPr>
+          <a:p>
+            <a:pPr indent="0">
+              <a:spcBef>
+                <a:spcPts val="1417"/>
+              </a:spcBef>
+              <a:buNone/>
+            </a:pPr>
             <a:endParaRPr b="0" lang="en-US" sz="3200" spc="-1" strike="noStrike">
-              <a:latin typeface="Arial"/>
+              <a:solidFill>
+                <a:srgbClr val="000000"/>
+              </a:solidFill>
+              <a:latin typeface="맑은 고딕"/>
             </a:endParaRPr>
           </a:p>
         </p:txBody>
@@ -618,15 +801,24 @@
           <a:prstGeom prst="rect">
             <a:avLst/>
           </a:prstGeom>
+          <a:noFill/>
+          <a:ln w="0">
+            <a:noFill/>
+          </a:ln>
         </p:spPr>
         <p:txBody>
           <a:bodyPr lIns="0" rIns="0" tIns="0" bIns="0" anchor="ctr">
             <a:noAutofit/>
           </a:bodyPr>
           <a:p>
-            <a:pPr algn="ctr"/>
+            <a:pPr indent="0" algn="ctr">
+              <a:buNone/>
+            </a:pPr>
             <a:endParaRPr b="0" lang="en-US" sz="4400" spc="-1" strike="noStrike">
-              <a:latin typeface="Arial"/>
+              <a:solidFill>
+                <a:srgbClr val="000000"/>
+              </a:solidFill>
+              <a:latin typeface="맑은 고딕"/>
             </a:endParaRPr>
           </a:p>
         </p:txBody>
@@ -649,15 +841,24 @@
           <a:prstGeom prst="rect">
             <a:avLst/>
           </a:prstGeom>
+          <a:noFill/>
+          <a:ln w="0">
+            <a:noFill/>
+          </a:ln>
         </p:spPr>
         <p:txBody>
           <a:bodyPr lIns="0" rIns="0" tIns="0" bIns="0" anchor="ctr">
             <a:noAutofit/>
           </a:bodyPr>
           <a:p>
-            <a:pPr algn="ctr"/>
+            <a:pPr indent="0" algn="ctr">
+              <a:buNone/>
+            </a:pPr>
             <a:endParaRPr b="0" lang="en-US" sz="3200" spc="-1" strike="noStrike">
-              <a:latin typeface="Arial"/>
+              <a:solidFill>
+                <a:srgbClr val="000000"/>
+              </a:solidFill>
+              <a:latin typeface="맑은 고딕"/>
             </a:endParaRPr>
           </a:p>
         </p:txBody>
@@ -702,15 +903,24 @@
           <a:prstGeom prst="rect">
             <a:avLst/>
           </a:prstGeom>
+          <a:noFill/>
+          <a:ln w="0">
+            <a:noFill/>
+          </a:ln>
         </p:spPr>
         <p:txBody>
           <a:bodyPr lIns="0" rIns="0" tIns="0" bIns="0" anchor="ctr">
             <a:noAutofit/>
           </a:bodyPr>
           <a:p>
-            <a:pPr algn="ctr"/>
+            <a:pPr indent="0" algn="ctr">
+              <a:buNone/>
+            </a:pPr>
             <a:endParaRPr b="0" lang="en-US" sz="4400" spc="-1" strike="noStrike">
-              <a:latin typeface="Arial"/>
+              <a:solidFill>
+                <a:srgbClr val="000000"/>
+              </a:solidFill>
+              <a:latin typeface="맑은 고딕"/>
             </a:endParaRPr>
           </a:p>
         </p:txBody>
@@ -722,7 +932,7 @@
             <a:spLocks noGrp="1"/>
           </p:cNvSpPr>
           <p:nvPr>
-            <p:ph type="body"/>
+            <p:ph/>
           </p:nvPr>
         </p:nvSpPr>
         <p:spPr>
@@ -733,14 +943,27 @@
           <a:prstGeom prst="rect">
             <a:avLst/>
           </a:prstGeom>
-        </p:spPr>
-        <p:txBody>
-          <a:bodyPr lIns="0" rIns="0" tIns="0" bIns="0">
+          <a:noFill/>
+          <a:ln w="0">
+            <a:noFill/>
+          </a:ln>
+        </p:spPr>
+        <p:txBody>
+          <a:bodyPr lIns="0" rIns="0" tIns="0" bIns="0" anchor="t">
             <a:normAutofit/>
           </a:bodyPr>
           <a:p>
+            <a:pPr indent="0">
+              <a:spcBef>
+                <a:spcPts val="1417"/>
+              </a:spcBef>
+              <a:buNone/>
+            </a:pPr>
             <a:endParaRPr b="0" lang="en-US" sz="3200" spc="-1" strike="noStrike">
-              <a:latin typeface="Arial"/>
+              <a:solidFill>
+                <a:srgbClr val="000000"/>
+              </a:solidFill>
+              <a:latin typeface="맑은 고딕"/>
             </a:endParaRPr>
           </a:p>
         </p:txBody>
@@ -785,15 +1008,24 @@
           <a:prstGeom prst="rect">
             <a:avLst/>
           </a:prstGeom>
+          <a:noFill/>
+          <a:ln w="0">
+            <a:noFill/>
+          </a:ln>
         </p:spPr>
         <p:txBody>
           <a:bodyPr lIns="0" rIns="0" tIns="0" bIns="0" anchor="ctr">
             <a:noAutofit/>
           </a:bodyPr>
           <a:p>
-            <a:pPr algn="ctr"/>
+            <a:pPr indent="0" algn="ctr">
+              <a:buNone/>
+            </a:pPr>
             <a:endParaRPr b="0" lang="en-US" sz="4400" spc="-1" strike="noStrike">
-              <a:latin typeface="Arial"/>
+              <a:solidFill>
+                <a:srgbClr val="000000"/>
+              </a:solidFill>
+              <a:latin typeface="맑은 고딕"/>
             </a:endParaRPr>
           </a:p>
         </p:txBody>
@@ -805,7 +1037,7 @@
             <a:spLocks noGrp="1"/>
           </p:cNvSpPr>
           <p:nvPr>
-            <p:ph type="body"/>
+            <p:ph/>
           </p:nvPr>
         </p:nvSpPr>
         <p:spPr>
@@ -816,14 +1048,27 @@
           <a:prstGeom prst="rect">
             <a:avLst/>
           </a:prstGeom>
-        </p:spPr>
-        <p:txBody>
-          <a:bodyPr lIns="0" rIns="0" tIns="0" bIns="0">
+          <a:noFill/>
+          <a:ln w="0">
+            <a:noFill/>
+          </a:ln>
+        </p:spPr>
+        <p:txBody>
+          <a:bodyPr lIns="0" rIns="0" tIns="0" bIns="0" anchor="t">
             <a:normAutofit/>
           </a:bodyPr>
           <a:p>
+            <a:pPr indent="0">
+              <a:spcBef>
+                <a:spcPts val="1417"/>
+              </a:spcBef>
+              <a:buNone/>
+            </a:pPr>
             <a:endParaRPr b="0" lang="en-US" sz="3200" spc="-1" strike="noStrike">
-              <a:latin typeface="Arial"/>
+              <a:solidFill>
+                <a:srgbClr val="000000"/>
+              </a:solidFill>
+              <a:latin typeface="맑은 고딕"/>
             </a:endParaRPr>
           </a:p>
         </p:txBody>
@@ -835,7 +1080,7 @@
             <a:spLocks noGrp="1"/>
           </p:cNvSpPr>
           <p:nvPr>
-            <p:ph type="body"/>
+            <p:ph/>
           </p:nvPr>
         </p:nvSpPr>
         <p:spPr>
@@ -846,14 +1091,27 @@
           <a:prstGeom prst="rect">
             <a:avLst/>
           </a:prstGeom>
-        </p:spPr>
-        <p:txBody>
-          <a:bodyPr lIns="0" rIns="0" tIns="0" bIns="0">
+          <a:noFill/>
+          <a:ln w="0">
+            <a:noFill/>
+          </a:ln>
+        </p:spPr>
+        <p:txBody>
+          <a:bodyPr lIns="0" rIns="0" tIns="0" bIns="0" anchor="t">
             <a:normAutofit/>
           </a:bodyPr>
           <a:p>
+            <a:pPr indent="0">
+              <a:spcBef>
+                <a:spcPts val="1417"/>
+              </a:spcBef>
+              <a:buNone/>
+            </a:pPr>
             <a:endParaRPr b="0" lang="en-US" sz="3200" spc="-1" strike="noStrike">
-              <a:latin typeface="Arial"/>
+              <a:solidFill>
+                <a:srgbClr val="000000"/>
+              </a:solidFill>
+              <a:latin typeface="맑은 고딕"/>
             </a:endParaRPr>
           </a:p>
         </p:txBody>
@@ -898,15 +1156,24 @@
           <a:prstGeom prst="rect">
             <a:avLst/>
           </a:prstGeom>
+          <a:noFill/>
+          <a:ln w="0">
+            <a:noFill/>
+          </a:ln>
         </p:spPr>
         <p:txBody>
           <a:bodyPr lIns="0" rIns="0" tIns="0" bIns="0" anchor="ctr">
             <a:noAutofit/>
           </a:bodyPr>
           <a:p>
-            <a:pPr algn="ctr"/>
+            <a:pPr indent="0" algn="ctr">
+              <a:buNone/>
+            </a:pPr>
             <a:endParaRPr b="0" lang="en-US" sz="4400" spc="-1" strike="noStrike">
-              <a:latin typeface="Arial"/>
+              <a:solidFill>
+                <a:srgbClr val="000000"/>
+              </a:solidFill>
+              <a:latin typeface="맑은 고딕"/>
             </a:endParaRPr>
           </a:p>
         </p:txBody>
@@ -951,6 +1218,10 @@
           <a:prstGeom prst="rect">
             <a:avLst/>
           </a:prstGeom>
+          <a:noFill/>
+          <a:ln w="0">
+            <a:noFill/>
+          </a:ln>
         </p:spPr>
         <p:txBody>
           <a:bodyPr lIns="0" rIns="0" tIns="0" bIns="0" anchor="ctr">
@@ -959,7 +1230,10 @@
           <a:p>
             <a:pPr algn="ctr"/>
             <a:endParaRPr b="0" lang="en-US" sz="3200" spc="-1" strike="noStrike">
-              <a:latin typeface="Arial"/>
+              <a:solidFill>
+                <a:srgbClr val="000000"/>
+              </a:solidFill>
+              <a:latin typeface="맑은 고딕"/>
             </a:endParaRPr>
           </a:p>
         </p:txBody>
@@ -1004,15 +1278,24 @@
           <a:prstGeom prst="rect">
             <a:avLst/>
           </a:prstGeom>
+          <a:noFill/>
+          <a:ln w="0">
+            <a:noFill/>
+          </a:ln>
         </p:spPr>
         <p:txBody>
           <a:bodyPr lIns="0" rIns="0" tIns="0" bIns="0" anchor="ctr">
             <a:noAutofit/>
           </a:bodyPr>
           <a:p>
-            <a:pPr algn="ctr"/>
+            <a:pPr indent="0" algn="ctr">
+              <a:buNone/>
+            </a:pPr>
             <a:endParaRPr b="0" lang="en-US" sz="4400" spc="-1" strike="noStrike">
-              <a:latin typeface="Arial"/>
+              <a:solidFill>
+                <a:srgbClr val="000000"/>
+              </a:solidFill>
+              <a:latin typeface="맑은 고딕"/>
             </a:endParaRPr>
           </a:p>
         </p:txBody>
@@ -1024,7 +1307,7 @@
             <a:spLocks noGrp="1"/>
           </p:cNvSpPr>
           <p:nvPr>
-            <p:ph type="body"/>
+            <p:ph/>
           </p:nvPr>
         </p:nvSpPr>
         <p:spPr>
@@ -1035,14 +1318,27 @@
           <a:prstGeom prst="rect">
             <a:avLst/>
           </a:prstGeom>
-        </p:spPr>
-        <p:txBody>
-          <a:bodyPr lIns="0" rIns="0" tIns="0" bIns="0">
+          <a:noFill/>
+          <a:ln w="0">
+            <a:noFill/>
+          </a:ln>
+        </p:spPr>
+        <p:txBody>
+          <a:bodyPr lIns="0" rIns="0" tIns="0" bIns="0" anchor="t">
             <a:normAutofit/>
           </a:bodyPr>
           <a:p>
+            <a:pPr indent="0">
+              <a:spcBef>
+                <a:spcPts val="1417"/>
+              </a:spcBef>
+              <a:buNone/>
+            </a:pPr>
             <a:endParaRPr b="0" lang="en-US" sz="3200" spc="-1" strike="noStrike">
-              <a:latin typeface="Arial"/>
+              <a:solidFill>
+                <a:srgbClr val="000000"/>
+              </a:solidFill>
+              <a:latin typeface="맑은 고딕"/>
             </a:endParaRPr>
           </a:p>
         </p:txBody>
@@ -1054,7 +1350,7 @@
             <a:spLocks noGrp="1"/>
           </p:cNvSpPr>
           <p:nvPr>
-            <p:ph type="body"/>
+            <p:ph/>
           </p:nvPr>
         </p:nvSpPr>
         <p:spPr>
@@ -1065,14 +1361,27 @@
           <a:prstGeom prst="rect">
             <a:avLst/>
           </a:prstGeom>
-        </p:spPr>
-        <p:txBody>
-          <a:bodyPr lIns="0" rIns="0" tIns="0" bIns="0">
+          <a:noFill/>
+          <a:ln w="0">
+            <a:noFill/>
+          </a:ln>
+        </p:spPr>
+        <p:txBody>
+          <a:bodyPr lIns="0" rIns="0" tIns="0" bIns="0" anchor="t">
             <a:normAutofit/>
           </a:bodyPr>
           <a:p>
+            <a:pPr indent="0">
+              <a:spcBef>
+                <a:spcPts val="1417"/>
+              </a:spcBef>
+              <a:buNone/>
+            </a:pPr>
             <a:endParaRPr b="0" lang="en-US" sz="3200" spc="-1" strike="noStrike">
-              <a:latin typeface="Arial"/>
+              <a:solidFill>
+                <a:srgbClr val="000000"/>
+              </a:solidFill>
+              <a:latin typeface="맑은 고딕"/>
             </a:endParaRPr>
           </a:p>
         </p:txBody>
@@ -1084,7 +1393,7 @@
             <a:spLocks noGrp="1"/>
           </p:cNvSpPr>
           <p:nvPr>
-            <p:ph type="body"/>
+            <p:ph/>
           </p:nvPr>
         </p:nvSpPr>
         <p:spPr>
@@ -1095,14 +1404,27 @@
           <a:prstGeom prst="rect">
             <a:avLst/>
           </a:prstGeom>
-        </p:spPr>
-        <p:txBody>
-          <a:bodyPr lIns="0" rIns="0" tIns="0" bIns="0">
+          <a:noFill/>
+          <a:ln w="0">
+            <a:noFill/>
+          </a:ln>
+        </p:spPr>
+        <p:txBody>
+          <a:bodyPr lIns="0" rIns="0" tIns="0" bIns="0" anchor="t">
             <a:normAutofit/>
           </a:bodyPr>
           <a:p>
+            <a:pPr indent="0">
+              <a:spcBef>
+                <a:spcPts val="1417"/>
+              </a:spcBef>
+              <a:buNone/>
+            </a:pPr>
             <a:endParaRPr b="0" lang="en-US" sz="3200" spc="-1" strike="noStrike">
-              <a:latin typeface="Arial"/>
+              <a:solidFill>
+                <a:srgbClr val="000000"/>
+              </a:solidFill>
+              <a:latin typeface="맑은 고딕"/>
             </a:endParaRPr>
           </a:p>
         </p:txBody>
@@ -1147,15 +1469,24 @@
           <a:prstGeom prst="rect">
             <a:avLst/>
           </a:prstGeom>
+          <a:noFill/>
+          <a:ln w="0">
+            <a:noFill/>
+          </a:ln>
         </p:spPr>
         <p:txBody>
           <a:bodyPr lIns="0" rIns="0" tIns="0" bIns="0" anchor="ctr">
             <a:noAutofit/>
           </a:bodyPr>
           <a:p>
-            <a:pPr algn="ctr"/>
+            <a:pPr indent="0" algn="ctr">
+              <a:buNone/>
+            </a:pPr>
             <a:endParaRPr b="0" lang="en-US" sz="4400" spc="-1" strike="noStrike">
-              <a:latin typeface="Arial"/>
+              <a:solidFill>
+                <a:srgbClr val="000000"/>
+              </a:solidFill>
+              <a:latin typeface="맑은 고딕"/>
             </a:endParaRPr>
           </a:p>
         </p:txBody>
@@ -1178,15 +1509,24 @@
           <a:prstGeom prst="rect">
             <a:avLst/>
           </a:prstGeom>
+          <a:noFill/>
+          <a:ln w="0">
+            <a:noFill/>
+          </a:ln>
         </p:spPr>
         <p:txBody>
           <a:bodyPr lIns="0" rIns="0" tIns="0" bIns="0" anchor="ctr">
             <a:noAutofit/>
           </a:bodyPr>
           <a:p>
-            <a:pPr algn="ctr"/>
+            <a:pPr indent="0" algn="ctr">
+              <a:buNone/>
+            </a:pPr>
             <a:endParaRPr b="0" lang="en-US" sz="3200" spc="-1" strike="noStrike">
-              <a:latin typeface="Arial"/>
+              <a:solidFill>
+                <a:srgbClr val="000000"/>
+              </a:solidFill>
+              <a:latin typeface="맑은 고딕"/>
             </a:endParaRPr>
           </a:p>
         </p:txBody>
@@ -1231,15 +1571,24 @@
           <a:prstGeom prst="rect">
             <a:avLst/>
           </a:prstGeom>
+          <a:noFill/>
+          <a:ln w="0">
+            <a:noFill/>
+          </a:ln>
         </p:spPr>
         <p:txBody>
           <a:bodyPr lIns="0" rIns="0" tIns="0" bIns="0" anchor="ctr">
             <a:noAutofit/>
           </a:bodyPr>
           <a:p>
-            <a:pPr algn="ctr"/>
+            <a:pPr indent="0" algn="ctr">
+              <a:buNone/>
+            </a:pPr>
             <a:endParaRPr b="0" lang="en-US" sz="4400" spc="-1" strike="noStrike">
-              <a:latin typeface="Arial"/>
+              <a:solidFill>
+                <a:srgbClr val="000000"/>
+              </a:solidFill>
+              <a:latin typeface="맑은 고딕"/>
             </a:endParaRPr>
           </a:p>
         </p:txBody>
@@ -1251,7 +1600,7 @@
             <a:spLocks noGrp="1"/>
           </p:cNvSpPr>
           <p:nvPr>
-            <p:ph type="body"/>
+            <p:ph/>
           </p:nvPr>
         </p:nvSpPr>
         <p:spPr>
@@ -1262,14 +1611,27 @@
           <a:prstGeom prst="rect">
             <a:avLst/>
           </a:prstGeom>
-        </p:spPr>
-        <p:txBody>
-          <a:bodyPr lIns="0" rIns="0" tIns="0" bIns="0">
+          <a:noFill/>
+          <a:ln w="0">
+            <a:noFill/>
+          </a:ln>
+        </p:spPr>
+        <p:txBody>
+          <a:bodyPr lIns="0" rIns="0" tIns="0" bIns="0" anchor="t">
             <a:normAutofit/>
           </a:bodyPr>
           <a:p>
+            <a:pPr indent="0">
+              <a:spcBef>
+                <a:spcPts val="1417"/>
+              </a:spcBef>
+              <a:buNone/>
+            </a:pPr>
             <a:endParaRPr b="0" lang="en-US" sz="3200" spc="-1" strike="noStrike">
-              <a:latin typeface="Arial"/>
+              <a:solidFill>
+                <a:srgbClr val="000000"/>
+              </a:solidFill>
+              <a:latin typeface="맑은 고딕"/>
             </a:endParaRPr>
           </a:p>
         </p:txBody>
@@ -1281,7 +1643,7 @@
             <a:spLocks noGrp="1"/>
           </p:cNvSpPr>
           <p:nvPr>
-            <p:ph type="body"/>
+            <p:ph/>
           </p:nvPr>
         </p:nvSpPr>
         <p:spPr>
@@ -1292,14 +1654,27 @@
           <a:prstGeom prst="rect">
             <a:avLst/>
           </a:prstGeom>
-        </p:spPr>
-        <p:txBody>
-          <a:bodyPr lIns="0" rIns="0" tIns="0" bIns="0">
+          <a:noFill/>
+          <a:ln w="0">
+            <a:noFill/>
+          </a:ln>
+        </p:spPr>
+        <p:txBody>
+          <a:bodyPr lIns="0" rIns="0" tIns="0" bIns="0" anchor="t">
             <a:normAutofit/>
           </a:bodyPr>
           <a:p>
+            <a:pPr indent="0">
+              <a:spcBef>
+                <a:spcPts val="1417"/>
+              </a:spcBef>
+              <a:buNone/>
+            </a:pPr>
             <a:endParaRPr b="0" lang="en-US" sz="3200" spc="-1" strike="noStrike">
-              <a:latin typeface="Arial"/>
+              <a:solidFill>
+                <a:srgbClr val="000000"/>
+              </a:solidFill>
+              <a:latin typeface="맑은 고딕"/>
             </a:endParaRPr>
           </a:p>
         </p:txBody>
@@ -1311,7 +1686,7 @@
             <a:spLocks noGrp="1"/>
           </p:cNvSpPr>
           <p:nvPr>
-            <p:ph type="body"/>
+            <p:ph/>
           </p:nvPr>
         </p:nvSpPr>
         <p:spPr>
@@ -1322,14 +1697,27 @@
           <a:prstGeom prst="rect">
             <a:avLst/>
           </a:prstGeom>
-        </p:spPr>
-        <p:txBody>
-          <a:bodyPr lIns="0" rIns="0" tIns="0" bIns="0">
+          <a:noFill/>
+          <a:ln w="0">
+            <a:noFill/>
+          </a:ln>
+        </p:spPr>
+        <p:txBody>
+          <a:bodyPr lIns="0" rIns="0" tIns="0" bIns="0" anchor="t">
             <a:normAutofit/>
           </a:bodyPr>
           <a:p>
+            <a:pPr indent="0">
+              <a:spcBef>
+                <a:spcPts val="1417"/>
+              </a:spcBef>
+              <a:buNone/>
+            </a:pPr>
             <a:endParaRPr b="0" lang="en-US" sz="3200" spc="-1" strike="noStrike">
-              <a:latin typeface="Arial"/>
+              <a:solidFill>
+                <a:srgbClr val="000000"/>
+              </a:solidFill>
+              <a:latin typeface="맑은 고딕"/>
             </a:endParaRPr>
           </a:p>
         </p:txBody>
@@ -1374,15 +1762,24 @@
           <a:prstGeom prst="rect">
             <a:avLst/>
           </a:prstGeom>
+          <a:noFill/>
+          <a:ln w="0">
+            <a:noFill/>
+          </a:ln>
         </p:spPr>
         <p:txBody>
           <a:bodyPr lIns="0" rIns="0" tIns="0" bIns="0" anchor="ctr">
             <a:noAutofit/>
           </a:bodyPr>
           <a:p>
-            <a:pPr algn="ctr"/>
+            <a:pPr indent="0" algn="ctr">
+              <a:buNone/>
+            </a:pPr>
             <a:endParaRPr b="0" lang="en-US" sz="4400" spc="-1" strike="noStrike">
-              <a:latin typeface="Arial"/>
+              <a:solidFill>
+                <a:srgbClr val="000000"/>
+              </a:solidFill>
+              <a:latin typeface="맑은 고딕"/>
             </a:endParaRPr>
           </a:p>
         </p:txBody>
@@ -1394,7 +1791,7 @@
             <a:spLocks noGrp="1"/>
           </p:cNvSpPr>
           <p:nvPr>
-            <p:ph type="body"/>
+            <p:ph/>
           </p:nvPr>
         </p:nvSpPr>
         <p:spPr>
@@ -1405,14 +1802,27 @@
           <a:prstGeom prst="rect">
             <a:avLst/>
           </a:prstGeom>
-        </p:spPr>
-        <p:txBody>
-          <a:bodyPr lIns="0" rIns="0" tIns="0" bIns="0">
+          <a:noFill/>
+          <a:ln w="0">
+            <a:noFill/>
+          </a:ln>
+        </p:spPr>
+        <p:txBody>
+          <a:bodyPr lIns="0" rIns="0" tIns="0" bIns="0" anchor="t">
             <a:normAutofit/>
           </a:bodyPr>
           <a:p>
+            <a:pPr indent="0">
+              <a:spcBef>
+                <a:spcPts val="1417"/>
+              </a:spcBef>
+              <a:buNone/>
+            </a:pPr>
             <a:endParaRPr b="0" lang="en-US" sz="3200" spc="-1" strike="noStrike">
-              <a:latin typeface="Arial"/>
+              <a:solidFill>
+                <a:srgbClr val="000000"/>
+              </a:solidFill>
+              <a:latin typeface="맑은 고딕"/>
             </a:endParaRPr>
           </a:p>
         </p:txBody>
@@ -1424,7 +1834,7 @@
             <a:spLocks noGrp="1"/>
           </p:cNvSpPr>
           <p:nvPr>
-            <p:ph type="body"/>
+            <p:ph/>
           </p:nvPr>
         </p:nvSpPr>
         <p:spPr>
@@ -1435,14 +1845,27 @@
           <a:prstGeom prst="rect">
             <a:avLst/>
           </a:prstGeom>
-        </p:spPr>
-        <p:txBody>
-          <a:bodyPr lIns="0" rIns="0" tIns="0" bIns="0">
+          <a:noFill/>
+          <a:ln w="0">
+            <a:noFill/>
+          </a:ln>
+        </p:spPr>
+        <p:txBody>
+          <a:bodyPr lIns="0" rIns="0" tIns="0" bIns="0" anchor="t">
             <a:normAutofit/>
           </a:bodyPr>
           <a:p>
+            <a:pPr indent="0">
+              <a:spcBef>
+                <a:spcPts val="1417"/>
+              </a:spcBef>
+              <a:buNone/>
+            </a:pPr>
             <a:endParaRPr b="0" lang="en-US" sz="3200" spc="-1" strike="noStrike">
-              <a:latin typeface="Arial"/>
+              <a:solidFill>
+                <a:srgbClr val="000000"/>
+              </a:solidFill>
+              <a:latin typeface="맑은 고딕"/>
             </a:endParaRPr>
           </a:p>
         </p:txBody>
@@ -1454,7 +1877,7 @@
             <a:spLocks noGrp="1"/>
           </p:cNvSpPr>
           <p:nvPr>
-            <p:ph type="body"/>
+            <p:ph/>
           </p:nvPr>
         </p:nvSpPr>
         <p:spPr>
@@ -1465,14 +1888,27 @@
           <a:prstGeom prst="rect">
             <a:avLst/>
           </a:prstGeom>
-        </p:spPr>
-        <p:txBody>
-          <a:bodyPr lIns="0" rIns="0" tIns="0" bIns="0">
+          <a:noFill/>
+          <a:ln w="0">
+            <a:noFill/>
+          </a:ln>
+        </p:spPr>
+        <p:txBody>
+          <a:bodyPr lIns="0" rIns="0" tIns="0" bIns="0" anchor="t">
             <a:normAutofit/>
           </a:bodyPr>
           <a:p>
+            <a:pPr indent="0">
+              <a:spcBef>
+                <a:spcPts val="1417"/>
+              </a:spcBef>
+              <a:buNone/>
+            </a:pPr>
             <a:endParaRPr b="0" lang="en-US" sz="3200" spc="-1" strike="noStrike">
-              <a:latin typeface="Arial"/>
+              <a:solidFill>
+                <a:srgbClr val="000000"/>
+              </a:solidFill>
+              <a:latin typeface="맑은 고딕"/>
             </a:endParaRPr>
           </a:p>
         </p:txBody>
@@ -1517,15 +1953,24 @@
           <a:prstGeom prst="rect">
             <a:avLst/>
           </a:prstGeom>
+          <a:noFill/>
+          <a:ln w="0">
+            <a:noFill/>
+          </a:ln>
         </p:spPr>
         <p:txBody>
           <a:bodyPr lIns="0" rIns="0" tIns="0" bIns="0" anchor="ctr">
             <a:noAutofit/>
           </a:bodyPr>
           <a:p>
-            <a:pPr algn="ctr"/>
+            <a:pPr indent="0" algn="ctr">
+              <a:buNone/>
+            </a:pPr>
             <a:endParaRPr b="0" lang="en-US" sz="4400" spc="-1" strike="noStrike">
-              <a:latin typeface="Arial"/>
+              <a:solidFill>
+                <a:srgbClr val="000000"/>
+              </a:solidFill>
+              <a:latin typeface="맑은 고딕"/>
             </a:endParaRPr>
           </a:p>
         </p:txBody>
@@ -1537,7 +1982,7 @@
             <a:spLocks noGrp="1"/>
           </p:cNvSpPr>
           <p:nvPr>
-            <p:ph type="body"/>
+            <p:ph/>
           </p:nvPr>
         </p:nvSpPr>
         <p:spPr>
@@ -1548,14 +1993,27 @@
           <a:prstGeom prst="rect">
             <a:avLst/>
           </a:prstGeom>
-        </p:spPr>
-        <p:txBody>
-          <a:bodyPr lIns="0" rIns="0" tIns="0" bIns="0">
+          <a:noFill/>
+          <a:ln w="0">
+            <a:noFill/>
+          </a:ln>
+        </p:spPr>
+        <p:txBody>
+          <a:bodyPr lIns="0" rIns="0" tIns="0" bIns="0" anchor="t">
             <a:normAutofit/>
           </a:bodyPr>
           <a:p>
+            <a:pPr indent="0">
+              <a:spcBef>
+                <a:spcPts val="1417"/>
+              </a:spcBef>
+              <a:buNone/>
+            </a:pPr>
             <a:endParaRPr b="0" lang="en-US" sz="3200" spc="-1" strike="noStrike">
-              <a:latin typeface="Arial"/>
+              <a:solidFill>
+                <a:srgbClr val="000000"/>
+              </a:solidFill>
+              <a:latin typeface="맑은 고딕"/>
             </a:endParaRPr>
           </a:p>
         </p:txBody>
@@ -1567,7 +2025,7 @@
             <a:spLocks noGrp="1"/>
           </p:cNvSpPr>
           <p:nvPr>
-            <p:ph type="body"/>
+            <p:ph/>
           </p:nvPr>
         </p:nvSpPr>
         <p:spPr>
@@ -1578,14 +2036,27 @@
           <a:prstGeom prst="rect">
             <a:avLst/>
           </a:prstGeom>
-        </p:spPr>
-        <p:txBody>
-          <a:bodyPr lIns="0" rIns="0" tIns="0" bIns="0">
+          <a:noFill/>
+          <a:ln w="0">
+            <a:noFill/>
+          </a:ln>
+        </p:spPr>
+        <p:txBody>
+          <a:bodyPr lIns="0" rIns="0" tIns="0" bIns="0" anchor="t">
             <a:normAutofit/>
           </a:bodyPr>
           <a:p>
+            <a:pPr indent="0">
+              <a:spcBef>
+                <a:spcPts val="1417"/>
+              </a:spcBef>
+              <a:buNone/>
+            </a:pPr>
             <a:endParaRPr b="0" lang="en-US" sz="3200" spc="-1" strike="noStrike">
-              <a:latin typeface="Arial"/>
+              <a:solidFill>
+                <a:srgbClr val="000000"/>
+              </a:solidFill>
+              <a:latin typeface="맑은 고딕"/>
             </a:endParaRPr>
           </a:p>
         </p:txBody>
@@ -1630,15 +2101,24 @@
           <a:prstGeom prst="rect">
             <a:avLst/>
           </a:prstGeom>
+          <a:noFill/>
+          <a:ln w="0">
+            <a:noFill/>
+          </a:ln>
         </p:spPr>
         <p:txBody>
           <a:bodyPr lIns="0" rIns="0" tIns="0" bIns="0" anchor="ctr">
             <a:noAutofit/>
           </a:bodyPr>
           <a:p>
-            <a:pPr algn="ctr"/>
+            <a:pPr indent="0" algn="ctr">
+              <a:buNone/>
+            </a:pPr>
             <a:endParaRPr b="0" lang="en-US" sz="4400" spc="-1" strike="noStrike">
-              <a:latin typeface="Arial"/>
+              <a:solidFill>
+                <a:srgbClr val="000000"/>
+              </a:solidFill>
+              <a:latin typeface="맑은 고딕"/>
             </a:endParaRPr>
           </a:p>
         </p:txBody>
@@ -1650,7 +2130,7 @@
             <a:spLocks noGrp="1"/>
           </p:cNvSpPr>
           <p:nvPr>
-            <p:ph type="body"/>
+            <p:ph/>
           </p:nvPr>
         </p:nvSpPr>
         <p:spPr>
@@ -1661,14 +2141,27 @@
           <a:prstGeom prst="rect">
             <a:avLst/>
           </a:prstGeom>
-        </p:spPr>
-        <p:txBody>
-          <a:bodyPr lIns="0" rIns="0" tIns="0" bIns="0">
+          <a:noFill/>
+          <a:ln w="0">
+            <a:noFill/>
+          </a:ln>
+        </p:spPr>
+        <p:txBody>
+          <a:bodyPr lIns="0" rIns="0" tIns="0" bIns="0" anchor="t">
             <a:normAutofit/>
           </a:bodyPr>
           <a:p>
+            <a:pPr indent="0">
+              <a:spcBef>
+                <a:spcPts val="1417"/>
+              </a:spcBef>
+              <a:buNone/>
+            </a:pPr>
             <a:endParaRPr b="0" lang="en-US" sz="3200" spc="-1" strike="noStrike">
-              <a:latin typeface="Arial"/>
+              <a:solidFill>
+                <a:srgbClr val="000000"/>
+              </a:solidFill>
+              <a:latin typeface="맑은 고딕"/>
             </a:endParaRPr>
           </a:p>
         </p:txBody>
@@ -1680,7 +2173,7 @@
             <a:spLocks noGrp="1"/>
           </p:cNvSpPr>
           <p:nvPr>
-            <p:ph type="body"/>
+            <p:ph/>
           </p:nvPr>
         </p:nvSpPr>
         <p:spPr>
@@ -1691,14 +2184,27 @@
           <a:prstGeom prst="rect">
             <a:avLst/>
           </a:prstGeom>
-        </p:spPr>
-        <p:txBody>
-          <a:bodyPr lIns="0" rIns="0" tIns="0" bIns="0">
+          <a:noFill/>
+          <a:ln w="0">
+            <a:noFill/>
+          </a:ln>
+        </p:spPr>
+        <p:txBody>
+          <a:bodyPr lIns="0" rIns="0" tIns="0" bIns="0" anchor="t">
             <a:normAutofit/>
           </a:bodyPr>
           <a:p>
+            <a:pPr indent="0">
+              <a:spcBef>
+                <a:spcPts val="1417"/>
+              </a:spcBef>
+              <a:buNone/>
+            </a:pPr>
             <a:endParaRPr b="0" lang="en-US" sz="3200" spc="-1" strike="noStrike">
-              <a:latin typeface="Arial"/>
+              <a:solidFill>
+                <a:srgbClr val="000000"/>
+              </a:solidFill>
+              <a:latin typeface="맑은 고딕"/>
             </a:endParaRPr>
           </a:p>
         </p:txBody>
@@ -1710,7 +2216,7 @@
             <a:spLocks noGrp="1"/>
           </p:cNvSpPr>
           <p:nvPr>
-            <p:ph type="body"/>
+            <p:ph/>
           </p:nvPr>
         </p:nvSpPr>
         <p:spPr>
@@ -1721,14 +2227,27 @@
           <a:prstGeom prst="rect">
             <a:avLst/>
           </a:prstGeom>
-        </p:spPr>
-        <p:txBody>
-          <a:bodyPr lIns="0" rIns="0" tIns="0" bIns="0">
+          <a:noFill/>
+          <a:ln w="0">
+            <a:noFill/>
+          </a:ln>
+        </p:spPr>
+        <p:txBody>
+          <a:bodyPr lIns="0" rIns="0" tIns="0" bIns="0" anchor="t">
             <a:normAutofit/>
           </a:bodyPr>
           <a:p>
+            <a:pPr indent="0">
+              <a:spcBef>
+                <a:spcPts val="1417"/>
+              </a:spcBef>
+              <a:buNone/>
+            </a:pPr>
             <a:endParaRPr b="0" lang="en-US" sz="3200" spc="-1" strike="noStrike">
-              <a:latin typeface="Arial"/>
+              <a:solidFill>
+                <a:srgbClr val="000000"/>
+              </a:solidFill>
+              <a:latin typeface="맑은 고딕"/>
             </a:endParaRPr>
           </a:p>
         </p:txBody>
@@ -1740,7 +2259,7 @@
             <a:spLocks noGrp="1"/>
           </p:cNvSpPr>
           <p:nvPr>
-            <p:ph type="body"/>
+            <p:ph/>
           </p:nvPr>
         </p:nvSpPr>
         <p:spPr>
@@ -1751,14 +2270,27 @@
           <a:prstGeom prst="rect">
             <a:avLst/>
           </a:prstGeom>
-        </p:spPr>
-        <p:txBody>
-          <a:bodyPr lIns="0" rIns="0" tIns="0" bIns="0">
+          <a:noFill/>
+          <a:ln w="0">
+            <a:noFill/>
+          </a:ln>
+        </p:spPr>
+        <p:txBody>
+          <a:bodyPr lIns="0" rIns="0" tIns="0" bIns="0" anchor="t">
             <a:normAutofit/>
           </a:bodyPr>
           <a:p>
+            <a:pPr indent="0">
+              <a:spcBef>
+                <a:spcPts val="1417"/>
+              </a:spcBef>
+              <a:buNone/>
+            </a:pPr>
             <a:endParaRPr b="0" lang="en-US" sz="3200" spc="-1" strike="noStrike">
-              <a:latin typeface="Arial"/>
+              <a:solidFill>
+                <a:srgbClr val="000000"/>
+              </a:solidFill>
+              <a:latin typeface="맑은 고딕"/>
             </a:endParaRPr>
           </a:p>
         </p:txBody>
@@ -1803,15 +2335,24 @@
           <a:prstGeom prst="rect">
             <a:avLst/>
           </a:prstGeom>
+          <a:noFill/>
+          <a:ln w="0">
+            <a:noFill/>
+          </a:ln>
         </p:spPr>
         <p:txBody>
           <a:bodyPr lIns="0" rIns="0" tIns="0" bIns="0" anchor="ctr">
             <a:noAutofit/>
           </a:bodyPr>
           <a:p>
-            <a:pPr algn="ctr"/>
+            <a:pPr indent="0" algn="ctr">
+              <a:buNone/>
+            </a:pPr>
             <a:endParaRPr b="0" lang="en-US" sz="4400" spc="-1" strike="noStrike">
-              <a:latin typeface="Arial"/>
+              <a:solidFill>
+                <a:srgbClr val="000000"/>
+              </a:solidFill>
+              <a:latin typeface="맑은 고딕"/>
             </a:endParaRPr>
           </a:p>
         </p:txBody>
@@ -1823,7 +2364,7 @@
             <a:spLocks noGrp="1"/>
           </p:cNvSpPr>
           <p:nvPr>
-            <p:ph type="body"/>
+            <p:ph/>
           </p:nvPr>
         </p:nvSpPr>
         <p:spPr>
@@ -1834,14 +2375,27 @@
           <a:prstGeom prst="rect">
             <a:avLst/>
           </a:prstGeom>
-        </p:spPr>
-        <p:txBody>
-          <a:bodyPr lIns="0" rIns="0" tIns="0" bIns="0">
-            <a:normAutofit/>
-          </a:bodyPr>
-          <a:p>
+          <a:noFill/>
+          <a:ln w="0">
+            <a:noFill/>
+          </a:ln>
+        </p:spPr>
+        <p:txBody>
+          <a:bodyPr lIns="0" rIns="0" tIns="0" bIns="0" anchor="t">
+            <a:normAutofit fontScale="96865"/>
+          </a:bodyPr>
+          <a:p>
+            <a:pPr indent="0">
+              <a:spcBef>
+                <a:spcPts val="1417"/>
+              </a:spcBef>
+              <a:buNone/>
+            </a:pPr>
             <a:endParaRPr b="0" lang="en-US" sz="3200" spc="-1" strike="noStrike">
-              <a:latin typeface="Arial"/>
+              <a:solidFill>
+                <a:srgbClr val="000000"/>
+              </a:solidFill>
+              <a:latin typeface="맑은 고딕"/>
             </a:endParaRPr>
           </a:p>
         </p:txBody>
@@ -1853,7 +2407,7 @@
             <a:spLocks noGrp="1"/>
           </p:cNvSpPr>
           <p:nvPr>
-            <p:ph type="body"/>
+            <p:ph/>
           </p:nvPr>
         </p:nvSpPr>
         <p:spPr>
@@ -1864,14 +2418,27 @@
           <a:prstGeom prst="rect">
             <a:avLst/>
           </a:prstGeom>
-        </p:spPr>
-        <p:txBody>
-          <a:bodyPr lIns="0" rIns="0" tIns="0" bIns="0">
-            <a:normAutofit/>
-          </a:bodyPr>
-          <a:p>
+          <a:noFill/>
+          <a:ln w="0">
+            <a:noFill/>
+          </a:ln>
+        </p:spPr>
+        <p:txBody>
+          <a:bodyPr lIns="0" rIns="0" tIns="0" bIns="0" anchor="t">
+            <a:normAutofit fontScale="96865"/>
+          </a:bodyPr>
+          <a:p>
+            <a:pPr indent="0">
+              <a:spcBef>
+                <a:spcPts val="1417"/>
+              </a:spcBef>
+              <a:buNone/>
+            </a:pPr>
             <a:endParaRPr b="0" lang="en-US" sz="3200" spc="-1" strike="noStrike">
-              <a:latin typeface="Arial"/>
+              <a:solidFill>
+                <a:srgbClr val="000000"/>
+              </a:solidFill>
+              <a:latin typeface="맑은 고딕"/>
             </a:endParaRPr>
           </a:p>
         </p:txBody>
@@ -1883,7 +2450,7 @@
             <a:spLocks noGrp="1"/>
           </p:cNvSpPr>
           <p:nvPr>
-            <p:ph type="body"/>
+            <p:ph/>
           </p:nvPr>
         </p:nvSpPr>
         <p:spPr>
@@ -1894,14 +2461,27 @@
           <a:prstGeom prst="rect">
             <a:avLst/>
           </a:prstGeom>
-        </p:spPr>
-        <p:txBody>
-          <a:bodyPr lIns="0" rIns="0" tIns="0" bIns="0">
-            <a:normAutofit/>
-          </a:bodyPr>
-          <a:p>
+          <a:noFill/>
+          <a:ln w="0">
+            <a:noFill/>
+          </a:ln>
+        </p:spPr>
+        <p:txBody>
+          <a:bodyPr lIns="0" rIns="0" tIns="0" bIns="0" anchor="t">
+            <a:normAutofit fontScale="96865"/>
+          </a:bodyPr>
+          <a:p>
+            <a:pPr indent="0">
+              <a:spcBef>
+                <a:spcPts val="1417"/>
+              </a:spcBef>
+              <a:buNone/>
+            </a:pPr>
             <a:endParaRPr b="0" lang="en-US" sz="3200" spc="-1" strike="noStrike">
-              <a:latin typeface="Arial"/>
+              <a:solidFill>
+                <a:srgbClr val="000000"/>
+              </a:solidFill>
+              <a:latin typeface="맑은 고딕"/>
             </a:endParaRPr>
           </a:p>
         </p:txBody>
@@ -1913,7 +2493,7 @@
             <a:spLocks noGrp="1"/>
           </p:cNvSpPr>
           <p:nvPr>
-            <p:ph type="body"/>
+            <p:ph/>
           </p:nvPr>
         </p:nvSpPr>
         <p:spPr>
@@ -1924,14 +2504,27 @@
           <a:prstGeom prst="rect">
             <a:avLst/>
           </a:prstGeom>
-        </p:spPr>
-        <p:txBody>
-          <a:bodyPr lIns="0" rIns="0" tIns="0" bIns="0">
-            <a:normAutofit/>
-          </a:bodyPr>
-          <a:p>
+          <a:noFill/>
+          <a:ln w="0">
+            <a:noFill/>
+          </a:ln>
+        </p:spPr>
+        <p:txBody>
+          <a:bodyPr lIns="0" rIns="0" tIns="0" bIns="0" anchor="t">
+            <a:normAutofit fontScale="96865"/>
+          </a:bodyPr>
+          <a:p>
+            <a:pPr indent="0">
+              <a:spcBef>
+                <a:spcPts val="1417"/>
+              </a:spcBef>
+              <a:buNone/>
+            </a:pPr>
             <a:endParaRPr b="0" lang="en-US" sz="3200" spc="-1" strike="noStrike">
-              <a:latin typeface="Arial"/>
+              <a:solidFill>
+                <a:srgbClr val="000000"/>
+              </a:solidFill>
+              <a:latin typeface="맑은 고딕"/>
             </a:endParaRPr>
           </a:p>
         </p:txBody>
@@ -1943,7 +2536,7 @@
             <a:spLocks noGrp="1"/>
           </p:cNvSpPr>
           <p:nvPr>
-            <p:ph type="body"/>
+            <p:ph/>
           </p:nvPr>
         </p:nvSpPr>
         <p:spPr>
@@ -1954,14 +2547,27 @@
           <a:prstGeom prst="rect">
             <a:avLst/>
           </a:prstGeom>
-        </p:spPr>
-        <p:txBody>
-          <a:bodyPr lIns="0" rIns="0" tIns="0" bIns="0">
-            <a:normAutofit/>
-          </a:bodyPr>
-          <a:p>
+          <a:noFill/>
+          <a:ln w="0">
+            <a:noFill/>
+          </a:ln>
+        </p:spPr>
+        <p:txBody>
+          <a:bodyPr lIns="0" rIns="0" tIns="0" bIns="0" anchor="t">
+            <a:normAutofit fontScale="96865"/>
+          </a:bodyPr>
+          <a:p>
+            <a:pPr indent="0">
+              <a:spcBef>
+                <a:spcPts val="1417"/>
+              </a:spcBef>
+              <a:buNone/>
+            </a:pPr>
             <a:endParaRPr b="0" lang="en-US" sz="3200" spc="-1" strike="noStrike">
-              <a:latin typeface="Arial"/>
+              <a:solidFill>
+                <a:srgbClr val="000000"/>
+              </a:solidFill>
+              <a:latin typeface="맑은 고딕"/>
             </a:endParaRPr>
           </a:p>
         </p:txBody>
@@ -1973,7 +2579,7 @@
             <a:spLocks noGrp="1"/>
           </p:cNvSpPr>
           <p:nvPr>
-            <p:ph type="body"/>
+            <p:ph/>
           </p:nvPr>
         </p:nvSpPr>
         <p:spPr>
@@ -1984,14 +2590,27 @@
           <a:prstGeom prst="rect">
             <a:avLst/>
           </a:prstGeom>
-        </p:spPr>
-        <p:txBody>
-          <a:bodyPr lIns="0" rIns="0" tIns="0" bIns="0">
-            <a:normAutofit/>
-          </a:bodyPr>
-          <a:p>
+          <a:noFill/>
+          <a:ln w="0">
+            <a:noFill/>
+          </a:ln>
+        </p:spPr>
+        <p:txBody>
+          <a:bodyPr lIns="0" rIns="0" tIns="0" bIns="0" anchor="t">
+            <a:normAutofit fontScale="96865"/>
+          </a:bodyPr>
+          <a:p>
+            <a:pPr indent="0">
+              <a:spcBef>
+                <a:spcPts val="1417"/>
+              </a:spcBef>
+              <a:buNone/>
+            </a:pPr>
             <a:endParaRPr b="0" lang="en-US" sz="3200" spc="-1" strike="noStrike">
-              <a:latin typeface="Arial"/>
+              <a:solidFill>
+                <a:srgbClr val="000000"/>
+              </a:solidFill>
+              <a:latin typeface="맑은 고딕"/>
             </a:endParaRPr>
           </a:p>
         </p:txBody>
@@ -2058,15 +2677,24 @@
           <a:prstGeom prst="rect">
             <a:avLst/>
           </a:prstGeom>
+          <a:noFill/>
+          <a:ln w="0">
+            <a:noFill/>
+          </a:ln>
         </p:spPr>
         <p:txBody>
           <a:bodyPr lIns="0" rIns="0" tIns="0" bIns="0" anchor="ctr">
             <a:noAutofit/>
           </a:bodyPr>
           <a:p>
-            <a:pPr algn="ctr"/>
+            <a:pPr indent="0" algn="ctr">
+              <a:buNone/>
+            </a:pPr>
             <a:endParaRPr b="0" lang="en-US" sz="4400" spc="-1" strike="noStrike">
-              <a:latin typeface="Arial"/>
+              <a:solidFill>
+                <a:srgbClr val="000000"/>
+              </a:solidFill>
+              <a:latin typeface="맑은 고딕"/>
             </a:endParaRPr>
           </a:p>
         </p:txBody>
@@ -2089,15 +2717,24 @@
           <a:prstGeom prst="rect">
             <a:avLst/>
           </a:prstGeom>
+          <a:noFill/>
+          <a:ln w="0">
+            <a:noFill/>
+          </a:ln>
         </p:spPr>
         <p:txBody>
           <a:bodyPr lIns="0" rIns="0" tIns="0" bIns="0" anchor="ctr">
             <a:noAutofit/>
           </a:bodyPr>
           <a:p>
-            <a:pPr algn="ctr"/>
+            <a:pPr indent="0" algn="ctr">
+              <a:buNone/>
+            </a:pPr>
             <a:endParaRPr b="0" lang="en-US" sz="3200" spc="-1" strike="noStrike">
-              <a:latin typeface="Arial"/>
+              <a:solidFill>
+                <a:srgbClr val="000000"/>
+              </a:solidFill>
+              <a:latin typeface="맑은 고딕"/>
             </a:endParaRPr>
           </a:p>
         </p:txBody>
@@ -2142,15 +2779,24 @@
           <a:prstGeom prst="rect">
             <a:avLst/>
           </a:prstGeom>
+          <a:noFill/>
+          <a:ln w="0">
+            <a:noFill/>
+          </a:ln>
         </p:spPr>
         <p:txBody>
           <a:bodyPr lIns="0" rIns="0" tIns="0" bIns="0" anchor="ctr">
             <a:noAutofit/>
           </a:bodyPr>
           <a:p>
-            <a:pPr algn="ctr"/>
+            <a:pPr indent="0" algn="ctr">
+              <a:buNone/>
+            </a:pPr>
             <a:endParaRPr b="0" lang="en-US" sz="4400" spc="-1" strike="noStrike">
-              <a:latin typeface="Arial"/>
+              <a:solidFill>
+                <a:srgbClr val="000000"/>
+              </a:solidFill>
+              <a:latin typeface="맑은 고딕"/>
             </a:endParaRPr>
           </a:p>
         </p:txBody>
@@ -2162,7 +2808,7 @@
             <a:spLocks noGrp="1"/>
           </p:cNvSpPr>
           <p:nvPr>
-            <p:ph type="body"/>
+            <p:ph/>
           </p:nvPr>
         </p:nvSpPr>
         <p:spPr>
@@ -2173,14 +2819,27 @@
           <a:prstGeom prst="rect">
             <a:avLst/>
           </a:prstGeom>
-        </p:spPr>
-        <p:txBody>
-          <a:bodyPr lIns="0" rIns="0" tIns="0" bIns="0">
+          <a:noFill/>
+          <a:ln w="0">
+            <a:noFill/>
+          </a:ln>
+        </p:spPr>
+        <p:txBody>
+          <a:bodyPr lIns="0" rIns="0" tIns="0" bIns="0" anchor="t">
             <a:normAutofit/>
           </a:bodyPr>
           <a:p>
+            <a:pPr indent="0">
+              <a:spcBef>
+                <a:spcPts val="1417"/>
+              </a:spcBef>
+              <a:buNone/>
+            </a:pPr>
             <a:endParaRPr b="0" lang="en-US" sz="3200" spc="-1" strike="noStrike">
-              <a:latin typeface="Arial"/>
+              <a:solidFill>
+                <a:srgbClr val="000000"/>
+              </a:solidFill>
+              <a:latin typeface="맑은 고딕"/>
             </a:endParaRPr>
           </a:p>
         </p:txBody>
@@ -2225,15 +2884,24 @@
           <a:prstGeom prst="rect">
             <a:avLst/>
           </a:prstGeom>
+          <a:noFill/>
+          <a:ln w="0">
+            <a:noFill/>
+          </a:ln>
         </p:spPr>
         <p:txBody>
           <a:bodyPr lIns="0" rIns="0" tIns="0" bIns="0" anchor="ctr">
             <a:noAutofit/>
           </a:bodyPr>
           <a:p>
-            <a:pPr algn="ctr"/>
+            <a:pPr indent="0" algn="ctr">
+              <a:buNone/>
+            </a:pPr>
             <a:endParaRPr b="0" lang="en-US" sz="4400" spc="-1" strike="noStrike">
-              <a:latin typeface="Arial"/>
+              <a:solidFill>
+                <a:srgbClr val="000000"/>
+              </a:solidFill>
+              <a:latin typeface="맑은 고딕"/>
             </a:endParaRPr>
           </a:p>
         </p:txBody>
@@ -2245,7 +2913,7 @@
             <a:spLocks noGrp="1"/>
           </p:cNvSpPr>
           <p:nvPr>
-            <p:ph type="body"/>
+            <p:ph/>
           </p:nvPr>
         </p:nvSpPr>
         <p:spPr>
@@ -2256,14 +2924,27 @@
           <a:prstGeom prst="rect">
             <a:avLst/>
           </a:prstGeom>
-        </p:spPr>
-        <p:txBody>
-          <a:bodyPr lIns="0" rIns="0" tIns="0" bIns="0">
+          <a:noFill/>
+          <a:ln w="0">
+            <a:noFill/>
+          </a:ln>
+        </p:spPr>
+        <p:txBody>
+          <a:bodyPr lIns="0" rIns="0" tIns="0" bIns="0" anchor="t">
             <a:normAutofit/>
           </a:bodyPr>
           <a:p>
+            <a:pPr indent="0">
+              <a:spcBef>
+                <a:spcPts val="1417"/>
+              </a:spcBef>
+              <a:buNone/>
+            </a:pPr>
             <a:endParaRPr b="0" lang="en-US" sz="3200" spc="-1" strike="noStrike">
-              <a:latin typeface="Arial"/>
+              <a:solidFill>
+                <a:srgbClr val="000000"/>
+              </a:solidFill>
+              <a:latin typeface="맑은 고딕"/>
             </a:endParaRPr>
           </a:p>
         </p:txBody>
@@ -2275,7 +2956,7 @@
             <a:spLocks noGrp="1"/>
           </p:cNvSpPr>
           <p:nvPr>
-            <p:ph type="body"/>
+            <p:ph/>
           </p:nvPr>
         </p:nvSpPr>
         <p:spPr>
@@ -2286,14 +2967,27 @@
           <a:prstGeom prst="rect">
             <a:avLst/>
           </a:prstGeom>
-        </p:spPr>
-        <p:txBody>
-          <a:bodyPr lIns="0" rIns="0" tIns="0" bIns="0">
+          <a:noFill/>
+          <a:ln w="0">
+            <a:noFill/>
+          </a:ln>
+        </p:spPr>
+        <p:txBody>
+          <a:bodyPr lIns="0" rIns="0" tIns="0" bIns="0" anchor="t">
             <a:normAutofit/>
           </a:bodyPr>
           <a:p>
+            <a:pPr indent="0">
+              <a:spcBef>
+                <a:spcPts val="1417"/>
+              </a:spcBef>
+              <a:buNone/>
+            </a:pPr>
             <a:endParaRPr b="0" lang="en-US" sz="3200" spc="-1" strike="noStrike">
-              <a:latin typeface="Arial"/>
+              <a:solidFill>
+                <a:srgbClr val="000000"/>
+              </a:solidFill>
+              <a:latin typeface="맑은 고딕"/>
             </a:endParaRPr>
           </a:p>
         </p:txBody>
@@ -2338,15 +3032,24 @@
           <a:prstGeom prst="rect">
             <a:avLst/>
           </a:prstGeom>
+          <a:noFill/>
+          <a:ln w="0">
+            <a:noFill/>
+          </a:ln>
         </p:spPr>
         <p:txBody>
           <a:bodyPr lIns="0" rIns="0" tIns="0" bIns="0" anchor="ctr">
             <a:noAutofit/>
           </a:bodyPr>
           <a:p>
-            <a:pPr algn="ctr"/>
+            <a:pPr indent="0" algn="ctr">
+              <a:buNone/>
+            </a:pPr>
             <a:endParaRPr b="0" lang="en-US" sz="4400" spc="-1" strike="noStrike">
-              <a:latin typeface="Arial"/>
+              <a:solidFill>
+                <a:srgbClr val="000000"/>
+              </a:solidFill>
+              <a:latin typeface="맑은 고딕"/>
             </a:endParaRPr>
           </a:p>
         </p:txBody>
@@ -2391,15 +3094,24 @@
           <a:prstGeom prst="rect">
             <a:avLst/>
           </a:prstGeom>
+          <a:noFill/>
+          <a:ln w="0">
+            <a:noFill/>
+          </a:ln>
         </p:spPr>
         <p:txBody>
           <a:bodyPr lIns="0" rIns="0" tIns="0" bIns="0" anchor="ctr">
             <a:noAutofit/>
           </a:bodyPr>
           <a:p>
-            <a:pPr algn="ctr"/>
+            <a:pPr indent="0" algn="ctr">
+              <a:buNone/>
+            </a:pPr>
             <a:endParaRPr b="0" lang="en-US" sz="4400" spc="-1" strike="noStrike">
-              <a:latin typeface="Arial"/>
+              <a:solidFill>
+                <a:srgbClr val="000000"/>
+              </a:solidFill>
+              <a:latin typeface="맑은 고딕"/>
             </a:endParaRPr>
           </a:p>
         </p:txBody>
@@ -2411,7 +3123,7 @@
             <a:spLocks noGrp="1"/>
           </p:cNvSpPr>
           <p:nvPr>
-            <p:ph type="body"/>
+            <p:ph/>
           </p:nvPr>
         </p:nvSpPr>
         <p:spPr>
@@ -2422,14 +3134,27 @@
           <a:prstGeom prst="rect">
             <a:avLst/>
           </a:prstGeom>
-        </p:spPr>
-        <p:txBody>
-          <a:bodyPr lIns="0" rIns="0" tIns="0" bIns="0">
+          <a:noFill/>
+          <a:ln w="0">
+            <a:noFill/>
+          </a:ln>
+        </p:spPr>
+        <p:txBody>
+          <a:bodyPr lIns="0" rIns="0" tIns="0" bIns="0" anchor="t">
             <a:normAutofit/>
           </a:bodyPr>
           <a:p>
+            <a:pPr indent="0">
+              <a:spcBef>
+                <a:spcPts val="1417"/>
+              </a:spcBef>
+              <a:buNone/>
+            </a:pPr>
             <a:endParaRPr b="0" lang="en-US" sz="3200" spc="-1" strike="noStrike">
-              <a:latin typeface="Arial"/>
+              <a:solidFill>
+                <a:srgbClr val="000000"/>
+              </a:solidFill>
+              <a:latin typeface="맑은 고딕"/>
             </a:endParaRPr>
           </a:p>
         </p:txBody>
@@ -2474,6 +3199,10 @@
           <a:prstGeom prst="rect">
             <a:avLst/>
           </a:prstGeom>
+          <a:noFill/>
+          <a:ln w="0">
+            <a:noFill/>
+          </a:ln>
         </p:spPr>
         <p:txBody>
           <a:bodyPr lIns="0" rIns="0" tIns="0" bIns="0" anchor="ctr">
@@ -2482,7 +3211,10 @@
           <a:p>
             <a:pPr algn="ctr"/>
             <a:endParaRPr b="0" lang="en-US" sz="3200" spc="-1" strike="noStrike">
-              <a:latin typeface="Arial"/>
+              <a:solidFill>
+                <a:srgbClr val="000000"/>
+              </a:solidFill>
+              <a:latin typeface="맑은 고딕"/>
             </a:endParaRPr>
           </a:p>
         </p:txBody>
@@ -2527,15 +3259,24 @@
           <a:prstGeom prst="rect">
             <a:avLst/>
           </a:prstGeom>
+          <a:noFill/>
+          <a:ln w="0">
+            <a:noFill/>
+          </a:ln>
         </p:spPr>
         <p:txBody>
           <a:bodyPr lIns="0" rIns="0" tIns="0" bIns="0" anchor="ctr">
             <a:noAutofit/>
           </a:bodyPr>
           <a:p>
-            <a:pPr algn="ctr"/>
+            <a:pPr indent="0" algn="ctr">
+              <a:buNone/>
+            </a:pPr>
             <a:endParaRPr b="0" lang="en-US" sz="4400" spc="-1" strike="noStrike">
-              <a:latin typeface="Arial"/>
+              <a:solidFill>
+                <a:srgbClr val="000000"/>
+              </a:solidFill>
+              <a:latin typeface="맑은 고딕"/>
             </a:endParaRPr>
           </a:p>
         </p:txBody>
@@ -2547,7 +3288,7 @@
             <a:spLocks noGrp="1"/>
           </p:cNvSpPr>
           <p:nvPr>
-            <p:ph type="body"/>
+            <p:ph/>
           </p:nvPr>
         </p:nvSpPr>
         <p:spPr>
@@ -2558,14 +3299,27 @@
           <a:prstGeom prst="rect">
             <a:avLst/>
           </a:prstGeom>
-        </p:spPr>
-        <p:txBody>
-          <a:bodyPr lIns="0" rIns="0" tIns="0" bIns="0">
+          <a:noFill/>
+          <a:ln w="0">
+            <a:noFill/>
+          </a:ln>
+        </p:spPr>
+        <p:txBody>
+          <a:bodyPr lIns="0" rIns="0" tIns="0" bIns="0" anchor="t">
             <a:normAutofit/>
           </a:bodyPr>
           <a:p>
+            <a:pPr indent="0">
+              <a:spcBef>
+                <a:spcPts val="1417"/>
+              </a:spcBef>
+              <a:buNone/>
+            </a:pPr>
             <a:endParaRPr b="0" lang="en-US" sz="3200" spc="-1" strike="noStrike">
-              <a:latin typeface="Arial"/>
+              <a:solidFill>
+                <a:srgbClr val="000000"/>
+              </a:solidFill>
+              <a:latin typeface="맑은 고딕"/>
             </a:endParaRPr>
           </a:p>
         </p:txBody>
@@ -2577,7 +3331,7 @@
             <a:spLocks noGrp="1"/>
           </p:cNvSpPr>
           <p:nvPr>
-            <p:ph type="body"/>
+            <p:ph/>
           </p:nvPr>
         </p:nvSpPr>
         <p:spPr>
@@ -2588,14 +3342,27 @@
           <a:prstGeom prst="rect">
             <a:avLst/>
           </a:prstGeom>
-        </p:spPr>
-        <p:txBody>
-          <a:bodyPr lIns="0" rIns="0" tIns="0" bIns="0">
+          <a:noFill/>
+          <a:ln w="0">
+            <a:noFill/>
+          </a:ln>
+        </p:spPr>
+        <p:txBody>
+          <a:bodyPr lIns="0" rIns="0" tIns="0" bIns="0" anchor="t">
             <a:normAutofit/>
           </a:bodyPr>
           <a:p>
+            <a:pPr indent="0">
+              <a:spcBef>
+                <a:spcPts val="1417"/>
+              </a:spcBef>
+              <a:buNone/>
+            </a:pPr>
             <a:endParaRPr b="0" lang="en-US" sz="3200" spc="-1" strike="noStrike">
-              <a:latin typeface="Arial"/>
+              <a:solidFill>
+                <a:srgbClr val="000000"/>
+              </a:solidFill>
+              <a:latin typeface="맑은 고딕"/>
             </a:endParaRPr>
           </a:p>
         </p:txBody>
@@ -2607,7 +3374,7 @@
             <a:spLocks noGrp="1"/>
           </p:cNvSpPr>
           <p:nvPr>
-            <p:ph type="body"/>
+            <p:ph/>
           </p:nvPr>
         </p:nvSpPr>
         <p:spPr>
@@ -2618,14 +3385,27 @@
           <a:prstGeom prst="rect">
             <a:avLst/>
           </a:prstGeom>
-        </p:spPr>
-        <p:txBody>
-          <a:bodyPr lIns="0" rIns="0" tIns="0" bIns="0">
+          <a:noFill/>
+          <a:ln w="0">
+            <a:noFill/>
+          </a:ln>
+        </p:spPr>
+        <p:txBody>
+          <a:bodyPr lIns="0" rIns="0" tIns="0" bIns="0" anchor="t">
             <a:normAutofit/>
           </a:bodyPr>
           <a:p>
+            <a:pPr indent="0">
+              <a:spcBef>
+                <a:spcPts val="1417"/>
+              </a:spcBef>
+              <a:buNone/>
+            </a:pPr>
             <a:endParaRPr b="0" lang="en-US" sz="3200" spc="-1" strike="noStrike">
-              <a:latin typeface="Arial"/>
+              <a:solidFill>
+                <a:srgbClr val="000000"/>
+              </a:solidFill>
+              <a:latin typeface="맑은 고딕"/>
             </a:endParaRPr>
           </a:p>
         </p:txBody>
@@ -2670,15 +3450,24 @@
           <a:prstGeom prst="rect">
             <a:avLst/>
           </a:prstGeom>
+          <a:noFill/>
+          <a:ln w="0">
+            <a:noFill/>
+          </a:ln>
         </p:spPr>
         <p:txBody>
           <a:bodyPr lIns="0" rIns="0" tIns="0" bIns="0" anchor="ctr">
             <a:noAutofit/>
           </a:bodyPr>
           <a:p>
-            <a:pPr algn="ctr"/>
+            <a:pPr indent="0" algn="ctr">
+              <a:buNone/>
+            </a:pPr>
             <a:endParaRPr b="0" lang="en-US" sz="4400" spc="-1" strike="noStrike">
-              <a:latin typeface="Arial"/>
+              <a:solidFill>
+                <a:srgbClr val="000000"/>
+              </a:solidFill>
+              <a:latin typeface="맑은 고딕"/>
             </a:endParaRPr>
           </a:p>
         </p:txBody>
@@ -2690,7 +3479,7 @@
             <a:spLocks noGrp="1"/>
           </p:cNvSpPr>
           <p:nvPr>
-            <p:ph type="body"/>
+            <p:ph/>
           </p:nvPr>
         </p:nvSpPr>
         <p:spPr>
@@ -2701,14 +3490,27 @@
           <a:prstGeom prst="rect">
             <a:avLst/>
           </a:prstGeom>
-        </p:spPr>
-        <p:txBody>
-          <a:bodyPr lIns="0" rIns="0" tIns="0" bIns="0">
+          <a:noFill/>
+          <a:ln w="0">
+            <a:noFill/>
+          </a:ln>
+        </p:spPr>
+        <p:txBody>
+          <a:bodyPr lIns="0" rIns="0" tIns="0" bIns="0" anchor="t">
             <a:normAutofit/>
           </a:bodyPr>
           <a:p>
+            <a:pPr indent="0">
+              <a:spcBef>
+                <a:spcPts val="1417"/>
+              </a:spcBef>
+              <a:buNone/>
+            </a:pPr>
             <a:endParaRPr b="0" lang="en-US" sz="3200" spc="-1" strike="noStrike">
-              <a:latin typeface="Arial"/>
+              <a:solidFill>
+                <a:srgbClr val="000000"/>
+              </a:solidFill>
+              <a:latin typeface="맑은 고딕"/>
             </a:endParaRPr>
           </a:p>
         </p:txBody>
@@ -2720,7 +3522,7 @@
             <a:spLocks noGrp="1"/>
           </p:cNvSpPr>
           <p:nvPr>
-            <p:ph type="body"/>
+            <p:ph/>
           </p:nvPr>
         </p:nvSpPr>
         <p:spPr>
@@ -2731,14 +3533,27 @@
           <a:prstGeom prst="rect">
             <a:avLst/>
           </a:prstGeom>
-        </p:spPr>
-        <p:txBody>
-          <a:bodyPr lIns="0" rIns="0" tIns="0" bIns="0">
+          <a:noFill/>
+          <a:ln w="0">
+            <a:noFill/>
+          </a:ln>
+        </p:spPr>
+        <p:txBody>
+          <a:bodyPr lIns="0" rIns="0" tIns="0" bIns="0" anchor="t">
             <a:normAutofit/>
           </a:bodyPr>
           <a:p>
+            <a:pPr indent="0">
+              <a:spcBef>
+                <a:spcPts val="1417"/>
+              </a:spcBef>
+              <a:buNone/>
+            </a:pPr>
             <a:endParaRPr b="0" lang="en-US" sz="3200" spc="-1" strike="noStrike">
-              <a:latin typeface="Arial"/>
+              <a:solidFill>
+                <a:srgbClr val="000000"/>
+              </a:solidFill>
+              <a:latin typeface="맑은 고딕"/>
             </a:endParaRPr>
           </a:p>
         </p:txBody>
@@ -2750,7 +3565,7 @@
             <a:spLocks noGrp="1"/>
           </p:cNvSpPr>
           <p:nvPr>
-            <p:ph type="body"/>
+            <p:ph/>
           </p:nvPr>
         </p:nvSpPr>
         <p:spPr>
@@ -2761,14 +3576,27 @@
           <a:prstGeom prst="rect">
             <a:avLst/>
           </a:prstGeom>
-        </p:spPr>
-        <p:txBody>
-          <a:bodyPr lIns="0" rIns="0" tIns="0" bIns="0">
+          <a:noFill/>
+          <a:ln w="0">
+            <a:noFill/>
+          </a:ln>
+        </p:spPr>
+        <p:txBody>
+          <a:bodyPr lIns="0" rIns="0" tIns="0" bIns="0" anchor="t">
             <a:normAutofit/>
           </a:bodyPr>
           <a:p>
+            <a:pPr indent="0">
+              <a:spcBef>
+                <a:spcPts val="1417"/>
+              </a:spcBef>
+              <a:buNone/>
+            </a:pPr>
             <a:endParaRPr b="0" lang="en-US" sz="3200" spc="-1" strike="noStrike">
-              <a:latin typeface="Arial"/>
+              <a:solidFill>
+                <a:srgbClr val="000000"/>
+              </a:solidFill>
+              <a:latin typeface="맑은 고딕"/>
             </a:endParaRPr>
           </a:p>
         </p:txBody>
@@ -2813,15 +3641,24 @@
           <a:prstGeom prst="rect">
             <a:avLst/>
           </a:prstGeom>
+          <a:noFill/>
+          <a:ln w="0">
+            <a:noFill/>
+          </a:ln>
         </p:spPr>
         <p:txBody>
           <a:bodyPr lIns="0" rIns="0" tIns="0" bIns="0" anchor="ctr">
             <a:noAutofit/>
           </a:bodyPr>
           <a:p>
-            <a:pPr algn="ctr"/>
+            <a:pPr indent="0" algn="ctr">
+              <a:buNone/>
+            </a:pPr>
             <a:endParaRPr b="0" lang="en-US" sz="4400" spc="-1" strike="noStrike">
-              <a:latin typeface="Arial"/>
+              <a:solidFill>
+                <a:srgbClr val="000000"/>
+              </a:solidFill>
+              <a:latin typeface="맑은 고딕"/>
             </a:endParaRPr>
           </a:p>
         </p:txBody>
@@ -2833,7 +3670,7 @@
             <a:spLocks noGrp="1"/>
           </p:cNvSpPr>
           <p:nvPr>
-            <p:ph type="body"/>
+            <p:ph/>
           </p:nvPr>
         </p:nvSpPr>
         <p:spPr>
@@ -2844,14 +3681,27 @@
           <a:prstGeom prst="rect">
             <a:avLst/>
           </a:prstGeom>
-        </p:spPr>
-        <p:txBody>
-          <a:bodyPr lIns="0" rIns="0" tIns="0" bIns="0">
+          <a:noFill/>
+          <a:ln w="0">
+            <a:noFill/>
+          </a:ln>
+        </p:spPr>
+        <p:txBody>
+          <a:bodyPr lIns="0" rIns="0" tIns="0" bIns="0" anchor="t">
             <a:normAutofit/>
           </a:bodyPr>
           <a:p>
+            <a:pPr indent="0">
+              <a:spcBef>
+                <a:spcPts val="1417"/>
+              </a:spcBef>
+              <a:buNone/>
+            </a:pPr>
             <a:endParaRPr b="0" lang="en-US" sz="3200" spc="-1" strike="noStrike">
-              <a:latin typeface="Arial"/>
+              <a:solidFill>
+                <a:srgbClr val="000000"/>
+              </a:solidFill>
+              <a:latin typeface="맑은 고딕"/>
             </a:endParaRPr>
           </a:p>
         </p:txBody>
@@ -2863,7 +3713,7 @@
             <a:spLocks noGrp="1"/>
           </p:cNvSpPr>
           <p:nvPr>
-            <p:ph type="body"/>
+            <p:ph/>
           </p:nvPr>
         </p:nvSpPr>
         <p:spPr>
@@ -2874,14 +3724,27 @@
           <a:prstGeom prst="rect">
             <a:avLst/>
           </a:prstGeom>
-        </p:spPr>
-        <p:txBody>
-          <a:bodyPr lIns="0" rIns="0" tIns="0" bIns="0">
+          <a:noFill/>
+          <a:ln w="0">
+            <a:noFill/>
+          </a:ln>
+        </p:spPr>
+        <p:txBody>
+          <a:bodyPr lIns="0" rIns="0" tIns="0" bIns="0" anchor="t">
             <a:normAutofit/>
           </a:bodyPr>
           <a:p>
+            <a:pPr indent="0">
+              <a:spcBef>
+                <a:spcPts val="1417"/>
+              </a:spcBef>
+              <a:buNone/>
+            </a:pPr>
             <a:endParaRPr b="0" lang="en-US" sz="3200" spc="-1" strike="noStrike">
-              <a:latin typeface="Arial"/>
+              <a:solidFill>
+                <a:srgbClr val="000000"/>
+              </a:solidFill>
+              <a:latin typeface="맑은 고딕"/>
             </a:endParaRPr>
           </a:p>
         </p:txBody>
@@ -2893,7 +3756,7 @@
             <a:spLocks noGrp="1"/>
           </p:cNvSpPr>
           <p:nvPr>
-            <p:ph type="body"/>
+            <p:ph/>
           </p:nvPr>
         </p:nvSpPr>
         <p:spPr>
@@ -2904,14 +3767,27 @@
           <a:prstGeom prst="rect">
             <a:avLst/>
           </a:prstGeom>
-        </p:spPr>
-        <p:txBody>
-          <a:bodyPr lIns="0" rIns="0" tIns="0" bIns="0">
+          <a:noFill/>
+          <a:ln w="0">
+            <a:noFill/>
+          </a:ln>
+        </p:spPr>
+        <p:txBody>
+          <a:bodyPr lIns="0" rIns="0" tIns="0" bIns="0" anchor="t">
             <a:normAutofit/>
           </a:bodyPr>
           <a:p>
+            <a:pPr indent="0">
+              <a:spcBef>
+                <a:spcPts val="1417"/>
+              </a:spcBef>
+              <a:buNone/>
+            </a:pPr>
             <a:endParaRPr b="0" lang="en-US" sz="3200" spc="-1" strike="noStrike">
-              <a:latin typeface="Arial"/>
+              <a:solidFill>
+                <a:srgbClr val="000000"/>
+              </a:solidFill>
+              <a:latin typeface="맑은 고딕"/>
             </a:endParaRPr>
           </a:p>
         </p:txBody>
@@ -2956,15 +3832,24 @@
           <a:prstGeom prst="rect">
             <a:avLst/>
           </a:prstGeom>
+          <a:noFill/>
+          <a:ln w="0">
+            <a:noFill/>
+          </a:ln>
         </p:spPr>
         <p:txBody>
           <a:bodyPr lIns="0" rIns="0" tIns="0" bIns="0" anchor="ctr">
             <a:noAutofit/>
           </a:bodyPr>
           <a:p>
-            <a:pPr algn="ctr"/>
+            <a:pPr indent="0" algn="ctr">
+              <a:buNone/>
+            </a:pPr>
             <a:endParaRPr b="0" lang="en-US" sz="4400" spc="-1" strike="noStrike">
-              <a:latin typeface="Arial"/>
+              <a:solidFill>
+                <a:srgbClr val="000000"/>
+              </a:solidFill>
+              <a:latin typeface="맑은 고딕"/>
             </a:endParaRPr>
           </a:p>
         </p:txBody>
@@ -2976,7 +3861,7 @@
             <a:spLocks noGrp="1"/>
           </p:cNvSpPr>
           <p:nvPr>
-            <p:ph type="body"/>
+            <p:ph/>
           </p:nvPr>
         </p:nvSpPr>
         <p:spPr>
@@ -2987,14 +3872,27 @@
           <a:prstGeom prst="rect">
             <a:avLst/>
           </a:prstGeom>
-        </p:spPr>
-        <p:txBody>
-          <a:bodyPr lIns="0" rIns="0" tIns="0" bIns="0">
+          <a:noFill/>
+          <a:ln w="0">
+            <a:noFill/>
+          </a:ln>
+        </p:spPr>
+        <p:txBody>
+          <a:bodyPr lIns="0" rIns="0" tIns="0" bIns="0" anchor="t">
             <a:normAutofit/>
           </a:bodyPr>
           <a:p>
+            <a:pPr indent="0">
+              <a:spcBef>
+                <a:spcPts val="1417"/>
+              </a:spcBef>
+              <a:buNone/>
+            </a:pPr>
             <a:endParaRPr b="0" lang="en-US" sz="3200" spc="-1" strike="noStrike">
-              <a:latin typeface="Arial"/>
+              <a:solidFill>
+                <a:srgbClr val="000000"/>
+              </a:solidFill>
+              <a:latin typeface="맑은 고딕"/>
             </a:endParaRPr>
           </a:p>
         </p:txBody>
@@ -3006,7 +3904,7 @@
             <a:spLocks noGrp="1"/>
           </p:cNvSpPr>
           <p:nvPr>
-            <p:ph type="body"/>
+            <p:ph/>
           </p:nvPr>
         </p:nvSpPr>
         <p:spPr>
@@ -3017,14 +3915,27 @@
           <a:prstGeom prst="rect">
             <a:avLst/>
           </a:prstGeom>
-        </p:spPr>
-        <p:txBody>
-          <a:bodyPr lIns="0" rIns="0" tIns="0" bIns="0">
+          <a:noFill/>
+          <a:ln w="0">
+            <a:noFill/>
+          </a:ln>
+        </p:spPr>
+        <p:txBody>
+          <a:bodyPr lIns="0" rIns="0" tIns="0" bIns="0" anchor="t">
             <a:normAutofit/>
           </a:bodyPr>
           <a:p>
+            <a:pPr indent="0">
+              <a:spcBef>
+                <a:spcPts val="1417"/>
+              </a:spcBef>
+              <a:buNone/>
+            </a:pPr>
             <a:endParaRPr b="0" lang="en-US" sz="3200" spc="-1" strike="noStrike">
-              <a:latin typeface="Arial"/>
+              <a:solidFill>
+                <a:srgbClr val="000000"/>
+              </a:solidFill>
+              <a:latin typeface="맑은 고딕"/>
             </a:endParaRPr>
           </a:p>
         </p:txBody>
@@ -3069,15 +3980,24 @@
           <a:prstGeom prst="rect">
             <a:avLst/>
           </a:prstGeom>
+          <a:noFill/>
+          <a:ln w="0">
+            <a:noFill/>
+          </a:ln>
         </p:spPr>
         <p:txBody>
           <a:bodyPr lIns="0" rIns="0" tIns="0" bIns="0" anchor="ctr">
             <a:noAutofit/>
           </a:bodyPr>
           <a:p>
-            <a:pPr algn="ctr"/>
+            <a:pPr indent="0" algn="ctr">
+              <a:buNone/>
+            </a:pPr>
             <a:endParaRPr b="0" lang="en-US" sz="4400" spc="-1" strike="noStrike">
-              <a:latin typeface="Arial"/>
+              <a:solidFill>
+                <a:srgbClr val="000000"/>
+              </a:solidFill>
+              <a:latin typeface="맑은 고딕"/>
             </a:endParaRPr>
           </a:p>
         </p:txBody>
@@ -3089,7 +4009,7 @@
             <a:spLocks noGrp="1"/>
           </p:cNvSpPr>
           <p:nvPr>
-            <p:ph type="body"/>
+            <p:ph/>
           </p:nvPr>
         </p:nvSpPr>
         <p:spPr>
@@ -3100,14 +4020,27 @@
           <a:prstGeom prst="rect">
             <a:avLst/>
           </a:prstGeom>
-        </p:spPr>
-        <p:txBody>
-          <a:bodyPr lIns="0" rIns="0" tIns="0" bIns="0">
+          <a:noFill/>
+          <a:ln w="0">
+            <a:noFill/>
+          </a:ln>
+        </p:spPr>
+        <p:txBody>
+          <a:bodyPr lIns="0" rIns="0" tIns="0" bIns="0" anchor="t">
             <a:normAutofit/>
           </a:bodyPr>
           <a:p>
+            <a:pPr indent="0">
+              <a:spcBef>
+                <a:spcPts val="1417"/>
+              </a:spcBef>
+              <a:buNone/>
+            </a:pPr>
             <a:endParaRPr b="0" lang="en-US" sz="3200" spc="-1" strike="noStrike">
-              <a:latin typeface="Arial"/>
+              <a:solidFill>
+                <a:srgbClr val="000000"/>
+              </a:solidFill>
+              <a:latin typeface="맑은 고딕"/>
             </a:endParaRPr>
           </a:p>
         </p:txBody>
@@ -3119,7 +4052,7 @@
             <a:spLocks noGrp="1"/>
           </p:cNvSpPr>
           <p:nvPr>
-            <p:ph type="body"/>
+            <p:ph/>
           </p:nvPr>
         </p:nvSpPr>
         <p:spPr>
@@ -3130,14 +4063,27 @@
           <a:prstGeom prst="rect">
             <a:avLst/>
           </a:prstGeom>
-        </p:spPr>
-        <p:txBody>
-          <a:bodyPr lIns="0" rIns="0" tIns="0" bIns="0">
+          <a:noFill/>
+          <a:ln w="0">
+            <a:noFill/>
+          </a:ln>
+        </p:spPr>
+        <p:txBody>
+          <a:bodyPr lIns="0" rIns="0" tIns="0" bIns="0" anchor="t">
             <a:normAutofit/>
           </a:bodyPr>
           <a:p>
+            <a:pPr indent="0">
+              <a:spcBef>
+                <a:spcPts val="1417"/>
+              </a:spcBef>
+              <a:buNone/>
+            </a:pPr>
             <a:endParaRPr b="0" lang="en-US" sz="3200" spc="-1" strike="noStrike">
-              <a:latin typeface="Arial"/>
+              <a:solidFill>
+                <a:srgbClr val="000000"/>
+              </a:solidFill>
+              <a:latin typeface="맑은 고딕"/>
             </a:endParaRPr>
           </a:p>
         </p:txBody>
@@ -3149,7 +4095,7 @@
             <a:spLocks noGrp="1"/>
           </p:cNvSpPr>
           <p:nvPr>
-            <p:ph type="body"/>
+            <p:ph/>
           </p:nvPr>
         </p:nvSpPr>
         <p:spPr>
@@ -3160,14 +4106,27 @@
           <a:prstGeom prst="rect">
             <a:avLst/>
           </a:prstGeom>
-        </p:spPr>
-        <p:txBody>
-          <a:bodyPr lIns="0" rIns="0" tIns="0" bIns="0">
+          <a:noFill/>
+          <a:ln w="0">
+            <a:noFill/>
+          </a:ln>
+        </p:spPr>
+        <p:txBody>
+          <a:bodyPr lIns="0" rIns="0" tIns="0" bIns="0" anchor="t">
             <a:normAutofit/>
           </a:bodyPr>
           <a:p>
+            <a:pPr indent="0">
+              <a:spcBef>
+                <a:spcPts val="1417"/>
+              </a:spcBef>
+              <a:buNone/>
+            </a:pPr>
             <a:endParaRPr b="0" lang="en-US" sz="3200" spc="-1" strike="noStrike">
-              <a:latin typeface="Arial"/>
+              <a:solidFill>
+                <a:srgbClr val="000000"/>
+              </a:solidFill>
+              <a:latin typeface="맑은 고딕"/>
             </a:endParaRPr>
           </a:p>
         </p:txBody>
@@ -3179,7 +4138,7 @@
             <a:spLocks noGrp="1"/>
           </p:cNvSpPr>
           <p:nvPr>
-            <p:ph type="body"/>
+            <p:ph/>
           </p:nvPr>
         </p:nvSpPr>
         <p:spPr>
@@ -3190,14 +4149,27 @@
           <a:prstGeom prst="rect">
             <a:avLst/>
           </a:prstGeom>
-        </p:spPr>
-        <p:txBody>
-          <a:bodyPr lIns="0" rIns="0" tIns="0" bIns="0">
+          <a:noFill/>
+          <a:ln w="0">
+            <a:noFill/>
+          </a:ln>
+        </p:spPr>
+        <p:txBody>
+          <a:bodyPr lIns="0" rIns="0" tIns="0" bIns="0" anchor="t">
             <a:normAutofit/>
           </a:bodyPr>
           <a:p>
+            <a:pPr indent="0">
+              <a:spcBef>
+                <a:spcPts val="1417"/>
+              </a:spcBef>
+              <a:buNone/>
+            </a:pPr>
             <a:endParaRPr b="0" lang="en-US" sz="3200" spc="-1" strike="noStrike">
-              <a:latin typeface="Arial"/>
+              <a:solidFill>
+                <a:srgbClr val="000000"/>
+              </a:solidFill>
+              <a:latin typeface="맑은 고딕"/>
             </a:endParaRPr>
           </a:p>
         </p:txBody>
@@ -3242,15 +4214,24 @@
           <a:prstGeom prst="rect">
             <a:avLst/>
           </a:prstGeom>
+          <a:noFill/>
+          <a:ln w="0">
+            <a:noFill/>
+          </a:ln>
         </p:spPr>
         <p:txBody>
           <a:bodyPr lIns="0" rIns="0" tIns="0" bIns="0" anchor="ctr">
             <a:noAutofit/>
           </a:bodyPr>
           <a:p>
-            <a:pPr algn="ctr"/>
+            <a:pPr indent="0" algn="ctr">
+              <a:buNone/>
+            </a:pPr>
             <a:endParaRPr b="0" lang="en-US" sz="4400" spc="-1" strike="noStrike">
-              <a:latin typeface="Arial"/>
+              <a:solidFill>
+                <a:srgbClr val="000000"/>
+              </a:solidFill>
+              <a:latin typeface="맑은 고딕"/>
             </a:endParaRPr>
           </a:p>
         </p:txBody>
@@ -3262,7 +4243,7 @@
             <a:spLocks noGrp="1"/>
           </p:cNvSpPr>
           <p:nvPr>
-            <p:ph type="body"/>
+            <p:ph/>
           </p:nvPr>
         </p:nvSpPr>
         <p:spPr>
@@ -3273,14 +4254,27 @@
           <a:prstGeom prst="rect">
             <a:avLst/>
           </a:prstGeom>
-        </p:spPr>
-        <p:txBody>
-          <a:bodyPr lIns="0" rIns="0" tIns="0" bIns="0">
-            <a:normAutofit/>
-          </a:bodyPr>
-          <a:p>
+          <a:noFill/>
+          <a:ln w="0">
+            <a:noFill/>
+          </a:ln>
+        </p:spPr>
+        <p:txBody>
+          <a:bodyPr lIns="0" rIns="0" tIns="0" bIns="0" anchor="t">
+            <a:normAutofit fontScale="96865"/>
+          </a:bodyPr>
+          <a:p>
+            <a:pPr indent="0">
+              <a:spcBef>
+                <a:spcPts val="1417"/>
+              </a:spcBef>
+              <a:buNone/>
+            </a:pPr>
             <a:endParaRPr b="0" lang="en-US" sz="3200" spc="-1" strike="noStrike">
-              <a:latin typeface="Arial"/>
+              <a:solidFill>
+                <a:srgbClr val="000000"/>
+              </a:solidFill>
+              <a:latin typeface="맑은 고딕"/>
             </a:endParaRPr>
           </a:p>
         </p:txBody>
@@ -3292,7 +4286,7 @@
             <a:spLocks noGrp="1"/>
           </p:cNvSpPr>
           <p:nvPr>
-            <p:ph type="body"/>
+            <p:ph/>
           </p:nvPr>
         </p:nvSpPr>
         <p:spPr>
@@ -3303,14 +4297,27 @@
           <a:prstGeom prst="rect">
             <a:avLst/>
           </a:prstGeom>
-        </p:spPr>
-        <p:txBody>
-          <a:bodyPr lIns="0" rIns="0" tIns="0" bIns="0">
-            <a:normAutofit/>
-          </a:bodyPr>
-          <a:p>
+          <a:noFill/>
+          <a:ln w="0">
+            <a:noFill/>
+          </a:ln>
+        </p:spPr>
+        <p:txBody>
+          <a:bodyPr lIns="0" rIns="0" tIns="0" bIns="0" anchor="t">
+            <a:normAutofit fontScale="96865"/>
+          </a:bodyPr>
+          <a:p>
+            <a:pPr indent="0">
+              <a:spcBef>
+                <a:spcPts val="1417"/>
+              </a:spcBef>
+              <a:buNone/>
+            </a:pPr>
             <a:endParaRPr b="0" lang="en-US" sz="3200" spc="-1" strike="noStrike">
-              <a:latin typeface="Arial"/>
+              <a:solidFill>
+                <a:srgbClr val="000000"/>
+              </a:solidFill>
+              <a:latin typeface="맑은 고딕"/>
             </a:endParaRPr>
           </a:p>
         </p:txBody>
@@ -3322,7 +4329,7 @@
             <a:spLocks noGrp="1"/>
           </p:cNvSpPr>
           <p:nvPr>
-            <p:ph type="body"/>
+            <p:ph/>
           </p:nvPr>
         </p:nvSpPr>
         <p:spPr>
@@ -3333,14 +4340,27 @@
           <a:prstGeom prst="rect">
             <a:avLst/>
           </a:prstGeom>
-        </p:spPr>
-        <p:txBody>
-          <a:bodyPr lIns="0" rIns="0" tIns="0" bIns="0">
-            <a:normAutofit/>
-          </a:bodyPr>
-          <a:p>
+          <a:noFill/>
+          <a:ln w="0">
+            <a:noFill/>
+          </a:ln>
+        </p:spPr>
+        <p:txBody>
+          <a:bodyPr lIns="0" rIns="0" tIns="0" bIns="0" anchor="t">
+            <a:normAutofit fontScale="96865"/>
+          </a:bodyPr>
+          <a:p>
+            <a:pPr indent="0">
+              <a:spcBef>
+                <a:spcPts val="1417"/>
+              </a:spcBef>
+              <a:buNone/>
+            </a:pPr>
             <a:endParaRPr b="0" lang="en-US" sz="3200" spc="-1" strike="noStrike">
-              <a:latin typeface="Arial"/>
+              <a:solidFill>
+                <a:srgbClr val="000000"/>
+              </a:solidFill>
+              <a:latin typeface="맑은 고딕"/>
             </a:endParaRPr>
           </a:p>
         </p:txBody>
@@ -3352,7 +4372,7 @@
             <a:spLocks noGrp="1"/>
           </p:cNvSpPr>
           <p:nvPr>
-            <p:ph type="body"/>
+            <p:ph/>
           </p:nvPr>
         </p:nvSpPr>
         <p:spPr>
@@ -3363,14 +4383,27 @@
           <a:prstGeom prst="rect">
             <a:avLst/>
           </a:prstGeom>
-        </p:spPr>
-        <p:txBody>
-          <a:bodyPr lIns="0" rIns="0" tIns="0" bIns="0">
-            <a:normAutofit/>
-          </a:bodyPr>
-          <a:p>
+          <a:noFill/>
+          <a:ln w="0">
+            <a:noFill/>
+          </a:ln>
+        </p:spPr>
+        <p:txBody>
+          <a:bodyPr lIns="0" rIns="0" tIns="0" bIns="0" anchor="t">
+            <a:normAutofit fontScale="96865"/>
+          </a:bodyPr>
+          <a:p>
+            <a:pPr indent="0">
+              <a:spcBef>
+                <a:spcPts val="1417"/>
+              </a:spcBef>
+              <a:buNone/>
+            </a:pPr>
             <a:endParaRPr b="0" lang="en-US" sz="3200" spc="-1" strike="noStrike">
-              <a:latin typeface="Arial"/>
+              <a:solidFill>
+                <a:srgbClr val="000000"/>
+              </a:solidFill>
+              <a:latin typeface="맑은 고딕"/>
             </a:endParaRPr>
           </a:p>
         </p:txBody>
@@ -3382,7 +4415,7 @@
             <a:spLocks noGrp="1"/>
           </p:cNvSpPr>
           <p:nvPr>
-            <p:ph type="body"/>
+            <p:ph/>
           </p:nvPr>
         </p:nvSpPr>
         <p:spPr>
@@ -3393,14 +4426,27 @@
           <a:prstGeom prst="rect">
             <a:avLst/>
           </a:prstGeom>
-        </p:spPr>
-        <p:txBody>
-          <a:bodyPr lIns="0" rIns="0" tIns="0" bIns="0">
-            <a:normAutofit/>
-          </a:bodyPr>
-          <a:p>
+          <a:noFill/>
+          <a:ln w="0">
+            <a:noFill/>
+          </a:ln>
+        </p:spPr>
+        <p:txBody>
+          <a:bodyPr lIns="0" rIns="0" tIns="0" bIns="0" anchor="t">
+            <a:normAutofit fontScale="96865"/>
+          </a:bodyPr>
+          <a:p>
+            <a:pPr indent="0">
+              <a:spcBef>
+                <a:spcPts val="1417"/>
+              </a:spcBef>
+              <a:buNone/>
+            </a:pPr>
             <a:endParaRPr b="0" lang="en-US" sz="3200" spc="-1" strike="noStrike">
-              <a:latin typeface="Arial"/>
+              <a:solidFill>
+                <a:srgbClr val="000000"/>
+              </a:solidFill>
+              <a:latin typeface="맑은 고딕"/>
             </a:endParaRPr>
           </a:p>
         </p:txBody>
@@ -3412,7 +4458,7 @@
             <a:spLocks noGrp="1"/>
           </p:cNvSpPr>
           <p:nvPr>
-            <p:ph type="body"/>
+            <p:ph/>
           </p:nvPr>
         </p:nvSpPr>
         <p:spPr>
@@ -3423,14 +4469,27 @@
           <a:prstGeom prst="rect">
             <a:avLst/>
           </a:prstGeom>
-        </p:spPr>
-        <p:txBody>
-          <a:bodyPr lIns="0" rIns="0" tIns="0" bIns="0">
-            <a:normAutofit/>
-          </a:bodyPr>
-          <a:p>
+          <a:noFill/>
+          <a:ln w="0">
+            <a:noFill/>
+          </a:ln>
+        </p:spPr>
+        <p:txBody>
+          <a:bodyPr lIns="0" rIns="0" tIns="0" bIns="0" anchor="t">
+            <a:normAutofit fontScale="96865"/>
+          </a:bodyPr>
+          <a:p>
+            <a:pPr indent="0">
+              <a:spcBef>
+                <a:spcPts val="1417"/>
+              </a:spcBef>
+              <a:buNone/>
+            </a:pPr>
             <a:endParaRPr b="0" lang="en-US" sz="3200" spc="-1" strike="noStrike">
-              <a:latin typeface="Arial"/>
+              <a:solidFill>
+                <a:srgbClr val="000000"/>
+              </a:solidFill>
+              <a:latin typeface="맑은 고딕"/>
             </a:endParaRPr>
           </a:p>
         </p:txBody>
@@ -3475,15 +4534,24 @@
           <a:prstGeom prst="rect">
             <a:avLst/>
           </a:prstGeom>
+          <a:noFill/>
+          <a:ln w="0">
+            <a:noFill/>
+          </a:ln>
         </p:spPr>
         <p:txBody>
           <a:bodyPr lIns="0" rIns="0" tIns="0" bIns="0" anchor="ctr">
             <a:noAutofit/>
           </a:bodyPr>
           <a:p>
-            <a:pPr algn="ctr"/>
+            <a:pPr indent="0" algn="ctr">
+              <a:buNone/>
+            </a:pPr>
             <a:endParaRPr b="0" lang="en-US" sz="4400" spc="-1" strike="noStrike">
-              <a:latin typeface="Arial"/>
+              <a:solidFill>
+                <a:srgbClr val="000000"/>
+              </a:solidFill>
+              <a:latin typeface="맑은 고딕"/>
             </a:endParaRPr>
           </a:p>
         </p:txBody>
@@ -3495,7 +4563,7 @@
             <a:spLocks noGrp="1"/>
           </p:cNvSpPr>
           <p:nvPr>
-            <p:ph type="body"/>
+            <p:ph/>
           </p:nvPr>
         </p:nvSpPr>
         <p:spPr>
@@ -3506,14 +4574,27 @@
           <a:prstGeom prst="rect">
             <a:avLst/>
           </a:prstGeom>
-        </p:spPr>
-        <p:txBody>
-          <a:bodyPr lIns="0" rIns="0" tIns="0" bIns="0">
+          <a:noFill/>
+          <a:ln w="0">
+            <a:noFill/>
+          </a:ln>
+        </p:spPr>
+        <p:txBody>
+          <a:bodyPr lIns="0" rIns="0" tIns="0" bIns="0" anchor="t">
             <a:normAutofit/>
           </a:bodyPr>
           <a:p>
+            <a:pPr indent="0">
+              <a:spcBef>
+                <a:spcPts val="1417"/>
+              </a:spcBef>
+              <a:buNone/>
+            </a:pPr>
             <a:endParaRPr b="0" lang="en-US" sz="3200" spc="-1" strike="noStrike">
-              <a:latin typeface="Arial"/>
+              <a:solidFill>
+                <a:srgbClr val="000000"/>
+              </a:solidFill>
+              <a:latin typeface="맑은 고딕"/>
             </a:endParaRPr>
           </a:p>
         </p:txBody>
@@ -3525,7 +4606,7 @@
             <a:spLocks noGrp="1"/>
           </p:cNvSpPr>
           <p:nvPr>
-            <p:ph type="body"/>
+            <p:ph/>
           </p:nvPr>
         </p:nvSpPr>
         <p:spPr>
@@ -3536,14 +4617,27 @@
           <a:prstGeom prst="rect">
             <a:avLst/>
           </a:prstGeom>
-        </p:spPr>
-        <p:txBody>
-          <a:bodyPr lIns="0" rIns="0" tIns="0" bIns="0">
+          <a:noFill/>
+          <a:ln w="0">
+            <a:noFill/>
+          </a:ln>
+        </p:spPr>
+        <p:txBody>
+          <a:bodyPr lIns="0" rIns="0" tIns="0" bIns="0" anchor="t">
             <a:normAutofit/>
           </a:bodyPr>
           <a:p>
+            <a:pPr indent="0">
+              <a:spcBef>
+                <a:spcPts val="1417"/>
+              </a:spcBef>
+              <a:buNone/>
+            </a:pPr>
             <a:endParaRPr b="0" lang="en-US" sz="3200" spc="-1" strike="noStrike">
-              <a:latin typeface="Arial"/>
+              <a:solidFill>
+                <a:srgbClr val="000000"/>
+              </a:solidFill>
+              <a:latin typeface="맑은 고딕"/>
             </a:endParaRPr>
           </a:p>
         </p:txBody>
@@ -3588,15 +4682,24 @@
           <a:prstGeom prst="rect">
             <a:avLst/>
           </a:prstGeom>
+          <a:noFill/>
+          <a:ln w="0">
+            <a:noFill/>
+          </a:ln>
         </p:spPr>
         <p:txBody>
           <a:bodyPr lIns="0" rIns="0" tIns="0" bIns="0" anchor="ctr">
             <a:noAutofit/>
           </a:bodyPr>
           <a:p>
-            <a:pPr algn="ctr"/>
+            <a:pPr indent="0" algn="ctr">
+              <a:buNone/>
+            </a:pPr>
             <a:endParaRPr b="0" lang="en-US" sz="4400" spc="-1" strike="noStrike">
-              <a:latin typeface="Arial"/>
+              <a:solidFill>
+                <a:srgbClr val="000000"/>
+              </a:solidFill>
+              <a:latin typeface="맑은 고딕"/>
             </a:endParaRPr>
           </a:p>
         </p:txBody>
@@ -3641,6 +4744,10 @@
           <a:prstGeom prst="rect">
             <a:avLst/>
           </a:prstGeom>
+          <a:noFill/>
+          <a:ln w="0">
+            <a:noFill/>
+          </a:ln>
         </p:spPr>
         <p:txBody>
           <a:bodyPr lIns="0" rIns="0" tIns="0" bIns="0" anchor="ctr">
@@ -3649,7 +4756,10 @@
           <a:p>
             <a:pPr algn="ctr"/>
             <a:endParaRPr b="0" lang="en-US" sz="3200" spc="-1" strike="noStrike">
-              <a:latin typeface="Arial"/>
+              <a:solidFill>
+                <a:srgbClr val="000000"/>
+              </a:solidFill>
+              <a:latin typeface="맑은 고딕"/>
             </a:endParaRPr>
           </a:p>
         </p:txBody>
@@ -3694,15 +4804,24 @@
           <a:prstGeom prst="rect">
             <a:avLst/>
           </a:prstGeom>
+          <a:noFill/>
+          <a:ln w="0">
+            <a:noFill/>
+          </a:ln>
         </p:spPr>
         <p:txBody>
           <a:bodyPr lIns="0" rIns="0" tIns="0" bIns="0" anchor="ctr">
             <a:noAutofit/>
           </a:bodyPr>
           <a:p>
-            <a:pPr algn="ctr"/>
+            <a:pPr indent="0" algn="ctr">
+              <a:buNone/>
+            </a:pPr>
             <a:endParaRPr b="0" lang="en-US" sz="4400" spc="-1" strike="noStrike">
-              <a:latin typeface="Arial"/>
+              <a:solidFill>
+                <a:srgbClr val="000000"/>
+              </a:solidFill>
+              <a:latin typeface="맑은 고딕"/>
             </a:endParaRPr>
           </a:p>
         </p:txBody>
@@ -3714,7 +4833,7 @@
             <a:spLocks noGrp="1"/>
           </p:cNvSpPr>
           <p:nvPr>
-            <p:ph type="body"/>
+            <p:ph/>
           </p:nvPr>
         </p:nvSpPr>
         <p:spPr>
@@ -3725,14 +4844,27 @@
           <a:prstGeom prst="rect">
             <a:avLst/>
           </a:prstGeom>
-        </p:spPr>
-        <p:txBody>
-          <a:bodyPr lIns="0" rIns="0" tIns="0" bIns="0">
+          <a:noFill/>
+          <a:ln w="0">
+            <a:noFill/>
+          </a:ln>
+        </p:spPr>
+        <p:txBody>
+          <a:bodyPr lIns="0" rIns="0" tIns="0" bIns="0" anchor="t">
             <a:normAutofit/>
           </a:bodyPr>
           <a:p>
+            <a:pPr indent="0">
+              <a:spcBef>
+                <a:spcPts val="1417"/>
+              </a:spcBef>
+              <a:buNone/>
+            </a:pPr>
             <a:endParaRPr b="0" lang="en-US" sz="3200" spc="-1" strike="noStrike">
-              <a:latin typeface="Arial"/>
+              <a:solidFill>
+                <a:srgbClr val="000000"/>
+              </a:solidFill>
+              <a:latin typeface="맑은 고딕"/>
             </a:endParaRPr>
           </a:p>
         </p:txBody>
@@ -3744,7 +4876,7 @@
             <a:spLocks noGrp="1"/>
           </p:cNvSpPr>
           <p:nvPr>
-            <p:ph type="body"/>
+            <p:ph/>
           </p:nvPr>
         </p:nvSpPr>
         <p:spPr>
@@ -3755,14 +4887,27 @@
           <a:prstGeom prst="rect">
             <a:avLst/>
           </a:prstGeom>
-        </p:spPr>
-        <p:txBody>
-          <a:bodyPr lIns="0" rIns="0" tIns="0" bIns="0">
+          <a:noFill/>
+          <a:ln w="0">
+            <a:noFill/>
+          </a:ln>
+        </p:spPr>
+        <p:txBody>
+          <a:bodyPr lIns="0" rIns="0" tIns="0" bIns="0" anchor="t">
             <a:normAutofit/>
           </a:bodyPr>
           <a:p>
+            <a:pPr indent="0">
+              <a:spcBef>
+                <a:spcPts val="1417"/>
+              </a:spcBef>
+              <a:buNone/>
+            </a:pPr>
             <a:endParaRPr b="0" lang="en-US" sz="3200" spc="-1" strike="noStrike">
-              <a:latin typeface="Arial"/>
+              <a:solidFill>
+                <a:srgbClr val="000000"/>
+              </a:solidFill>
+              <a:latin typeface="맑은 고딕"/>
             </a:endParaRPr>
           </a:p>
         </p:txBody>
@@ -3774,7 +4919,7 @@
             <a:spLocks noGrp="1"/>
           </p:cNvSpPr>
           <p:nvPr>
-            <p:ph type="body"/>
+            <p:ph/>
           </p:nvPr>
         </p:nvSpPr>
         <p:spPr>
@@ -3785,14 +4930,27 @@
           <a:prstGeom prst="rect">
             <a:avLst/>
           </a:prstGeom>
-        </p:spPr>
-        <p:txBody>
-          <a:bodyPr lIns="0" rIns="0" tIns="0" bIns="0">
+          <a:noFill/>
+          <a:ln w="0">
+            <a:noFill/>
+          </a:ln>
+        </p:spPr>
+        <p:txBody>
+          <a:bodyPr lIns="0" rIns="0" tIns="0" bIns="0" anchor="t">
             <a:normAutofit/>
           </a:bodyPr>
           <a:p>
+            <a:pPr indent="0">
+              <a:spcBef>
+                <a:spcPts val="1417"/>
+              </a:spcBef>
+              <a:buNone/>
+            </a:pPr>
             <a:endParaRPr b="0" lang="en-US" sz="3200" spc="-1" strike="noStrike">
-              <a:latin typeface="Arial"/>
+              <a:solidFill>
+                <a:srgbClr val="000000"/>
+              </a:solidFill>
+              <a:latin typeface="맑은 고딕"/>
             </a:endParaRPr>
           </a:p>
         </p:txBody>
@@ -3837,15 +4995,24 @@
           <a:prstGeom prst="rect">
             <a:avLst/>
           </a:prstGeom>
+          <a:noFill/>
+          <a:ln w="0">
+            <a:noFill/>
+          </a:ln>
         </p:spPr>
         <p:txBody>
           <a:bodyPr lIns="0" rIns="0" tIns="0" bIns="0" anchor="ctr">
             <a:noAutofit/>
           </a:bodyPr>
           <a:p>
-            <a:pPr algn="ctr"/>
+            <a:pPr indent="0" algn="ctr">
+              <a:buNone/>
+            </a:pPr>
             <a:endParaRPr b="0" lang="en-US" sz="4400" spc="-1" strike="noStrike">
-              <a:latin typeface="Arial"/>
+              <a:solidFill>
+                <a:srgbClr val="000000"/>
+              </a:solidFill>
+              <a:latin typeface="맑은 고딕"/>
             </a:endParaRPr>
           </a:p>
         </p:txBody>
@@ -3857,7 +5024,7 @@
             <a:spLocks noGrp="1"/>
           </p:cNvSpPr>
           <p:nvPr>
-            <p:ph type="body"/>
+            <p:ph/>
           </p:nvPr>
         </p:nvSpPr>
         <p:spPr>
@@ -3868,14 +5035,27 @@
           <a:prstGeom prst="rect">
             <a:avLst/>
           </a:prstGeom>
-        </p:spPr>
-        <p:txBody>
-          <a:bodyPr lIns="0" rIns="0" tIns="0" bIns="0">
+          <a:noFill/>
+          <a:ln w="0">
+            <a:noFill/>
+          </a:ln>
+        </p:spPr>
+        <p:txBody>
+          <a:bodyPr lIns="0" rIns="0" tIns="0" bIns="0" anchor="t">
             <a:normAutofit/>
           </a:bodyPr>
           <a:p>
+            <a:pPr indent="0">
+              <a:spcBef>
+                <a:spcPts val="1417"/>
+              </a:spcBef>
+              <a:buNone/>
+            </a:pPr>
             <a:endParaRPr b="0" lang="en-US" sz="3200" spc="-1" strike="noStrike">
-              <a:latin typeface="Arial"/>
+              <a:solidFill>
+                <a:srgbClr val="000000"/>
+              </a:solidFill>
+              <a:latin typeface="맑은 고딕"/>
             </a:endParaRPr>
           </a:p>
         </p:txBody>
@@ -3887,7 +5067,7 @@
             <a:spLocks noGrp="1"/>
           </p:cNvSpPr>
           <p:nvPr>
-            <p:ph type="body"/>
+            <p:ph/>
           </p:nvPr>
         </p:nvSpPr>
         <p:spPr>
@@ -3898,14 +5078,27 @@
           <a:prstGeom prst="rect">
             <a:avLst/>
           </a:prstGeom>
-        </p:spPr>
-        <p:txBody>
-          <a:bodyPr lIns="0" rIns="0" tIns="0" bIns="0">
+          <a:noFill/>
+          <a:ln w="0">
+            <a:noFill/>
+          </a:ln>
+        </p:spPr>
+        <p:txBody>
+          <a:bodyPr lIns="0" rIns="0" tIns="0" bIns="0" anchor="t">
             <a:normAutofit/>
           </a:bodyPr>
           <a:p>
+            <a:pPr indent="0">
+              <a:spcBef>
+                <a:spcPts val="1417"/>
+              </a:spcBef>
+              <a:buNone/>
+            </a:pPr>
             <a:endParaRPr b="0" lang="en-US" sz="3200" spc="-1" strike="noStrike">
-              <a:latin typeface="Arial"/>
+              <a:solidFill>
+                <a:srgbClr val="000000"/>
+              </a:solidFill>
+              <a:latin typeface="맑은 고딕"/>
             </a:endParaRPr>
           </a:p>
         </p:txBody>
@@ -3917,7 +5110,7 @@
             <a:spLocks noGrp="1"/>
           </p:cNvSpPr>
           <p:nvPr>
-            <p:ph type="body"/>
+            <p:ph/>
           </p:nvPr>
         </p:nvSpPr>
         <p:spPr>
@@ -3928,14 +5121,27 @@
           <a:prstGeom prst="rect">
             <a:avLst/>
           </a:prstGeom>
-        </p:spPr>
-        <p:txBody>
-          <a:bodyPr lIns="0" rIns="0" tIns="0" bIns="0">
+          <a:noFill/>
+          <a:ln w="0">
+            <a:noFill/>
+          </a:ln>
+        </p:spPr>
+        <p:txBody>
+          <a:bodyPr lIns="0" rIns="0" tIns="0" bIns="0" anchor="t">
             <a:normAutofit/>
           </a:bodyPr>
           <a:p>
+            <a:pPr indent="0">
+              <a:spcBef>
+                <a:spcPts val="1417"/>
+              </a:spcBef>
+              <a:buNone/>
+            </a:pPr>
             <a:endParaRPr b="0" lang="en-US" sz="3200" spc="-1" strike="noStrike">
-              <a:latin typeface="Arial"/>
+              <a:solidFill>
+                <a:srgbClr val="000000"/>
+              </a:solidFill>
+              <a:latin typeface="맑은 고딕"/>
             </a:endParaRPr>
           </a:p>
         </p:txBody>
@@ -3980,15 +5186,24 @@
           <a:prstGeom prst="rect">
             <a:avLst/>
           </a:prstGeom>
+          <a:noFill/>
+          <a:ln w="0">
+            <a:noFill/>
+          </a:ln>
         </p:spPr>
         <p:txBody>
           <a:bodyPr lIns="0" rIns="0" tIns="0" bIns="0" anchor="ctr">
             <a:noAutofit/>
           </a:bodyPr>
           <a:p>
-            <a:pPr algn="ctr"/>
+            <a:pPr indent="0" algn="ctr">
+              <a:buNone/>
+            </a:pPr>
             <a:endParaRPr b="0" lang="en-US" sz="4400" spc="-1" strike="noStrike">
-              <a:latin typeface="Arial"/>
+              <a:solidFill>
+                <a:srgbClr val="000000"/>
+              </a:solidFill>
+              <a:latin typeface="맑은 고딕"/>
             </a:endParaRPr>
           </a:p>
         </p:txBody>
@@ -4000,7 +5215,7 @@
             <a:spLocks noGrp="1"/>
           </p:cNvSpPr>
           <p:nvPr>
-            <p:ph type="body"/>
+            <p:ph/>
           </p:nvPr>
         </p:nvSpPr>
         <p:spPr>
@@ -4011,14 +5226,27 @@
           <a:prstGeom prst="rect">
             <a:avLst/>
           </a:prstGeom>
-        </p:spPr>
-        <p:txBody>
-          <a:bodyPr lIns="0" rIns="0" tIns="0" bIns="0">
+          <a:noFill/>
+          <a:ln w="0">
+            <a:noFill/>
+          </a:ln>
+        </p:spPr>
+        <p:txBody>
+          <a:bodyPr lIns="0" rIns="0" tIns="0" bIns="0" anchor="t">
             <a:normAutofit/>
           </a:bodyPr>
           <a:p>
+            <a:pPr indent="0">
+              <a:spcBef>
+                <a:spcPts val="1417"/>
+              </a:spcBef>
+              <a:buNone/>
+            </a:pPr>
             <a:endParaRPr b="0" lang="en-US" sz="3200" spc="-1" strike="noStrike">
-              <a:latin typeface="Arial"/>
+              <a:solidFill>
+                <a:srgbClr val="000000"/>
+              </a:solidFill>
+              <a:latin typeface="맑은 고딕"/>
             </a:endParaRPr>
           </a:p>
         </p:txBody>
@@ -4030,7 +5258,7 @@
             <a:spLocks noGrp="1"/>
           </p:cNvSpPr>
           <p:nvPr>
-            <p:ph type="body"/>
+            <p:ph/>
           </p:nvPr>
         </p:nvSpPr>
         <p:spPr>
@@ -4041,14 +5269,27 @@
           <a:prstGeom prst="rect">
             <a:avLst/>
           </a:prstGeom>
-        </p:spPr>
-        <p:txBody>
-          <a:bodyPr lIns="0" rIns="0" tIns="0" bIns="0">
+          <a:noFill/>
+          <a:ln w="0">
+            <a:noFill/>
+          </a:ln>
+        </p:spPr>
+        <p:txBody>
+          <a:bodyPr lIns="0" rIns="0" tIns="0" bIns="0" anchor="t">
             <a:normAutofit/>
           </a:bodyPr>
           <a:p>
+            <a:pPr indent="0">
+              <a:spcBef>
+                <a:spcPts val="1417"/>
+              </a:spcBef>
+              <a:buNone/>
+            </a:pPr>
             <a:endParaRPr b="0" lang="en-US" sz="3200" spc="-1" strike="noStrike">
-              <a:latin typeface="Arial"/>
+              <a:solidFill>
+                <a:srgbClr val="000000"/>
+              </a:solidFill>
+              <a:latin typeface="맑은 고딕"/>
             </a:endParaRPr>
           </a:p>
         </p:txBody>
@@ -4060,7 +5301,7 @@
             <a:spLocks noGrp="1"/>
           </p:cNvSpPr>
           <p:nvPr>
-            <p:ph type="body"/>
+            <p:ph/>
           </p:nvPr>
         </p:nvSpPr>
         <p:spPr>
@@ -4071,14 +5312,27 @@
           <a:prstGeom prst="rect">
             <a:avLst/>
           </a:prstGeom>
-        </p:spPr>
-        <p:txBody>
-          <a:bodyPr lIns="0" rIns="0" tIns="0" bIns="0">
+          <a:noFill/>
+          <a:ln w="0">
+            <a:noFill/>
+          </a:ln>
+        </p:spPr>
+        <p:txBody>
+          <a:bodyPr lIns="0" rIns="0" tIns="0" bIns="0" anchor="t">
             <a:normAutofit/>
           </a:bodyPr>
           <a:p>
+            <a:pPr indent="0">
+              <a:spcBef>
+                <a:spcPts val="1417"/>
+              </a:spcBef>
+              <a:buNone/>
+            </a:pPr>
             <a:endParaRPr b="0" lang="en-US" sz="3200" spc="-1" strike="noStrike">
-              <a:latin typeface="Arial"/>
+              <a:solidFill>
+                <a:srgbClr val="000000"/>
+              </a:solidFill>
+              <a:latin typeface="맑은 고딕"/>
             </a:endParaRPr>
           </a:p>
         </p:txBody>
@@ -4123,21 +5377,42 @@
           <a:prstGeom prst="rect">
             <a:avLst/>
           </a:prstGeom>
+          <a:noFill/>
+          <a:ln w="0">
+            <a:noFill/>
+          </a:ln>
         </p:spPr>
         <p:txBody>
           <a:bodyPr lIns="0" rIns="0" tIns="0" bIns="0" anchor="ctr">
             <a:noAutofit/>
           </a:bodyPr>
           <a:p>
-            <a:pPr algn="ctr"/>
+            <a:pPr indent="0" algn="ctr">
+              <a:buNone/>
+            </a:pPr>
+            <a:r>
+              <a:rPr b="0" lang="ko-KR" sz="4400" spc="-1" strike="noStrike">
+                <a:solidFill>
+                  <a:srgbClr val="000000"/>
+                </a:solidFill>
+                <a:latin typeface="맑은 고딕"/>
+              </a:rPr>
+              <a:t>제목 텍스트의 서식을 편집하려면 클릭하십시오</a:t>
+            </a:r>
             <a:r>
               <a:rPr b="0" lang="en-US" sz="4400" spc="-1" strike="noStrike">
-                <a:latin typeface="Arial"/>
-              </a:rPr>
-              <a:t>Click to edit the title text format</a:t>
+                <a:solidFill>
+                  <a:srgbClr val="000000"/>
+                </a:solidFill>
+                <a:latin typeface="맑은 고딕"/>
+              </a:rPr>
+              <a:t>.</a:t>
             </a:r>
             <a:endParaRPr b="0" lang="en-US" sz="4400" spc="-1" strike="noStrike">
-              <a:latin typeface="Arial"/>
+              <a:solidFill>
+                <a:srgbClr val="000000"/>
+              </a:solidFill>
+              <a:latin typeface="맑은 고딕"/>
             </a:endParaRPr>
           </a:p>
         </p:txBody>
@@ -4160,10 +5435,14 @@
           <a:prstGeom prst="rect">
             <a:avLst/>
           </a:prstGeom>
-        </p:spPr>
-        <p:txBody>
-          <a:bodyPr lIns="0" rIns="0" tIns="0" bIns="0">
-            <a:normAutofit/>
+          <a:noFill/>
+          <a:ln w="0">
+            <a:noFill/>
+          </a:ln>
+        </p:spPr>
+        <p:txBody>
+          <a:bodyPr lIns="0" rIns="0" tIns="0" bIns="0" anchor="t">
+            <a:normAutofit fontScale="98427"/>
           </a:bodyPr>
           <a:p>
             <a:pPr marL="432000" indent="-324000">
@@ -4178,13 +5457,19 @@
               <a:buChar char=""/>
             </a:pPr>
             <a:r>
-              <a:rPr b="0" lang="en-US" sz="3200" spc="-1" strike="noStrike">
-                <a:latin typeface="Arial"/>
-              </a:rPr>
-              <a:t>Click to edit the outline text format</a:t>
+              <a:rPr b="0" lang="ko-KR" sz="3200" spc="-1" strike="noStrike">
+                <a:solidFill>
+                  <a:srgbClr val="000000"/>
+                </a:solidFill>
+                <a:latin typeface="맑은 고딕"/>
+              </a:rPr>
+              <a:t>개요 텍스트의 서식을 편집하려면 클릭하십시오</a:t>
             </a:r>
             <a:endParaRPr b="0" lang="en-US" sz="3200" spc="-1" strike="noStrike">
-              <a:latin typeface="Arial"/>
+              <a:solidFill>
+                <a:srgbClr val="000000"/>
+              </a:solidFill>
+              <a:latin typeface="맑은 고딕"/>
             </a:endParaRPr>
           </a:p>
           <a:p>
@@ -4201,12 +5486,27 @@
             </a:pPr>
             <a:r>
               <a:rPr b="0" lang="en-US" sz="2800" spc="-1" strike="noStrike">
-                <a:latin typeface="Arial"/>
-              </a:rPr>
-              <a:t>Second Outline Level</a:t>
+                <a:solidFill>
+                  <a:srgbClr val="000000"/>
+                </a:solidFill>
+                <a:latin typeface="맑은 고딕"/>
+              </a:rPr>
+              <a:t>2</a:t>
+            </a:r>
+            <a:r>
+              <a:rPr b="0" lang="ko-KR" sz="2800" spc="-1" strike="noStrike">
+                <a:solidFill>
+                  <a:srgbClr val="000000"/>
+                </a:solidFill>
+                <a:latin typeface="맑은 고딕"/>
+              </a:rPr>
+              <a:t>번째 개요 수준</a:t>
             </a:r>
             <a:endParaRPr b="0" lang="en-US" sz="2800" spc="-1" strike="noStrike">
-              <a:latin typeface="Arial"/>
+              <a:solidFill>
+                <a:srgbClr val="000000"/>
+              </a:solidFill>
+              <a:latin typeface="맑은 고딕"/>
             </a:endParaRPr>
           </a:p>
           <a:p>
@@ -4223,12 +5523,27 @@
             </a:pPr>
             <a:r>
               <a:rPr b="0" lang="en-US" sz="2400" spc="-1" strike="noStrike">
-                <a:latin typeface="Arial"/>
-              </a:rPr>
-              <a:t>Third Outline Level</a:t>
+                <a:solidFill>
+                  <a:srgbClr val="000000"/>
+                </a:solidFill>
+                <a:latin typeface="맑은 고딕"/>
+              </a:rPr>
+              <a:t>3</a:t>
+            </a:r>
+            <a:r>
+              <a:rPr b="0" lang="ko-KR" sz="2400" spc="-1" strike="noStrike">
+                <a:solidFill>
+                  <a:srgbClr val="000000"/>
+                </a:solidFill>
+                <a:latin typeface="맑은 고딕"/>
+              </a:rPr>
+              <a:t>번째 개요 수준</a:t>
             </a:r>
             <a:endParaRPr b="0" lang="en-US" sz="2400" spc="-1" strike="noStrike">
-              <a:latin typeface="Arial"/>
+              <a:solidFill>
+                <a:srgbClr val="000000"/>
+              </a:solidFill>
+              <a:latin typeface="맑은 고딕"/>
             </a:endParaRPr>
           </a:p>
           <a:p>
@@ -4245,12 +5560,27 @@
             </a:pPr>
             <a:r>
               <a:rPr b="0" lang="en-US" sz="2000" spc="-1" strike="noStrike">
-                <a:latin typeface="Arial"/>
-              </a:rPr>
-              <a:t>Fourth Outline Level</a:t>
+                <a:solidFill>
+                  <a:srgbClr val="000000"/>
+                </a:solidFill>
+                <a:latin typeface="맑은 고딕"/>
+              </a:rPr>
+              <a:t>4</a:t>
+            </a:r>
+            <a:r>
+              <a:rPr b="0" lang="ko-KR" sz="2000" spc="-1" strike="noStrike">
+                <a:solidFill>
+                  <a:srgbClr val="000000"/>
+                </a:solidFill>
+                <a:latin typeface="맑은 고딕"/>
+              </a:rPr>
+              <a:t>번째 개요 수준</a:t>
             </a:r>
             <a:endParaRPr b="0" lang="en-US" sz="2000" spc="-1" strike="noStrike">
-              <a:latin typeface="Arial"/>
+              <a:solidFill>
+                <a:srgbClr val="000000"/>
+              </a:solidFill>
+              <a:latin typeface="맑은 고딕"/>
             </a:endParaRPr>
           </a:p>
           <a:p>
@@ -4267,12 +5597,27 @@
             </a:pPr>
             <a:r>
               <a:rPr b="0" lang="en-US" sz="2000" spc="-1" strike="noStrike">
-                <a:latin typeface="Arial"/>
-              </a:rPr>
-              <a:t>Fifth Outline Level</a:t>
+                <a:solidFill>
+                  <a:srgbClr val="000000"/>
+                </a:solidFill>
+                <a:latin typeface="맑은 고딕"/>
+              </a:rPr>
+              <a:t>5</a:t>
+            </a:r>
+            <a:r>
+              <a:rPr b="0" lang="ko-KR" sz="2000" spc="-1" strike="noStrike">
+                <a:solidFill>
+                  <a:srgbClr val="000000"/>
+                </a:solidFill>
+                <a:latin typeface="맑은 고딕"/>
+              </a:rPr>
+              <a:t>번째 개요 수준</a:t>
             </a:r>
             <a:endParaRPr b="0" lang="en-US" sz="2000" spc="-1" strike="noStrike">
-              <a:latin typeface="Arial"/>
+              <a:solidFill>
+                <a:srgbClr val="000000"/>
+              </a:solidFill>
+              <a:latin typeface="맑은 고딕"/>
             </a:endParaRPr>
           </a:p>
           <a:p>
@@ -4289,12 +5634,27 @@
             </a:pPr>
             <a:r>
               <a:rPr b="0" lang="en-US" sz="2000" spc="-1" strike="noStrike">
-                <a:latin typeface="Arial"/>
-              </a:rPr>
-              <a:t>Sixth Outline Level</a:t>
+                <a:solidFill>
+                  <a:srgbClr val="000000"/>
+                </a:solidFill>
+                <a:latin typeface="맑은 고딕"/>
+              </a:rPr>
+              <a:t>6</a:t>
+            </a:r>
+            <a:r>
+              <a:rPr b="0" lang="ko-KR" sz="2000" spc="-1" strike="noStrike">
+                <a:solidFill>
+                  <a:srgbClr val="000000"/>
+                </a:solidFill>
+                <a:latin typeface="맑은 고딕"/>
+              </a:rPr>
+              <a:t>번째 개요 수준</a:t>
             </a:r>
             <a:endParaRPr b="0" lang="en-US" sz="2000" spc="-1" strike="noStrike">
-              <a:latin typeface="Arial"/>
+              <a:solidFill>
+                <a:srgbClr val="000000"/>
+              </a:solidFill>
+              <a:latin typeface="맑은 고딕"/>
             </a:endParaRPr>
           </a:p>
           <a:p>
@@ -4311,12 +5671,27 @@
             </a:pPr>
             <a:r>
               <a:rPr b="0" lang="en-US" sz="2000" spc="-1" strike="noStrike">
-                <a:latin typeface="Arial"/>
-              </a:rPr>
-              <a:t>Seventh Outline Level</a:t>
+                <a:solidFill>
+                  <a:srgbClr val="000000"/>
+                </a:solidFill>
+                <a:latin typeface="맑은 고딕"/>
+              </a:rPr>
+              <a:t>7</a:t>
+            </a:r>
+            <a:r>
+              <a:rPr b="0" lang="ko-KR" sz="2000" spc="-1" strike="noStrike">
+                <a:solidFill>
+                  <a:srgbClr val="000000"/>
+                </a:solidFill>
+                <a:latin typeface="맑은 고딕"/>
+              </a:rPr>
+              <a:t>번째 개요 수준</a:t>
             </a:r>
             <a:endParaRPr b="0" lang="en-US" sz="2000" spc="-1" strike="noStrike">
-              <a:latin typeface="Arial"/>
+              <a:solidFill>
+                <a:srgbClr val="000000"/>
+              </a:solidFill>
+              <a:latin typeface="맑은 고딕"/>
             </a:endParaRPr>
           </a:p>
         </p:txBody>
@@ -4376,21 +5751,42 @@
           <a:prstGeom prst="rect">
             <a:avLst/>
           </a:prstGeom>
+          <a:noFill/>
+          <a:ln w="0">
+            <a:noFill/>
+          </a:ln>
         </p:spPr>
         <p:txBody>
           <a:bodyPr lIns="0" rIns="0" tIns="0" bIns="0" anchor="ctr">
             <a:noAutofit/>
           </a:bodyPr>
           <a:p>
-            <a:pPr algn="ctr"/>
+            <a:pPr indent="0" algn="ctr">
+              <a:buNone/>
+            </a:pPr>
+            <a:r>
+              <a:rPr b="0" lang="ko-KR" sz="4400" spc="-1" strike="noStrike">
+                <a:solidFill>
+                  <a:srgbClr val="000000"/>
+                </a:solidFill>
+                <a:latin typeface="맑은 고딕"/>
+              </a:rPr>
+              <a:t>제목 텍스트의 서식을 편집하려면 클릭하십시오</a:t>
+            </a:r>
             <a:r>
               <a:rPr b="0" lang="en-US" sz="4400" spc="-1" strike="noStrike">
-                <a:latin typeface="Arial"/>
-              </a:rPr>
-              <a:t>Click to edit the title text format</a:t>
+                <a:solidFill>
+                  <a:srgbClr val="000000"/>
+                </a:solidFill>
+                <a:latin typeface="맑은 고딕"/>
+              </a:rPr>
+              <a:t>.</a:t>
             </a:r>
             <a:endParaRPr b="0" lang="en-US" sz="4400" spc="-1" strike="noStrike">
-              <a:latin typeface="Arial"/>
+              <a:solidFill>
+                <a:srgbClr val="000000"/>
+              </a:solidFill>
+              <a:latin typeface="맑은 고딕"/>
             </a:endParaRPr>
           </a:p>
         </p:txBody>
@@ -4413,10 +5809,14 @@
           <a:prstGeom prst="rect">
             <a:avLst/>
           </a:prstGeom>
-        </p:spPr>
-        <p:txBody>
-          <a:bodyPr lIns="0" rIns="0" tIns="0" bIns="0">
-            <a:normAutofit/>
+          <a:noFill/>
+          <a:ln w="0">
+            <a:noFill/>
+          </a:ln>
+        </p:spPr>
+        <p:txBody>
+          <a:bodyPr lIns="0" rIns="0" tIns="0" bIns="0" anchor="t">
+            <a:normAutofit fontScale="98427"/>
           </a:bodyPr>
           <a:p>
             <a:pPr marL="432000" indent="-324000">
@@ -4431,13 +5831,19 @@
               <a:buChar char=""/>
             </a:pPr>
             <a:r>
-              <a:rPr b="0" lang="en-US" sz="3200" spc="-1" strike="noStrike">
-                <a:latin typeface="Arial"/>
-              </a:rPr>
-              <a:t>Click to edit the outline text format</a:t>
+              <a:rPr b="0" lang="ko-KR" sz="3200" spc="-1" strike="noStrike">
+                <a:solidFill>
+                  <a:srgbClr val="000000"/>
+                </a:solidFill>
+                <a:latin typeface="맑은 고딕"/>
+              </a:rPr>
+              <a:t>개요 텍스트의 서식을 편집하려면 클릭하십시오</a:t>
             </a:r>
             <a:endParaRPr b="0" lang="en-US" sz="3200" spc="-1" strike="noStrike">
-              <a:latin typeface="Arial"/>
+              <a:solidFill>
+                <a:srgbClr val="000000"/>
+              </a:solidFill>
+              <a:latin typeface="맑은 고딕"/>
             </a:endParaRPr>
           </a:p>
           <a:p>
@@ -4454,12 +5860,27 @@
             </a:pPr>
             <a:r>
               <a:rPr b="0" lang="en-US" sz="2800" spc="-1" strike="noStrike">
-                <a:latin typeface="Arial"/>
-              </a:rPr>
-              <a:t>Second Outline Level</a:t>
+                <a:solidFill>
+                  <a:srgbClr val="000000"/>
+                </a:solidFill>
+                <a:latin typeface="맑은 고딕"/>
+              </a:rPr>
+              <a:t>2</a:t>
+            </a:r>
+            <a:r>
+              <a:rPr b="0" lang="ko-KR" sz="2800" spc="-1" strike="noStrike">
+                <a:solidFill>
+                  <a:srgbClr val="000000"/>
+                </a:solidFill>
+                <a:latin typeface="맑은 고딕"/>
+              </a:rPr>
+              <a:t>번째 개요 수준</a:t>
             </a:r>
             <a:endParaRPr b="0" lang="en-US" sz="2800" spc="-1" strike="noStrike">
-              <a:latin typeface="Arial"/>
+              <a:solidFill>
+                <a:srgbClr val="000000"/>
+              </a:solidFill>
+              <a:latin typeface="맑은 고딕"/>
             </a:endParaRPr>
           </a:p>
           <a:p>
@@ -4476,12 +5897,27 @@
             </a:pPr>
             <a:r>
               <a:rPr b="0" lang="en-US" sz="2400" spc="-1" strike="noStrike">
-                <a:latin typeface="Arial"/>
-              </a:rPr>
-              <a:t>Third Outline Level</a:t>
+                <a:solidFill>
+                  <a:srgbClr val="000000"/>
+                </a:solidFill>
+                <a:latin typeface="맑은 고딕"/>
+              </a:rPr>
+              <a:t>3</a:t>
+            </a:r>
+            <a:r>
+              <a:rPr b="0" lang="ko-KR" sz="2400" spc="-1" strike="noStrike">
+                <a:solidFill>
+                  <a:srgbClr val="000000"/>
+                </a:solidFill>
+                <a:latin typeface="맑은 고딕"/>
+              </a:rPr>
+              <a:t>번째 개요 수준</a:t>
             </a:r>
             <a:endParaRPr b="0" lang="en-US" sz="2400" spc="-1" strike="noStrike">
-              <a:latin typeface="Arial"/>
+              <a:solidFill>
+                <a:srgbClr val="000000"/>
+              </a:solidFill>
+              <a:latin typeface="맑은 고딕"/>
             </a:endParaRPr>
           </a:p>
           <a:p>
@@ -4498,12 +5934,27 @@
             </a:pPr>
             <a:r>
               <a:rPr b="0" lang="en-US" sz="2000" spc="-1" strike="noStrike">
-                <a:latin typeface="Arial"/>
-              </a:rPr>
-              <a:t>Fourth Outline Level</a:t>
+                <a:solidFill>
+                  <a:srgbClr val="000000"/>
+                </a:solidFill>
+                <a:latin typeface="맑은 고딕"/>
+              </a:rPr>
+              <a:t>4</a:t>
+            </a:r>
+            <a:r>
+              <a:rPr b="0" lang="ko-KR" sz="2000" spc="-1" strike="noStrike">
+                <a:solidFill>
+                  <a:srgbClr val="000000"/>
+                </a:solidFill>
+                <a:latin typeface="맑은 고딕"/>
+              </a:rPr>
+              <a:t>번째 개요 수준</a:t>
             </a:r>
             <a:endParaRPr b="0" lang="en-US" sz="2000" spc="-1" strike="noStrike">
-              <a:latin typeface="Arial"/>
+              <a:solidFill>
+                <a:srgbClr val="000000"/>
+              </a:solidFill>
+              <a:latin typeface="맑은 고딕"/>
             </a:endParaRPr>
           </a:p>
           <a:p>
@@ -4520,12 +5971,27 @@
             </a:pPr>
             <a:r>
               <a:rPr b="0" lang="en-US" sz="2000" spc="-1" strike="noStrike">
-                <a:latin typeface="Arial"/>
-              </a:rPr>
-              <a:t>Fifth Outline Level</a:t>
+                <a:solidFill>
+                  <a:srgbClr val="000000"/>
+                </a:solidFill>
+                <a:latin typeface="맑은 고딕"/>
+              </a:rPr>
+              <a:t>5</a:t>
+            </a:r>
+            <a:r>
+              <a:rPr b="0" lang="ko-KR" sz="2000" spc="-1" strike="noStrike">
+                <a:solidFill>
+                  <a:srgbClr val="000000"/>
+                </a:solidFill>
+                <a:latin typeface="맑은 고딕"/>
+              </a:rPr>
+              <a:t>번째 개요 수준</a:t>
             </a:r>
             <a:endParaRPr b="0" lang="en-US" sz="2000" spc="-1" strike="noStrike">
-              <a:latin typeface="Arial"/>
+              <a:solidFill>
+                <a:srgbClr val="000000"/>
+              </a:solidFill>
+              <a:latin typeface="맑은 고딕"/>
             </a:endParaRPr>
           </a:p>
           <a:p>
@@ -4542,12 +6008,27 @@
             </a:pPr>
             <a:r>
               <a:rPr b="0" lang="en-US" sz="2000" spc="-1" strike="noStrike">
-                <a:latin typeface="Arial"/>
-              </a:rPr>
-              <a:t>Sixth Outline Level</a:t>
+                <a:solidFill>
+                  <a:srgbClr val="000000"/>
+                </a:solidFill>
+                <a:latin typeface="맑은 고딕"/>
+              </a:rPr>
+              <a:t>6</a:t>
+            </a:r>
+            <a:r>
+              <a:rPr b="0" lang="ko-KR" sz="2000" spc="-1" strike="noStrike">
+                <a:solidFill>
+                  <a:srgbClr val="000000"/>
+                </a:solidFill>
+                <a:latin typeface="맑은 고딕"/>
+              </a:rPr>
+              <a:t>번째 개요 수준</a:t>
             </a:r>
             <a:endParaRPr b="0" lang="en-US" sz="2000" spc="-1" strike="noStrike">
-              <a:latin typeface="Arial"/>
+              <a:solidFill>
+                <a:srgbClr val="000000"/>
+              </a:solidFill>
+              <a:latin typeface="맑은 고딕"/>
             </a:endParaRPr>
           </a:p>
           <a:p>
@@ -4564,12 +6045,27 @@
             </a:pPr>
             <a:r>
               <a:rPr b="0" lang="en-US" sz="2000" spc="-1" strike="noStrike">
-                <a:latin typeface="Arial"/>
-              </a:rPr>
-              <a:t>Seventh Outline Level</a:t>
+                <a:solidFill>
+                  <a:srgbClr val="000000"/>
+                </a:solidFill>
+                <a:latin typeface="맑은 고딕"/>
+              </a:rPr>
+              <a:t>7</a:t>
+            </a:r>
+            <a:r>
+              <a:rPr b="0" lang="ko-KR" sz="2000" spc="-1" strike="noStrike">
+                <a:solidFill>
+                  <a:srgbClr val="000000"/>
+                </a:solidFill>
+                <a:latin typeface="맑은 고딕"/>
+              </a:rPr>
+              <a:t>번째 개요 수준</a:t>
             </a:r>
             <a:endParaRPr b="0" lang="en-US" sz="2000" spc="-1" strike="noStrike">
-              <a:latin typeface="Arial"/>
+              <a:solidFill>
+                <a:srgbClr val="000000"/>
+              </a:solidFill>
+              <a:latin typeface="맑은 고딕"/>
             </a:endParaRPr>
           </a:p>
         </p:txBody>
@@ -4629,21 +6125,42 @@
           <a:prstGeom prst="rect">
             <a:avLst/>
           </a:prstGeom>
+          <a:noFill/>
+          <a:ln w="0">
+            <a:noFill/>
+          </a:ln>
         </p:spPr>
         <p:txBody>
           <a:bodyPr lIns="0" rIns="0" tIns="0" bIns="0" anchor="ctr">
             <a:noAutofit/>
           </a:bodyPr>
           <a:p>
-            <a:pPr algn="ctr"/>
+            <a:pPr indent="0" algn="ctr">
+              <a:buNone/>
+            </a:pPr>
+            <a:r>
+              <a:rPr b="0" lang="ko-KR" sz="4400" spc="-1" strike="noStrike">
+                <a:solidFill>
+                  <a:srgbClr val="000000"/>
+                </a:solidFill>
+                <a:latin typeface="맑은 고딕"/>
+              </a:rPr>
+              <a:t>제목 텍스트의 서식을 편집하려면 클릭하십시오</a:t>
+            </a:r>
             <a:r>
               <a:rPr b="0" lang="en-US" sz="4400" spc="-1" strike="noStrike">
-                <a:latin typeface="Arial"/>
-              </a:rPr>
-              <a:t>Click to edit the title text format</a:t>
+                <a:solidFill>
+                  <a:srgbClr val="000000"/>
+                </a:solidFill>
+                <a:latin typeface="맑은 고딕"/>
+              </a:rPr>
+              <a:t>.</a:t>
             </a:r>
             <a:endParaRPr b="0" lang="en-US" sz="4400" spc="-1" strike="noStrike">
-              <a:latin typeface="Arial"/>
+              <a:solidFill>
+                <a:srgbClr val="000000"/>
+              </a:solidFill>
+              <a:latin typeface="맑은 고딕"/>
             </a:endParaRPr>
           </a:p>
         </p:txBody>
@@ -4666,10 +6183,14 @@
           <a:prstGeom prst="rect">
             <a:avLst/>
           </a:prstGeom>
-        </p:spPr>
-        <p:txBody>
-          <a:bodyPr lIns="0" rIns="0" tIns="0" bIns="0">
-            <a:normAutofit/>
+          <a:noFill/>
+          <a:ln w="0">
+            <a:noFill/>
+          </a:ln>
+        </p:spPr>
+        <p:txBody>
+          <a:bodyPr lIns="0" rIns="0" tIns="0" bIns="0" anchor="t">
+            <a:normAutofit fontScale="98427"/>
           </a:bodyPr>
           <a:p>
             <a:pPr marL="432000" indent="-324000">
@@ -4684,13 +6205,19 @@
               <a:buChar char=""/>
             </a:pPr>
             <a:r>
-              <a:rPr b="0" lang="en-US" sz="3200" spc="-1" strike="noStrike">
-                <a:latin typeface="Arial"/>
-              </a:rPr>
-              <a:t>Click to edit the outline text format</a:t>
+              <a:rPr b="0" lang="ko-KR" sz="3200" spc="-1" strike="noStrike">
+                <a:solidFill>
+                  <a:srgbClr val="000000"/>
+                </a:solidFill>
+                <a:latin typeface="맑은 고딕"/>
+              </a:rPr>
+              <a:t>개요 텍스트의 서식을 편집하려면 클릭하십시오</a:t>
             </a:r>
             <a:endParaRPr b="0" lang="en-US" sz="3200" spc="-1" strike="noStrike">
-              <a:latin typeface="Arial"/>
+              <a:solidFill>
+                <a:srgbClr val="000000"/>
+              </a:solidFill>
+              <a:latin typeface="맑은 고딕"/>
             </a:endParaRPr>
           </a:p>
           <a:p>
@@ -4707,12 +6234,27 @@
             </a:pPr>
             <a:r>
               <a:rPr b="0" lang="en-US" sz="2800" spc="-1" strike="noStrike">
-                <a:latin typeface="Arial"/>
-              </a:rPr>
-              <a:t>Second Outline Level</a:t>
+                <a:solidFill>
+                  <a:srgbClr val="000000"/>
+                </a:solidFill>
+                <a:latin typeface="맑은 고딕"/>
+              </a:rPr>
+              <a:t>2</a:t>
+            </a:r>
+            <a:r>
+              <a:rPr b="0" lang="ko-KR" sz="2800" spc="-1" strike="noStrike">
+                <a:solidFill>
+                  <a:srgbClr val="000000"/>
+                </a:solidFill>
+                <a:latin typeface="맑은 고딕"/>
+              </a:rPr>
+              <a:t>번째 개요 수준</a:t>
             </a:r>
             <a:endParaRPr b="0" lang="en-US" sz="2800" spc="-1" strike="noStrike">
-              <a:latin typeface="Arial"/>
+              <a:solidFill>
+                <a:srgbClr val="000000"/>
+              </a:solidFill>
+              <a:latin typeface="맑은 고딕"/>
             </a:endParaRPr>
           </a:p>
           <a:p>
@@ -4729,12 +6271,27 @@
             </a:pPr>
             <a:r>
               <a:rPr b="0" lang="en-US" sz="2400" spc="-1" strike="noStrike">
-                <a:latin typeface="Arial"/>
-              </a:rPr>
-              <a:t>Third Outline Level</a:t>
+                <a:solidFill>
+                  <a:srgbClr val="000000"/>
+                </a:solidFill>
+                <a:latin typeface="맑은 고딕"/>
+              </a:rPr>
+              <a:t>3</a:t>
+            </a:r>
+            <a:r>
+              <a:rPr b="0" lang="ko-KR" sz="2400" spc="-1" strike="noStrike">
+                <a:solidFill>
+                  <a:srgbClr val="000000"/>
+                </a:solidFill>
+                <a:latin typeface="맑은 고딕"/>
+              </a:rPr>
+              <a:t>번째 개요 수준</a:t>
             </a:r>
             <a:endParaRPr b="0" lang="en-US" sz="2400" spc="-1" strike="noStrike">
-              <a:latin typeface="Arial"/>
+              <a:solidFill>
+                <a:srgbClr val="000000"/>
+              </a:solidFill>
+              <a:latin typeface="맑은 고딕"/>
             </a:endParaRPr>
           </a:p>
           <a:p>
@@ -4751,12 +6308,27 @@
             </a:pPr>
             <a:r>
               <a:rPr b="0" lang="en-US" sz="2000" spc="-1" strike="noStrike">
-                <a:latin typeface="Arial"/>
-              </a:rPr>
-              <a:t>Fourth Outline Level</a:t>
+                <a:solidFill>
+                  <a:srgbClr val="000000"/>
+                </a:solidFill>
+                <a:latin typeface="맑은 고딕"/>
+              </a:rPr>
+              <a:t>4</a:t>
+            </a:r>
+            <a:r>
+              <a:rPr b="0" lang="ko-KR" sz="2000" spc="-1" strike="noStrike">
+                <a:solidFill>
+                  <a:srgbClr val="000000"/>
+                </a:solidFill>
+                <a:latin typeface="맑은 고딕"/>
+              </a:rPr>
+              <a:t>번째 개요 수준</a:t>
             </a:r>
             <a:endParaRPr b="0" lang="en-US" sz="2000" spc="-1" strike="noStrike">
-              <a:latin typeface="Arial"/>
+              <a:solidFill>
+                <a:srgbClr val="000000"/>
+              </a:solidFill>
+              <a:latin typeface="맑은 고딕"/>
             </a:endParaRPr>
           </a:p>
           <a:p>
@@ -4773,12 +6345,27 @@
             </a:pPr>
             <a:r>
               <a:rPr b="0" lang="en-US" sz="2000" spc="-1" strike="noStrike">
-                <a:latin typeface="Arial"/>
-              </a:rPr>
-              <a:t>Fifth Outline Level</a:t>
+                <a:solidFill>
+                  <a:srgbClr val="000000"/>
+                </a:solidFill>
+                <a:latin typeface="맑은 고딕"/>
+              </a:rPr>
+              <a:t>5</a:t>
+            </a:r>
+            <a:r>
+              <a:rPr b="0" lang="ko-KR" sz="2000" spc="-1" strike="noStrike">
+                <a:solidFill>
+                  <a:srgbClr val="000000"/>
+                </a:solidFill>
+                <a:latin typeface="맑은 고딕"/>
+              </a:rPr>
+              <a:t>번째 개요 수준</a:t>
             </a:r>
             <a:endParaRPr b="0" lang="en-US" sz="2000" spc="-1" strike="noStrike">
-              <a:latin typeface="Arial"/>
+              <a:solidFill>
+                <a:srgbClr val="000000"/>
+              </a:solidFill>
+              <a:latin typeface="맑은 고딕"/>
             </a:endParaRPr>
           </a:p>
           <a:p>
@@ -4795,12 +6382,27 @@
             </a:pPr>
             <a:r>
               <a:rPr b="0" lang="en-US" sz="2000" spc="-1" strike="noStrike">
-                <a:latin typeface="Arial"/>
-              </a:rPr>
-              <a:t>Sixth Outline Level</a:t>
+                <a:solidFill>
+                  <a:srgbClr val="000000"/>
+                </a:solidFill>
+                <a:latin typeface="맑은 고딕"/>
+              </a:rPr>
+              <a:t>6</a:t>
+            </a:r>
+            <a:r>
+              <a:rPr b="0" lang="ko-KR" sz="2000" spc="-1" strike="noStrike">
+                <a:solidFill>
+                  <a:srgbClr val="000000"/>
+                </a:solidFill>
+                <a:latin typeface="맑은 고딕"/>
+              </a:rPr>
+              <a:t>번째 개요 수준</a:t>
             </a:r>
             <a:endParaRPr b="0" lang="en-US" sz="2000" spc="-1" strike="noStrike">
-              <a:latin typeface="Arial"/>
+              <a:solidFill>
+                <a:srgbClr val="000000"/>
+              </a:solidFill>
+              <a:latin typeface="맑은 고딕"/>
             </a:endParaRPr>
           </a:p>
           <a:p>
@@ -4817,12 +6419,27 @@
             </a:pPr>
             <a:r>
               <a:rPr b="0" lang="en-US" sz="2000" spc="-1" strike="noStrike">
-                <a:latin typeface="Arial"/>
-              </a:rPr>
-              <a:t>Seventh Outline Level</a:t>
+                <a:solidFill>
+                  <a:srgbClr val="000000"/>
+                </a:solidFill>
+                <a:latin typeface="맑은 고딕"/>
+              </a:rPr>
+              <a:t>7</a:t>
+            </a:r>
+            <a:r>
+              <a:rPr b="0" lang="ko-KR" sz="2000" spc="-1" strike="noStrike">
+                <a:solidFill>
+                  <a:srgbClr val="000000"/>
+                </a:solidFill>
+                <a:latin typeface="맑은 고딕"/>
+              </a:rPr>
+              <a:t>번째 개요 수준</a:t>
             </a:r>
             <a:endParaRPr b="0" lang="en-US" sz="2000" spc="-1" strike="noStrike">
-              <a:latin typeface="Arial"/>
+              <a:solidFill>
+                <a:srgbClr val="000000"/>
+              </a:solidFill>
+              <a:latin typeface="맑은 고딕"/>
             </a:endParaRPr>
           </a:p>
         </p:txBody>
@@ -4877,12 +6494,12 @@
         <p:spPr>
           <a:xfrm>
             <a:off x="0" y="899640"/>
-            <a:ext cx="10079280" cy="3598920"/>
-          </a:xfrm>
-          <a:prstGeom prst="rect">
-            <a:avLst/>
-          </a:prstGeom>
-          <a:ln>
+            <a:ext cx="10078920" cy="3598560"/>
+          </a:xfrm>
+          <a:prstGeom prst="rect">
+            <a:avLst/>
+          </a:prstGeom>
+          <a:ln w="0">
             <a:noFill/>
           </a:ln>
         </p:spPr>
@@ -4900,12 +6517,12 @@
         <p:spPr>
           <a:xfrm>
             <a:off x="0" y="3419280"/>
-            <a:ext cx="10113120" cy="1263240"/>
-          </a:xfrm>
-          <a:prstGeom prst="rect">
-            <a:avLst/>
-          </a:prstGeom>
-          <a:ln>
+            <a:ext cx="10112760" cy="1262880"/>
+          </a:xfrm>
+          <a:prstGeom prst="rect">
+            <a:avLst/>
+          </a:prstGeom>
+          <a:ln w="0">
             <a:noFill/>
           </a:ln>
         </p:spPr>
@@ -4923,12 +6540,12 @@
         <p:spPr>
           <a:xfrm>
             <a:off x="1586520" y="899640"/>
-            <a:ext cx="6986880" cy="3491280"/>
-          </a:xfrm>
-          <a:prstGeom prst="rect">
-            <a:avLst/>
-          </a:prstGeom>
-          <a:ln>
+            <a:ext cx="6986520" cy="3490920"/>
+          </a:xfrm>
+          <a:prstGeom prst="rect">
+            <a:avLst/>
+          </a:prstGeom>
+          <a:ln w="0">
             <a:noFill/>
           </a:ln>
         </p:spPr>
@@ -4987,13 +6604,13 @@
         <p:spPr>
           <a:xfrm>
             <a:off x="503640" y="225720"/>
-            <a:ext cx="9069840" cy="945000"/>
-          </a:xfrm>
-          <a:prstGeom prst="rect">
-            <a:avLst/>
-          </a:prstGeom>
-          <a:noFill/>
-          <a:ln>
+            <a:ext cx="9069480" cy="944640"/>
+          </a:xfrm>
+          <a:prstGeom prst="rect">
+            <a:avLst/>
+          </a:prstGeom>
+          <a:noFill/>
+          <a:ln w="0">
             <a:noFill/>
           </a:ln>
         </p:spPr>
@@ -5022,11 +6639,15 @@
                   <a:srgbClr val="000000"/>
                 </a:solidFill>
                 <a:latin typeface="맑은 고딕"/>
+                <a:ea typeface="DejaVu Sans"/>
               </a:rPr>
               <a:t>개요</a:t>
             </a:r>
             <a:endParaRPr b="0" lang="en-US" sz="4400" spc="-1" strike="noStrike">
-              <a:latin typeface="Arial"/>
+              <a:solidFill>
+                <a:srgbClr val="000000"/>
+              </a:solidFill>
+              <a:latin typeface="맑은 고딕"/>
             </a:endParaRPr>
           </a:p>
         </p:txBody>
@@ -5040,13 +6661,13 @@
         <p:spPr>
           <a:xfrm>
             <a:off x="503640" y="942840"/>
-            <a:ext cx="9069840" cy="4312800"/>
-          </a:xfrm>
-          <a:prstGeom prst="rect">
-            <a:avLst/>
-          </a:prstGeom>
-          <a:noFill/>
-          <a:ln>
+            <a:ext cx="9069480" cy="4312440"/>
+          </a:xfrm>
+          <a:prstGeom prst="rect">
+            <a:avLst/>
+          </a:prstGeom>
+          <a:noFill/>
+          <a:ln w="0">
             <a:noFill/>
           </a:ln>
         </p:spPr>
@@ -5070,7 +6691,10 @@
               </a:tabLst>
             </a:pPr>
             <a:endParaRPr b="0" lang="en-US" sz="1800" spc="-1" strike="noStrike">
-              <a:latin typeface="Arial"/>
+              <a:solidFill>
+                <a:srgbClr val="000000"/>
+              </a:solidFill>
+              <a:latin typeface="맑은 고딕"/>
             </a:endParaRPr>
           </a:p>
           <a:p>
@@ -5083,7 +6707,10 @@
               </a:tabLst>
             </a:pPr>
             <a:endParaRPr b="0" lang="en-US" sz="1800" spc="-1" strike="noStrike">
-              <a:latin typeface="Arial"/>
+              <a:solidFill>
+                <a:srgbClr val="000000"/>
+              </a:solidFill>
+              <a:latin typeface="맑은 고딕"/>
             </a:endParaRPr>
           </a:p>
           <a:p>
@@ -5107,6 +6734,7 @@
                   <a:srgbClr val="000000"/>
                 </a:solidFill>
                 <a:latin typeface="맑은 고딕"/>
+                <a:ea typeface="DejaVu Sans"/>
               </a:rPr>
               <a:t>윈도우 프로그래밍 프로젝트였던 </a:t>
             </a:r>
@@ -5116,6 +6744,7 @@
                   <a:srgbClr val="000000"/>
                 </a:solidFill>
                 <a:latin typeface="맑은 고딕"/>
+                <a:ea typeface="DejaVu Sans"/>
               </a:rPr>
               <a:t>NON STOP</a:t>
             </a:r>
@@ -5125,11 +6754,15 @@
                   <a:srgbClr val="000000"/>
                 </a:solidFill>
                 <a:latin typeface="맑은 고딕"/>
+                <a:ea typeface="DejaVu Sans"/>
               </a:rPr>
               <a:t>을 파이썬으로 새롭게 개발</a:t>
             </a:r>
             <a:endParaRPr b="0" lang="en-US" sz="1600" spc="-1" strike="noStrike">
-              <a:latin typeface="Arial"/>
+              <a:solidFill>
+                <a:srgbClr val="000000"/>
+              </a:solidFill>
+              <a:latin typeface="맑은 고딕"/>
             </a:endParaRPr>
           </a:p>
           <a:p>
@@ -5142,7 +6775,10 @@
               </a:tabLst>
             </a:pPr>
             <a:endParaRPr b="0" lang="en-US" sz="1600" spc="-1" strike="noStrike">
-              <a:latin typeface="Arial"/>
+              <a:solidFill>
+                <a:srgbClr val="000000"/>
+              </a:solidFill>
+              <a:latin typeface="맑은 고딕"/>
             </a:endParaRPr>
           </a:p>
           <a:p>
@@ -5166,11 +6802,15 @@
                   <a:srgbClr val="000000"/>
                 </a:solidFill>
                 <a:latin typeface="맑은 고딕"/>
+                <a:ea typeface="DejaVu Sans"/>
               </a:rPr>
               <a:t>리소스 마당 리소스 활용 게임</a:t>
             </a:r>
             <a:endParaRPr b="0" lang="en-US" sz="1600" spc="-1" strike="noStrike">
-              <a:latin typeface="Arial"/>
+              <a:solidFill>
+                <a:srgbClr val="000000"/>
+              </a:solidFill>
+              <a:latin typeface="맑은 고딕"/>
             </a:endParaRPr>
           </a:p>
           <a:p>
@@ -5183,7 +6823,10 @@
               </a:tabLst>
             </a:pPr>
             <a:endParaRPr b="0" lang="en-US" sz="1600" spc="-1" strike="noStrike">
-              <a:latin typeface="Arial"/>
+              <a:solidFill>
+                <a:srgbClr val="000000"/>
+              </a:solidFill>
+              <a:latin typeface="맑은 고딕"/>
             </a:endParaRPr>
           </a:p>
           <a:p>
@@ -5207,6 +6850,7 @@
                   <a:srgbClr val="000000"/>
                 </a:solidFill>
                 <a:latin typeface="맑은 고딕"/>
+                <a:ea typeface="DejaVu Sans"/>
               </a:rPr>
               <a:t>전 작과 동일한 </a:t>
             </a:r>
@@ -5216,11 +6860,15 @@
                   <a:srgbClr val="000000"/>
                 </a:solidFill>
                 <a:latin typeface="맑은 고딕"/>
+                <a:ea typeface="DejaVu Sans"/>
               </a:rPr>
               <a:t>횡 스크롤 액션 슈팅 게임</a:t>
             </a:r>
             <a:endParaRPr b="0" lang="en-US" sz="1600" spc="-1" strike="noStrike">
-              <a:latin typeface="Arial"/>
+              <a:solidFill>
+                <a:srgbClr val="000000"/>
+              </a:solidFill>
+              <a:latin typeface="맑은 고딕"/>
             </a:endParaRPr>
           </a:p>
           <a:p>
@@ -5233,7 +6881,10 @@
               </a:tabLst>
             </a:pPr>
             <a:endParaRPr b="0" lang="en-US" sz="1600" spc="-1" strike="noStrike">
-              <a:latin typeface="Arial"/>
+              <a:solidFill>
+                <a:srgbClr val="000000"/>
+              </a:solidFill>
+              <a:latin typeface="맑은 고딕"/>
             </a:endParaRPr>
           </a:p>
           <a:p>
@@ -5257,6 +6908,7 @@
                   <a:srgbClr val="000000"/>
                 </a:solidFill>
                 <a:latin typeface="맑은 고딕"/>
+                <a:ea typeface="DejaVu Sans"/>
               </a:rPr>
               <a:t>단순한 그래픽이지만 빠른 게임 진행으로 </a:t>
             </a:r>
@@ -5266,6 +6918,7 @@
                   <a:srgbClr val="000000"/>
                 </a:solidFill>
                 <a:latin typeface="맑은 고딕"/>
+                <a:ea typeface="DejaVu Sans"/>
               </a:rPr>
               <a:t>속 시원한 게임 플레이</a:t>
             </a:r>
@@ -5275,11 +6928,15 @@
                   <a:srgbClr val="000000"/>
                 </a:solidFill>
                 <a:latin typeface="맑은 고딕"/>
+                <a:ea typeface="DejaVu Sans"/>
               </a:rPr>
               <a:t>를 선사</a:t>
             </a:r>
             <a:endParaRPr b="0" lang="en-US" sz="1600" spc="-1" strike="noStrike">
-              <a:latin typeface="Arial"/>
+              <a:solidFill>
+                <a:srgbClr val="000000"/>
+              </a:solidFill>
+              <a:latin typeface="맑은 고딕"/>
             </a:endParaRPr>
           </a:p>
           <a:p>
@@ -5292,7 +6949,10 @@
               </a:tabLst>
             </a:pPr>
             <a:endParaRPr b="0" lang="en-US" sz="1600" spc="-1" strike="noStrike">
-              <a:latin typeface="Arial"/>
+              <a:solidFill>
+                <a:srgbClr val="000000"/>
+              </a:solidFill>
+              <a:latin typeface="맑은 고딕"/>
             </a:endParaRPr>
           </a:p>
           <a:p>
@@ -5316,6 +6976,7 @@
                   <a:srgbClr val="000000"/>
                 </a:solidFill>
                 <a:latin typeface="맑은 고딕"/>
+                <a:ea typeface="DejaVu Sans"/>
               </a:rPr>
               <a:t>객체 좌표를 랜덤하게 변형시켜 만드는 </a:t>
             </a:r>
@@ -5325,6 +6986,7 @@
                   <a:srgbClr val="000000"/>
                 </a:solidFill>
                 <a:latin typeface="맑은 고딕"/>
+                <a:ea typeface="DejaVu Sans"/>
               </a:rPr>
               <a:t>Display Shaking</a:t>
             </a:r>
@@ -5334,6 +6996,7 @@
                   <a:srgbClr val="000000"/>
                 </a:solidFill>
                 <a:latin typeface="맑은 고딕"/>
+                <a:ea typeface="DejaVu Sans"/>
               </a:rPr>
               <a:t>, </a:t>
             </a:r>
@@ -5343,6 +7006,7 @@
                   <a:srgbClr val="000000"/>
                 </a:solidFill>
                 <a:latin typeface="맑은 고딕"/>
+                <a:ea typeface="DejaVu Sans"/>
               </a:rPr>
               <a:t>마우스를 따라가는 </a:t>
             </a:r>
@@ -5352,6 +7016,7 @@
                   <a:srgbClr val="000000"/>
                 </a:solidFill>
                 <a:latin typeface="맑은 고딕"/>
+                <a:ea typeface="DejaVu Sans"/>
               </a:rPr>
               <a:t>Dynamic Camera</a:t>
             </a:r>
@@ -5361,11 +7026,15 @@
                   <a:srgbClr val="000000"/>
                 </a:solidFill>
                 <a:latin typeface="맑은 고딕"/>
+                <a:ea typeface="DejaVu Sans"/>
               </a:rPr>
               <a:t>,</a:t>
             </a:r>
             <a:endParaRPr b="0" lang="en-US" sz="1600" spc="-1" strike="noStrike">
-              <a:latin typeface="Arial"/>
+              <a:solidFill>
+                <a:srgbClr val="000000"/>
+              </a:solidFill>
+              <a:latin typeface="맑은 고딕"/>
             </a:endParaRPr>
           </a:p>
           <a:p>
@@ -5383,6 +7052,7 @@
                   <a:srgbClr val="000000"/>
                 </a:solidFill>
                 <a:latin typeface="맑은 고딕"/>
+                <a:ea typeface="DejaVu Sans"/>
               </a:rPr>
               <a:t>   </a:t>
             </a:r>
@@ -5392,6 +7062,7 @@
                   <a:srgbClr val="000000"/>
                 </a:solidFill>
                 <a:latin typeface="맑은 고딕"/>
+                <a:ea typeface="DejaVu Sans"/>
               </a:rPr>
               <a:t>삼각함수를 순환시켜 만드는 </a:t>
             </a:r>
@@ -5401,6 +7072,7 @@
                   <a:srgbClr val="000000"/>
                 </a:solidFill>
                 <a:latin typeface="맑은 고딕"/>
+                <a:ea typeface="DejaVu Sans"/>
               </a:rPr>
               <a:t>Rubber Animation</a:t>
             </a:r>
@@ -5410,6 +7082,7 @@
                   <a:srgbClr val="000000"/>
                 </a:solidFill>
                 <a:latin typeface="맑은 고딕"/>
+                <a:ea typeface="DejaVu Sans"/>
               </a:rPr>
               <a:t> </a:t>
             </a:r>
@@ -5419,11 +7092,15 @@
                   <a:srgbClr val="000000"/>
                 </a:solidFill>
                 <a:latin typeface="맑은 고딕"/>
+                <a:ea typeface="DejaVu Sans"/>
               </a:rPr>
               <a:t>등 게임에 생동감을 더하는 다양한 장치</a:t>
             </a:r>
             <a:endParaRPr b="0" lang="en-US" sz="1600" spc="-1" strike="noStrike">
-              <a:latin typeface="Arial"/>
+              <a:solidFill>
+                <a:srgbClr val="000000"/>
+              </a:solidFill>
+              <a:latin typeface="맑은 고딕"/>
             </a:endParaRPr>
           </a:p>
           <a:p>
@@ -5436,7 +7113,10 @@
               </a:tabLst>
             </a:pPr>
             <a:endParaRPr b="0" lang="en-US" sz="1600" spc="-1" strike="noStrike">
-              <a:latin typeface="Arial"/>
+              <a:solidFill>
+                <a:srgbClr val="000000"/>
+              </a:solidFill>
+              <a:latin typeface="맑은 고딕"/>
             </a:endParaRPr>
           </a:p>
           <a:p>
@@ -5460,6 +7140,7 @@
                   <a:srgbClr val="000000"/>
                 </a:solidFill>
                 <a:latin typeface="맑은 고딕"/>
+                <a:ea typeface="DejaVu Sans"/>
               </a:rPr>
               <a:t>거리 기반 대미지 판정 → </a:t>
             </a:r>
@@ -5469,6 +7150,7 @@
                   <a:srgbClr val="000000"/>
                 </a:solidFill>
                 <a:latin typeface="맑은 고딕"/>
+                <a:ea typeface="DejaVu Sans"/>
               </a:rPr>
               <a:t>객체 간의 거리를 측정</a:t>
             </a:r>
@@ -5478,20 +7160,15 @@
                   <a:srgbClr val="000000"/>
                 </a:solidFill>
                 <a:latin typeface="맑은 고딕"/>
-              </a:rPr>
-              <a:t>하여 특정 거리 안에 있는지의 여부로 판정</a:t>
-            </a:r>
-            <a:r>
-              <a:rPr b="0" lang="en-US" sz="1600" spc="-1" strike="noStrike">
-                <a:solidFill>
-                  <a:srgbClr val="000000"/>
-                </a:solidFill>
-                <a:latin typeface="맑은 고딕"/>
-              </a:rPr>
-              <a:t>.</a:t>
+                <a:ea typeface="DejaVu Sans"/>
+              </a:rPr>
+              <a:t>하여 기존 좌표 방식에 비해 반응 속도가 빠름</a:t>
             </a:r>
             <a:endParaRPr b="0" lang="en-US" sz="1600" spc="-1" strike="noStrike">
-              <a:latin typeface="Arial"/>
+              <a:solidFill>
+                <a:srgbClr val="000000"/>
+              </a:solidFill>
+              <a:latin typeface="맑은 고딕"/>
             </a:endParaRPr>
           </a:p>
           <a:p>
@@ -5504,7 +7181,10 @@
               </a:tabLst>
             </a:pPr>
             <a:endParaRPr b="0" lang="en-US" sz="1600" spc="-1" strike="noStrike">
-              <a:latin typeface="Arial"/>
+              <a:solidFill>
+                <a:srgbClr val="000000"/>
+              </a:solidFill>
+              <a:latin typeface="맑은 고딕"/>
             </a:endParaRPr>
           </a:p>
           <a:p>
@@ -5528,6 +7208,7 @@
                   <a:srgbClr val="000000"/>
                 </a:solidFill>
                 <a:latin typeface="맑은 고딕"/>
+                <a:ea typeface="DejaVu Sans"/>
               </a:rPr>
               <a:t>게임에 집중할 수 있도록 인터페이스는 </a:t>
             </a:r>
@@ -5537,11 +7218,15 @@
                   <a:srgbClr val="000000"/>
                 </a:solidFill>
                 <a:latin typeface="맑은 고딕"/>
+                <a:ea typeface="DejaVu Sans"/>
               </a:rPr>
               <a:t>최대한 직관적이고 최소화된 형태</a:t>
             </a:r>
             <a:endParaRPr b="0" lang="en-US" sz="1600" spc="-1" strike="noStrike">
-              <a:latin typeface="Arial"/>
+              <a:solidFill>
+                <a:srgbClr val="000000"/>
+              </a:solidFill>
+              <a:latin typeface="맑은 고딕"/>
             </a:endParaRPr>
           </a:p>
           <a:p>
@@ -5554,7 +7239,10 @@
               </a:tabLst>
             </a:pPr>
             <a:endParaRPr b="0" lang="en-US" sz="1600" spc="-1" strike="noStrike">
-              <a:latin typeface="Arial"/>
+              <a:solidFill>
+                <a:srgbClr val="000000"/>
+              </a:solidFill>
+              <a:latin typeface="맑은 고딕"/>
             </a:endParaRPr>
           </a:p>
           <a:p>
@@ -5567,7 +7255,10 @@
               </a:tabLst>
             </a:pPr>
             <a:endParaRPr b="0" lang="en-US" sz="1600" spc="-1" strike="noStrike">
-              <a:latin typeface="Arial"/>
+              <a:solidFill>
+                <a:srgbClr val="000000"/>
+              </a:solidFill>
+              <a:latin typeface="맑은 고딕"/>
             </a:endParaRPr>
           </a:p>
         </p:txBody>
@@ -5586,12 +7277,12 @@
         <p:spPr>
           <a:xfrm>
             <a:off x="360" y="5035680"/>
-            <a:ext cx="10113120" cy="633600"/>
-          </a:xfrm>
-          <a:prstGeom prst="rect">
-            <a:avLst/>
-          </a:prstGeom>
-          <a:ln>
+            <a:ext cx="10112760" cy="633240"/>
+          </a:xfrm>
+          <a:prstGeom prst="rect">
+            <a:avLst/>
+          </a:prstGeom>
+          <a:ln w="0">
             <a:noFill/>
           </a:ln>
         </p:spPr>
@@ -5650,13 +7341,13 @@
         <p:spPr>
           <a:xfrm>
             <a:off x="503640" y="225720"/>
-            <a:ext cx="9069840" cy="945000"/>
-          </a:xfrm>
-          <a:prstGeom prst="rect">
-            <a:avLst/>
-          </a:prstGeom>
-          <a:noFill/>
-          <a:ln>
+            <a:ext cx="9069480" cy="944640"/>
+          </a:xfrm>
+          <a:prstGeom prst="rect">
+            <a:avLst/>
+          </a:prstGeom>
+          <a:noFill/>
+          <a:ln w="0">
             <a:noFill/>
           </a:ln>
         </p:spPr>
@@ -5710,7 +7401,10 @@
               <a:t>개요</a:t>
             </a:r>
             <a:endParaRPr b="0" lang="en-US" sz="4400" spc="-1" strike="noStrike">
-              <a:latin typeface="Arial"/>
+              <a:solidFill>
+                <a:srgbClr val="000000"/>
+              </a:solidFill>
+              <a:latin typeface="맑은 고딕"/>
             </a:endParaRPr>
           </a:p>
         </p:txBody>
@@ -5723,14 +7417,14 @@
         </p:nvSpPr>
         <p:spPr>
           <a:xfrm>
-            <a:off x="503640" y="1146240"/>
-            <a:ext cx="9069840" cy="3891600"/>
-          </a:xfrm>
-          <a:prstGeom prst="rect">
-            <a:avLst/>
-          </a:prstGeom>
-          <a:noFill/>
-          <a:ln>
+            <a:off x="503640" y="968760"/>
+            <a:ext cx="9069480" cy="3891240"/>
+          </a:xfrm>
+          <a:prstGeom prst="rect">
+            <a:avLst/>
+          </a:prstGeom>
+          <a:noFill/>
+          <a:ln w="0">
             <a:noFill/>
           </a:ln>
         </p:spPr>
@@ -5742,7 +7436,7 @@
         </p:style>
         <p:txBody>
           <a:bodyPr lIns="0" rIns="0" tIns="0" bIns="0" anchor="ctr">
-            <a:normAutofit fontScale="74000"/>
+            <a:normAutofit fontScale="98333" lnSpcReduction="10000"/>
           </a:bodyPr>
           <a:p>
             <a:pPr marL="432000">
@@ -5754,7 +7448,10 @@
               </a:tabLst>
             </a:pPr>
             <a:endParaRPr b="0" lang="en-US" sz="1800" spc="-1" strike="noStrike">
-              <a:latin typeface="Arial"/>
+              <a:solidFill>
+                <a:srgbClr val="000000"/>
+              </a:solidFill>
+              <a:latin typeface="맑은 고딕"/>
             </a:endParaRPr>
           </a:p>
           <a:p>
@@ -5833,7 +7530,10 @@
               <a:t>.</a:t>
             </a:r>
             <a:endParaRPr b="0" lang="en-US" sz="1600" spc="-1" strike="noStrike">
-              <a:latin typeface="Arial"/>
+              <a:solidFill>
+                <a:srgbClr val="000000"/>
+              </a:solidFill>
+              <a:latin typeface="맑은 고딕"/>
             </a:endParaRPr>
           </a:p>
           <a:p>
@@ -5896,7 +7596,10 @@
               <a:t>.</a:t>
             </a:r>
             <a:endParaRPr b="0" lang="en-US" sz="1600" spc="-1" strike="noStrike">
-              <a:latin typeface="Arial"/>
+              <a:solidFill>
+                <a:srgbClr val="000000"/>
+              </a:solidFill>
+              <a:latin typeface="맑은 고딕"/>
             </a:endParaRPr>
           </a:p>
           <a:p>
@@ -5909,7 +7612,10 @@
               </a:tabLst>
             </a:pPr>
             <a:endParaRPr b="0" lang="en-US" sz="1600" spc="-1" strike="noStrike">
-              <a:latin typeface="Arial"/>
+              <a:solidFill>
+                <a:srgbClr val="000000"/>
+              </a:solidFill>
+              <a:latin typeface="맑은 고딕"/>
             </a:endParaRPr>
           </a:p>
           <a:p>
@@ -5988,7 +7694,10 @@
               <a:t>.</a:t>
             </a:r>
             <a:endParaRPr b="0" lang="en-US" sz="1600" spc="-1" strike="noStrike">
-              <a:latin typeface="Arial"/>
+              <a:solidFill>
+                <a:srgbClr val="000000"/>
+              </a:solidFill>
+              <a:latin typeface="맑은 고딕"/>
             </a:endParaRPr>
           </a:p>
           <a:p>
@@ -6001,7 +7710,10 @@
               </a:tabLst>
             </a:pPr>
             <a:endParaRPr b="0" lang="en-US" sz="1600" spc="-1" strike="noStrike">
-              <a:latin typeface="Arial"/>
+              <a:solidFill>
+                <a:srgbClr val="000000"/>
+              </a:solidFill>
+              <a:latin typeface="맑은 고딕"/>
             </a:endParaRPr>
           </a:p>
           <a:p>
@@ -6080,7 +7792,10 @@
               <a:t>.</a:t>
             </a:r>
             <a:endParaRPr b="0" lang="en-US" sz="1600" spc="-1" strike="noStrike">
-              <a:latin typeface="Arial"/>
+              <a:solidFill>
+                <a:srgbClr val="000000"/>
+              </a:solidFill>
+              <a:latin typeface="맑은 고딕"/>
             </a:endParaRPr>
           </a:p>
           <a:p>
@@ -6093,7 +7808,10 @@
               </a:tabLst>
             </a:pPr>
             <a:endParaRPr b="0" lang="en-US" sz="1600" spc="-1" strike="noStrike">
-              <a:latin typeface="Arial"/>
+              <a:solidFill>
+                <a:srgbClr val="000000"/>
+              </a:solidFill>
+              <a:latin typeface="맑은 고딕"/>
             </a:endParaRPr>
           </a:p>
           <a:p>
@@ -6142,7 +7860,10 @@
               <a:t>.</a:t>
             </a:r>
             <a:endParaRPr b="0" lang="en-US" sz="1600" spc="-1" strike="noStrike">
-              <a:latin typeface="Arial"/>
+              <a:solidFill>
+                <a:srgbClr val="000000"/>
+              </a:solidFill>
+              <a:latin typeface="맑은 고딕"/>
             </a:endParaRPr>
           </a:p>
           <a:p>
@@ -6155,7 +7876,10 @@
               </a:tabLst>
             </a:pPr>
             <a:endParaRPr b="0" lang="en-US" sz="1600" spc="-1" strike="noStrike">
-              <a:latin typeface="Arial"/>
+              <a:solidFill>
+                <a:srgbClr val="000000"/>
+              </a:solidFill>
+              <a:latin typeface="맑은 고딕"/>
             </a:endParaRPr>
           </a:p>
           <a:p>
@@ -6201,7 +7925,7 @@
                 <a:latin typeface="맑은 고딕"/>
                 <a:ea typeface="맑은 고딕"/>
               </a:rPr>
-              <a:t>경험치를 소진하여 상점에서 무기를 구입할 수 있음</a:t>
+              <a:t>경험치를 소진하여 상점에서 무기를 구입하거나 능력치를 업그레이드 할 수 있음</a:t>
             </a:r>
             <a:r>
               <a:rPr b="0" lang="en-US" sz="1600" spc="-1" strike="noStrike">
@@ -6214,7 +7938,10 @@
               <a:t>.</a:t>
             </a:r>
             <a:endParaRPr b="0" lang="en-US" sz="1600" spc="-1" strike="noStrike">
-              <a:latin typeface="Arial"/>
+              <a:solidFill>
+                <a:srgbClr val="000000"/>
+              </a:solidFill>
+              <a:latin typeface="맑은 고딕"/>
             </a:endParaRPr>
           </a:p>
           <a:p>
@@ -6227,7 +7954,10 @@
               </a:tabLst>
             </a:pPr>
             <a:endParaRPr b="0" lang="en-US" sz="1600" spc="-1" strike="noStrike">
-              <a:latin typeface="Arial"/>
+              <a:solidFill>
+                <a:srgbClr val="000000"/>
+              </a:solidFill>
+              <a:latin typeface="맑은 고딕"/>
             </a:endParaRPr>
           </a:p>
           <a:p>
@@ -6266,7 +7996,10 @@
               <a:t>.</a:t>
             </a:r>
             <a:endParaRPr b="0" lang="en-US" sz="1600" spc="-1" strike="noStrike">
-              <a:latin typeface="Arial"/>
+              <a:solidFill>
+                <a:srgbClr val="000000"/>
+              </a:solidFill>
+              <a:latin typeface="맑은 고딕"/>
             </a:endParaRPr>
           </a:p>
           <a:p>
@@ -6279,7 +8012,10 @@
               </a:tabLst>
             </a:pPr>
             <a:endParaRPr b="0" lang="en-US" sz="1600" spc="-1" strike="noStrike">
-              <a:latin typeface="Arial"/>
+              <a:solidFill>
+                <a:srgbClr val="000000"/>
+              </a:solidFill>
+              <a:latin typeface="맑은 고딕"/>
             </a:endParaRPr>
           </a:p>
           <a:p>
@@ -6305,7 +8041,7 @@
                 <a:latin typeface="맑은 고딕"/>
                 <a:ea typeface="맑은 고딕"/>
               </a:rPr>
-              <a:t>일정 시간마다 특수 능력을 사용할 수 있음</a:t>
+              <a:t>킬이 일정 숫자 이상 누적되면 강력한 궁극기를 사용할 수 있음</a:t>
             </a:r>
             <a:r>
               <a:rPr b="0" lang="en-US" sz="1600" spc="-1" strike="noStrike">
@@ -6318,7 +8054,10 @@
               <a:t>.</a:t>
             </a:r>
             <a:endParaRPr b="0" lang="en-US" sz="1600" spc="-1" strike="noStrike">
-              <a:latin typeface="Arial"/>
+              <a:solidFill>
+                <a:srgbClr val="000000"/>
+              </a:solidFill>
+              <a:latin typeface="맑은 고딕"/>
             </a:endParaRPr>
           </a:p>
         </p:txBody>
@@ -6337,12 +8076,12 @@
         <p:spPr>
           <a:xfrm>
             <a:off x="0" y="5035320"/>
-            <a:ext cx="10113120" cy="633600"/>
-          </a:xfrm>
-          <a:prstGeom prst="rect">
-            <a:avLst/>
-          </a:prstGeom>
-          <a:ln>
+            <a:ext cx="10112760" cy="633240"/>
+          </a:xfrm>
+          <a:prstGeom prst="rect">
+            <a:avLst/>
+          </a:prstGeom>
+          <a:ln w="0">
             <a:noFill/>
           </a:ln>
         </p:spPr>
@@ -6401,13 +8140,13 @@
         <p:spPr>
           <a:xfrm>
             <a:off x="503640" y="225720"/>
-            <a:ext cx="9069840" cy="945000"/>
-          </a:xfrm>
-          <a:prstGeom prst="rect">
-            <a:avLst/>
-          </a:prstGeom>
-          <a:noFill/>
-          <a:ln>
+            <a:ext cx="9069480" cy="944640"/>
+          </a:xfrm>
+          <a:prstGeom prst="rect">
+            <a:avLst/>
+          </a:prstGeom>
+          <a:noFill/>
+          <a:ln w="0">
             <a:noFill/>
           </a:ln>
         </p:spPr>
@@ -6436,6 +8175,7 @@
                   <a:srgbClr val="000000"/>
                 </a:solidFill>
                 <a:latin typeface="맑은 고딕"/>
+                <a:ea typeface="DejaVu Sans"/>
               </a:rPr>
               <a:t>게임 플레이</a:t>
             </a:r>
@@ -6445,6 +8185,7 @@
                   <a:srgbClr val="000000"/>
                 </a:solidFill>
                 <a:latin typeface="맑은 고딕"/>
+                <a:ea typeface="DejaVu Sans"/>
               </a:rPr>
               <a:t>: </a:t>
             </a:r>
@@ -6454,11 +8195,15 @@
                   <a:srgbClr val="000000"/>
                 </a:solidFill>
                 <a:latin typeface="맑은 고딕"/>
+                <a:ea typeface="DejaVu Sans"/>
               </a:rPr>
               <a:t>스크린 샷</a:t>
             </a:r>
             <a:endParaRPr b="0" lang="en-US" sz="4400" spc="-1" strike="noStrike">
-              <a:latin typeface="Arial"/>
+              <a:solidFill>
+                <a:srgbClr val="000000"/>
+              </a:solidFill>
+              <a:latin typeface="맑은 고딕"/>
             </a:endParaRPr>
           </a:p>
         </p:txBody>
@@ -6476,12 +8221,12 @@
         <p:spPr>
           <a:xfrm>
             <a:off x="5218920" y="2160000"/>
-            <a:ext cx="4556880" cy="2338560"/>
-          </a:xfrm>
-          <a:prstGeom prst="rect">
-            <a:avLst/>
-          </a:prstGeom>
-          <a:ln>
+            <a:ext cx="4556520" cy="2338200"/>
+          </a:xfrm>
+          <a:prstGeom prst="rect">
+            <a:avLst/>
+          </a:prstGeom>
+          <a:ln w="0">
             <a:noFill/>
           </a:ln>
         </p:spPr>
@@ -6499,12 +8244,12 @@
         <p:spPr>
           <a:xfrm>
             <a:off x="359640" y="2160000"/>
-            <a:ext cx="4565520" cy="2338560"/>
-          </a:xfrm>
-          <a:prstGeom prst="rect">
-            <a:avLst/>
-          </a:prstGeom>
-          <a:ln>
+            <a:ext cx="4565160" cy="2338200"/>
+          </a:xfrm>
+          <a:prstGeom prst="rect">
+            <a:avLst/>
+          </a:prstGeom>
+          <a:ln w="0">
             <a:noFill/>
           </a:ln>
         </p:spPr>
@@ -6518,13 +8263,13 @@
         <p:spPr>
           <a:xfrm>
             <a:off x="303480" y="1327680"/>
-            <a:ext cx="9470520" cy="4251600"/>
-          </a:xfrm>
-          <a:prstGeom prst="rect">
-            <a:avLst/>
-          </a:prstGeom>
-          <a:noFill/>
-          <a:ln>
+            <a:ext cx="9470160" cy="4251240"/>
+          </a:xfrm>
+          <a:prstGeom prst="rect">
+            <a:avLst/>
+          </a:prstGeom>
+          <a:noFill/>
+          <a:ln w="0">
             <a:noFill/>
           </a:ln>
         </p:spPr>
@@ -6550,6 +8295,7 @@
                   <a:srgbClr val="000000"/>
                 </a:solidFill>
                 <a:latin typeface="맑은 고딕"/>
+                <a:ea typeface="DejaVu Sans"/>
               </a:rPr>
               <a:t>상점에서 더 좋은 무기를 구입하면서</a:t>
             </a:r>
@@ -6559,6 +8305,7 @@
                   <a:srgbClr val="000000"/>
                 </a:solidFill>
                 <a:latin typeface="맑은 고딕"/>
+                <a:ea typeface="DejaVu Sans"/>
               </a:rPr>
               <a:t>,                     </a:t>
             </a:r>
@@ -6568,6 +8315,7 @@
                   <a:srgbClr val="000000"/>
                 </a:solidFill>
                 <a:latin typeface="맑은 고딕"/>
+                <a:ea typeface="DejaVu Sans"/>
               </a:rPr>
               <a:t>적들을 처치하며 버틴다</a:t>
             </a:r>
@@ -6577,11 +8325,15 @@
                   <a:srgbClr val="000000"/>
                 </a:solidFill>
                 <a:latin typeface="맑은 고딕"/>
+                <a:ea typeface="DejaVu Sans"/>
               </a:rPr>
               <a:t>.</a:t>
             </a:r>
             <a:endParaRPr b="0" lang="en-US" sz="1600" spc="-1" strike="noStrike">
-              <a:latin typeface="Arial"/>
+              <a:solidFill>
+                <a:srgbClr val="000000"/>
+              </a:solidFill>
+              <a:latin typeface="맑은 고딕"/>
             </a:endParaRPr>
           </a:p>
           <a:p>
@@ -6591,7 +8343,10 @@
               </a:lnSpc>
             </a:pPr>
             <a:endParaRPr b="0" lang="en-US" sz="1600" spc="-1" strike="noStrike">
-              <a:latin typeface="Arial"/>
+              <a:solidFill>
+                <a:srgbClr val="000000"/>
+              </a:solidFill>
+              <a:latin typeface="맑은 고딕"/>
             </a:endParaRPr>
           </a:p>
           <a:p>
@@ -6601,7 +8356,10 @@
               </a:lnSpc>
             </a:pPr>
             <a:endParaRPr b="0" lang="en-US" sz="1600" spc="-1" strike="noStrike">
-              <a:latin typeface="Arial"/>
+              <a:solidFill>
+                <a:srgbClr val="000000"/>
+              </a:solidFill>
+              <a:latin typeface="맑은 고딕"/>
             </a:endParaRPr>
           </a:p>
           <a:p>
@@ -6611,7 +8369,10 @@
               </a:lnSpc>
             </a:pPr>
             <a:endParaRPr b="0" lang="en-US" sz="1600" spc="-1" strike="noStrike">
-              <a:latin typeface="Arial"/>
+              <a:solidFill>
+                <a:srgbClr val="000000"/>
+              </a:solidFill>
+              <a:latin typeface="맑은 고딕"/>
             </a:endParaRPr>
           </a:p>
           <a:p>
@@ -6621,7 +8382,10 @@
               </a:lnSpc>
             </a:pPr>
             <a:endParaRPr b="0" lang="en-US" sz="1600" spc="-1" strike="noStrike">
-              <a:latin typeface="Arial"/>
+              <a:solidFill>
+                <a:srgbClr val="000000"/>
+              </a:solidFill>
+              <a:latin typeface="맑은 고딕"/>
             </a:endParaRPr>
           </a:p>
           <a:p>
@@ -6631,7 +8395,10 @@
               </a:lnSpc>
             </a:pPr>
             <a:endParaRPr b="0" lang="en-US" sz="1600" spc="-1" strike="noStrike">
-              <a:latin typeface="Arial"/>
+              <a:solidFill>
+                <a:srgbClr val="000000"/>
+              </a:solidFill>
+              <a:latin typeface="맑은 고딕"/>
             </a:endParaRPr>
           </a:p>
           <a:p>
@@ -6641,7 +8408,10 @@
               </a:lnSpc>
             </a:pPr>
             <a:endParaRPr b="0" lang="en-US" sz="1600" spc="-1" strike="noStrike">
-              <a:latin typeface="Arial"/>
+              <a:solidFill>
+                <a:srgbClr val="000000"/>
+              </a:solidFill>
+              <a:latin typeface="맑은 고딕"/>
             </a:endParaRPr>
           </a:p>
           <a:p>
@@ -6651,7 +8421,10 @@
               </a:lnSpc>
             </a:pPr>
             <a:endParaRPr b="0" lang="en-US" sz="1600" spc="-1" strike="noStrike">
-              <a:latin typeface="Arial"/>
+              <a:solidFill>
+                <a:srgbClr val="000000"/>
+              </a:solidFill>
+              <a:latin typeface="맑은 고딕"/>
             </a:endParaRPr>
           </a:p>
           <a:p>
@@ -6661,7 +8434,10 @@
               </a:lnSpc>
             </a:pPr>
             <a:endParaRPr b="0" lang="en-US" sz="1600" spc="-1" strike="noStrike">
-              <a:latin typeface="Arial"/>
+              <a:solidFill>
+                <a:srgbClr val="000000"/>
+              </a:solidFill>
+              <a:latin typeface="맑은 고딕"/>
             </a:endParaRPr>
           </a:p>
           <a:p>
@@ -6671,7 +8447,10 @@
               </a:lnSpc>
             </a:pPr>
             <a:endParaRPr b="0" lang="en-US" sz="1600" spc="-1" strike="noStrike">
-              <a:latin typeface="Arial"/>
+              <a:solidFill>
+                <a:srgbClr val="000000"/>
+              </a:solidFill>
+              <a:latin typeface="맑은 고딕"/>
             </a:endParaRPr>
           </a:p>
           <a:p>
@@ -6681,7 +8460,10 @@
               </a:lnSpc>
             </a:pPr>
             <a:endParaRPr b="0" lang="en-US" sz="1600" spc="-1" strike="noStrike">
-              <a:latin typeface="Arial"/>
+              <a:solidFill>
+                <a:srgbClr val="000000"/>
+              </a:solidFill>
+              <a:latin typeface="맑은 고딕"/>
             </a:endParaRPr>
           </a:p>
           <a:p>
@@ -6696,6 +8478,7 @@
                   <a:srgbClr val="000000"/>
                 </a:solidFill>
                 <a:latin typeface="맑은 고딕"/>
+                <a:ea typeface="DejaVu Sans"/>
               </a:rPr>
               <a:t>스크린 샷은 전 작의 이미지임</a:t>
             </a:r>
@@ -6705,11 +8488,15 @@
                   <a:srgbClr val="000000"/>
                 </a:solidFill>
                 <a:latin typeface="맑은 고딕"/>
+                <a:ea typeface="DejaVu Sans"/>
               </a:rPr>
               <a:t>.</a:t>
             </a:r>
             <a:endParaRPr b="0" lang="en-US" sz="1600" spc="-1" strike="noStrike">
-              <a:latin typeface="Arial"/>
+              <a:solidFill>
+                <a:srgbClr val="000000"/>
+              </a:solidFill>
+              <a:latin typeface="맑은 고딕"/>
             </a:endParaRPr>
           </a:p>
           <a:p>
@@ -6719,7 +8506,10 @@
               </a:lnSpc>
             </a:pPr>
             <a:endParaRPr b="0" lang="en-US" sz="1600" spc="-1" strike="noStrike">
-              <a:latin typeface="Arial"/>
+              <a:solidFill>
+                <a:srgbClr val="000000"/>
+              </a:solidFill>
+              <a:latin typeface="맑은 고딕"/>
             </a:endParaRPr>
           </a:p>
         </p:txBody>
@@ -6738,12 +8528,12 @@
         <p:spPr>
           <a:xfrm>
             <a:off x="0" y="4855320"/>
-            <a:ext cx="10113120" cy="813600"/>
-          </a:xfrm>
-          <a:prstGeom prst="rect">
-            <a:avLst/>
-          </a:prstGeom>
-          <a:ln>
+            <a:ext cx="10112760" cy="813240"/>
+          </a:xfrm>
+          <a:prstGeom prst="rect">
+            <a:avLst/>
+          </a:prstGeom>
+          <a:ln w="0">
             <a:noFill/>
           </a:ln>
         </p:spPr>
@@ -6807,12 +8597,12 @@
         <p:spPr>
           <a:xfrm>
             <a:off x="0" y="4855320"/>
-            <a:ext cx="10113120" cy="813600"/>
-          </a:xfrm>
-          <a:prstGeom prst="rect">
-            <a:avLst/>
-          </a:prstGeom>
-          <a:ln>
+            <a:ext cx="10112760" cy="813240"/>
+          </a:xfrm>
+          <a:prstGeom prst="rect">
+            <a:avLst/>
+          </a:prstGeom>
+          <a:ln w="0">
             <a:noFill/>
           </a:ln>
         </p:spPr>
@@ -6826,13 +8616,13 @@
         <p:spPr>
           <a:xfrm>
             <a:off x="503640" y="225720"/>
-            <a:ext cx="9069840" cy="945000"/>
-          </a:xfrm>
-          <a:prstGeom prst="rect">
-            <a:avLst/>
-          </a:prstGeom>
-          <a:noFill/>
-          <a:ln>
+            <a:ext cx="9069480" cy="944640"/>
+          </a:xfrm>
+          <a:prstGeom prst="rect">
+            <a:avLst/>
+          </a:prstGeom>
+          <a:noFill/>
+          <a:ln w="0">
             <a:noFill/>
           </a:ln>
         </p:spPr>
@@ -6861,6 +8651,7 @@
                   <a:srgbClr val="000000"/>
                 </a:solidFill>
                 <a:latin typeface="맑은 고딕"/>
+                <a:ea typeface="DejaVu Sans"/>
               </a:rPr>
               <a:t>게임 플레이</a:t>
             </a:r>
@@ -6870,6 +8661,7 @@
                   <a:srgbClr val="000000"/>
                 </a:solidFill>
                 <a:latin typeface="맑은 고딕"/>
+                <a:ea typeface="DejaVu Sans"/>
               </a:rPr>
               <a:t>: </a:t>
             </a:r>
@@ -6879,11 +8671,15 @@
                   <a:srgbClr val="000000"/>
                 </a:solidFill>
                 <a:latin typeface="맑은 고딕"/>
+                <a:ea typeface="DejaVu Sans"/>
               </a:rPr>
               <a:t>스크린 샷</a:t>
             </a:r>
             <a:endParaRPr b="0" lang="en-US" sz="4400" spc="-1" strike="noStrike">
-              <a:latin typeface="Arial"/>
+              <a:solidFill>
+                <a:srgbClr val="000000"/>
+              </a:solidFill>
+              <a:latin typeface="맑은 고딕"/>
             </a:endParaRPr>
           </a:p>
         </p:txBody>
@@ -6901,12 +8697,12 @@
         <p:spPr>
           <a:xfrm>
             <a:off x="1071720" y="1172160"/>
-            <a:ext cx="7933320" cy="4071600"/>
-          </a:xfrm>
-          <a:prstGeom prst="rect">
-            <a:avLst/>
-          </a:prstGeom>
-          <a:ln>
+            <a:ext cx="7932960" cy="4071240"/>
+          </a:xfrm>
+          <a:prstGeom prst="rect">
+            <a:avLst/>
+          </a:prstGeom>
+          <a:ln w="0">
             <a:noFill/>
           </a:ln>
         </p:spPr>
@@ -6965,13 +8761,13 @@
         <p:spPr>
           <a:xfrm>
             <a:off x="503640" y="225720"/>
-            <a:ext cx="9069840" cy="945000"/>
-          </a:xfrm>
-          <a:prstGeom prst="rect">
-            <a:avLst/>
-          </a:prstGeom>
-          <a:noFill/>
-          <a:ln>
+            <a:ext cx="9069480" cy="944640"/>
+          </a:xfrm>
+          <a:prstGeom prst="rect">
+            <a:avLst/>
+          </a:prstGeom>
+          <a:noFill/>
+          <a:ln w="0">
             <a:noFill/>
           </a:ln>
         </p:spPr>
@@ -7000,11 +8796,15 @@
                   <a:srgbClr val="000000"/>
                 </a:solidFill>
                 <a:latin typeface="맑은 고딕"/>
+                <a:ea typeface="DejaVu Sans"/>
               </a:rPr>
               <a:t>개발 일정</a:t>
             </a:r>
             <a:endParaRPr b="0" lang="en-US" sz="4400" spc="-1" strike="noStrike">
-              <a:latin typeface="Arial"/>
+              <a:solidFill>
+                <a:srgbClr val="000000"/>
+              </a:solidFill>
+              <a:latin typeface="맑은 고딕"/>
             </a:endParaRPr>
           </a:p>
         </p:txBody>
@@ -7023,12 +8823,12 @@
         <p:spPr>
           <a:xfrm>
             <a:off x="0" y="4855320"/>
-            <a:ext cx="10113120" cy="813600"/>
-          </a:xfrm>
-          <a:prstGeom prst="rect">
-            <a:avLst/>
-          </a:prstGeom>
-          <a:ln>
+            <a:ext cx="10112760" cy="813240"/>
+          </a:xfrm>
+          <a:prstGeom prst="rect">
+            <a:avLst/>
+          </a:prstGeom>
+          <a:ln w="0">
             <a:noFill/>
           </a:ln>
         </p:spPr>
@@ -7046,12 +8846,12 @@
         <p:spPr>
           <a:xfrm>
             <a:off x="2123280" y="1171800"/>
-            <a:ext cx="5831640" cy="4148280"/>
-          </a:xfrm>
-          <a:prstGeom prst="rect">
-            <a:avLst/>
-          </a:prstGeom>
-          <a:ln>
+            <a:ext cx="5831280" cy="4147920"/>
+          </a:xfrm>
+          <a:prstGeom prst="rect">
+            <a:avLst/>
+          </a:prstGeom>
+          <a:ln w="0">
             <a:noFill/>
           </a:ln>
         </p:spPr>
@@ -7065,7 +8865,7 @@
         <p:spPr>
           <a:xfrm>
             <a:off x="5400000" y="5040000"/>
-            <a:ext cx="1152000" cy="184680"/>
+            <a:ext cx="1260000" cy="184320"/>
           </a:xfrm>
           <a:prstGeom prst="rect">
             <a:avLst/>
@@ -7073,7 +8873,7 @@
           <a:solidFill>
             <a:srgbClr val="ffffff"/>
           </a:solidFill>
-          <a:ln>
+          <a:ln w="0">
             <a:solidFill>
               <a:srgbClr val="ffffff"/>
             </a:solidFill>
@@ -7085,51 +8885,87 @@
           <a:effectRef idx="0"/>
           <a:fontRef idx="minor"/>
         </p:style>
+        <p:txBody>
+          <a:bodyPr lIns="90000" rIns="90000" tIns="45000" bIns="45000" anchor="t">
+            <a:noAutofit/>
+          </a:bodyPr>
+          <a:p>
+            <a:endParaRPr b="0" lang="en-US" sz="1800" spc="-1" strike="noStrike">
+              <a:solidFill>
+                <a:srgbClr val="000000"/>
+              </a:solidFill>
+              <a:latin typeface="맑은 고딕"/>
+            </a:endParaRPr>
+          </a:p>
+        </p:txBody>
       </p:sp>
       <p:sp>
         <p:nvSpPr>
           <p:cNvPr id="135" name="TextShape 3"/>
-          <p:cNvSpPr txBox="1"/>
+          <p:cNvSpPr/>
           <p:nvPr/>
         </p:nvSpPr>
         <p:spPr>
           <a:xfrm>
             <a:off x="5331240" y="4968000"/>
-            <a:ext cx="1508760" cy="293040"/>
-          </a:xfrm>
-          <a:prstGeom prst="rect">
-            <a:avLst/>
-          </a:prstGeom>
-          <a:noFill/>
-          <a:ln>
-            <a:noFill/>
-          </a:ln>
-        </p:spPr>
-        <p:txBody>
-          <a:bodyPr lIns="90000" rIns="90000" tIns="45000" bIns="45000">
+            <a:ext cx="1508400" cy="292680"/>
+          </a:xfrm>
+          <a:prstGeom prst="rect">
+            <a:avLst/>
+          </a:prstGeom>
+          <a:noFill/>
+          <a:ln w="0">
+            <a:noFill/>
+          </a:ln>
+        </p:spPr>
+        <p:style>
+          <a:lnRef idx="0"/>
+          <a:fillRef idx="0"/>
+          <a:effectRef idx="0"/>
+          <a:fontRef idx="minor"/>
+        </p:style>
+        <p:txBody>
+          <a:bodyPr lIns="90000" rIns="90000" tIns="45000" bIns="45000" anchor="t">
             <a:noAutofit/>
           </a:bodyPr>
           <a:p>
+            <a:pPr>
+              <a:lnSpc>
+                <a:spcPct val="100000"/>
+              </a:lnSpc>
+            </a:pPr>
             <a:r>
               <a:rPr b="0" lang="ko-KR" sz="1100" spc="-1" strike="noStrike">
+                <a:solidFill>
+                  <a:srgbClr val="000000"/>
+                </a:solidFill>
                 <a:latin typeface="Arial"/>
               </a:rPr>
               <a:t>사운드</a:t>
             </a:r>
             <a:r>
               <a:rPr b="0" lang="en-US" sz="1100" spc="-1" strike="noStrike">
+                <a:solidFill>
+                  <a:srgbClr val="000000"/>
+                </a:solidFill>
                 <a:latin typeface="Arial"/>
               </a:rPr>
               <a:t>, UI </a:t>
             </a:r>
             <a:r>
               <a:rPr b="0" lang="ko-KR" sz="1100" spc="-1" strike="noStrike">
+                <a:solidFill>
+                  <a:srgbClr val="000000"/>
+                </a:solidFill>
                 <a:latin typeface="Arial"/>
               </a:rPr>
               <a:t>작업</a:t>
             </a:r>
             <a:endParaRPr b="0" lang="en-US" sz="1100" spc="-1" strike="noStrike">
-              <a:latin typeface="Arial"/>
+              <a:solidFill>
+                <a:srgbClr val="000000"/>
+              </a:solidFill>
+              <a:latin typeface="맑은 고딕"/>
             </a:endParaRPr>
           </a:p>
         </p:txBody>
@@ -7188,13 +9024,13 @@
         <p:spPr>
           <a:xfrm>
             <a:off x="503640" y="225720"/>
-            <a:ext cx="9069840" cy="945000"/>
-          </a:xfrm>
-          <a:prstGeom prst="rect">
-            <a:avLst/>
-          </a:prstGeom>
-          <a:noFill/>
-          <a:ln>
+            <a:ext cx="9069480" cy="944640"/>
+          </a:xfrm>
+          <a:prstGeom prst="rect">
+            <a:avLst/>
+          </a:prstGeom>
+          <a:noFill/>
+          <a:ln w="0">
             <a:noFill/>
           </a:ln>
         </p:spPr>
@@ -7223,11 +9059,15 @@
                   <a:srgbClr val="000000"/>
                 </a:solidFill>
                 <a:latin typeface="맑은 고딕"/>
+                <a:ea typeface="DejaVu Sans"/>
               </a:rPr>
               <a:t>기획</a:t>
             </a:r>
             <a:endParaRPr b="0" lang="en-US" sz="4400" spc="-1" strike="noStrike">
-              <a:latin typeface="Arial"/>
+              <a:solidFill>
+                <a:srgbClr val="000000"/>
+              </a:solidFill>
+              <a:latin typeface="맑은 고딕"/>
             </a:endParaRPr>
           </a:p>
         </p:txBody>
@@ -7246,12 +9086,12 @@
         <p:spPr>
           <a:xfrm>
             <a:off x="0" y="4855320"/>
-            <a:ext cx="10113120" cy="813600"/>
-          </a:xfrm>
-          <a:prstGeom prst="rect">
-            <a:avLst/>
-          </a:prstGeom>
-          <a:ln>
+            <a:ext cx="10112760" cy="813240"/>
+          </a:xfrm>
+          <a:prstGeom prst="rect">
+            <a:avLst/>
+          </a:prstGeom>
+          <a:ln w="0">
             <a:noFill/>
           </a:ln>
         </p:spPr>
@@ -7269,12 +9109,12 @@
         <p:spPr>
           <a:xfrm>
             <a:off x="2369160" y="1079640"/>
-            <a:ext cx="5339520" cy="4252680"/>
-          </a:xfrm>
-          <a:prstGeom prst="rect">
-            <a:avLst/>
-          </a:prstGeom>
-          <a:ln>
+            <a:ext cx="5339160" cy="4252320"/>
+          </a:xfrm>
+          <a:prstGeom prst="rect">
+            <a:avLst/>
+          </a:prstGeom>
+          <a:ln w="0">
             <a:noFill/>
           </a:ln>
         </p:spPr>
@@ -7293,14 +9133,14 @@
 </file>
 
 <file path=ppt/theme/theme1.xml><?xml version="1.0" encoding="utf-8"?>
-<a:theme xmlns:a="http://schemas.openxmlformats.org/drawingml/2006/main" name="Office Theme">
+<a:theme xmlns:a="http://schemas.openxmlformats.org/drawingml/2006/main" xmlns:r="http://schemas.openxmlformats.org/officeDocument/2006/relationships" name="Office Theme">
   <a:themeElements>
     <a:clrScheme name="Office">
       <a:dk1>
-        <a:sysClr val="windowText" lastClr="000000"/>
+        <a:srgbClr val="000000"/>
       </a:dk1>
       <a:lt1>
-        <a:sysClr val="window" lastClr="FFFFFF"/>
+        <a:srgbClr val="ffffff"/>
       </a:lt1>
       <a:dk2>
         <a:srgbClr val="000000"/>
@@ -7335,182 +9175,134 @@
     </a:clrScheme>
     <a:fontScheme name="Office">
       <a:majorFont>
-        <a:latin typeface="Arial"/>
-        <a:ea typeface="DejaVu Sans"/>
-        <a:cs typeface="DejaVu Sans"/>
+        <a:latin typeface="Arial" pitchFamily="0" charset="1"/>
+        <a:ea typeface="DejaVu Sans" pitchFamily="0" charset="1"/>
+        <a:cs typeface="DejaVu Sans" pitchFamily="0" charset="1"/>
       </a:majorFont>
       <a:minorFont>
-        <a:latin typeface="Arial"/>
-        <a:ea typeface="DejaVu Sans"/>
-        <a:cs typeface="DejaVu Sans"/>
+        <a:latin typeface="Arial" pitchFamily="0" charset="1"/>
+        <a:ea typeface="DejaVu Sans" pitchFamily="0" charset="1"/>
+        <a:cs typeface="DejaVu Sans" pitchFamily="0" charset="1"/>
       </a:minorFont>
     </a:fontScheme>
-    <a:fmtScheme name="Office">
+    <a:fmtScheme>
       <a:fillStyleLst>
         <a:solidFill>
           <a:schemeClr val="phClr"/>
         </a:solidFill>
-        <a:gradFill rotWithShape="1">
+        <a:gradFill>
           <a:gsLst>
             <a:gs pos="0">
               <a:schemeClr val="phClr">
                 <a:tint val="50000"/>
-                <a:satMod val="300000"/>
               </a:schemeClr>
             </a:gs>
             <a:gs pos="35000">
               <a:schemeClr val="phClr">
                 <a:tint val="37000"/>
-                <a:satMod val="300000"/>
               </a:schemeClr>
             </a:gs>
             <a:gs pos="100000">
               <a:schemeClr val="phClr">
                 <a:tint val="15000"/>
-                <a:satMod val="350000"/>
               </a:schemeClr>
             </a:gs>
           </a:gsLst>
           <a:lin ang="16200000" scaled="1"/>
+          <a:tileRect l="0" t="0" r="0" b="0"/>
         </a:gradFill>
-        <a:gradFill rotWithShape="1">
+        <a:gradFill>
           <a:gsLst>
             <a:gs pos="0">
               <a:schemeClr val="phClr">
                 <a:shade val="51000"/>
-                <a:satMod val="130000"/>
               </a:schemeClr>
             </a:gs>
             <a:gs pos="80000">
               <a:schemeClr val="phClr">
                 <a:shade val="93000"/>
-                <a:satMod val="130000"/>
               </a:schemeClr>
             </a:gs>
             <a:gs pos="100000">
               <a:schemeClr val="phClr">
                 <a:shade val="94000"/>
-                <a:satMod val="135000"/>
               </a:schemeClr>
             </a:gs>
           </a:gsLst>
           <a:lin ang="16200000" scaled="0"/>
+          <a:tileRect l="0" t="0" r="0" b="0"/>
         </a:gradFill>
       </a:fillStyleLst>
       <a:lnStyleLst>
         <a:ln w="9525" cap="flat" cmpd="sng" algn="ctr">
-          <a:solidFill>
-            <a:schemeClr val="phClr">
-              <a:shade val="95000"/>
-              <a:satMod val="105000"/>
-            </a:schemeClr>
-          </a:solidFill>
           <a:prstDash val="solid"/>
           <a:miter/>
         </a:ln>
         <a:ln w="25400" cap="flat" cmpd="sng" algn="ctr">
-          <a:solidFill>
-            <a:schemeClr val="phClr"/>
-          </a:solidFill>
           <a:prstDash val="solid"/>
           <a:miter/>
         </a:ln>
         <a:ln w="38100" cap="flat" cmpd="sng" algn="ctr">
-          <a:solidFill>
-            <a:schemeClr val="phClr"/>
-          </a:solidFill>
           <a:prstDash val="solid"/>
           <a:miter/>
         </a:ln>
       </a:lnStyleLst>
       <a:effectStyleLst>
         <a:effectStyle>
-          <a:effectLst>
-            <a:outerShdw blurRad="40000" dist="20000" dir="5400000" rotWithShape="0">
-              <a:srgbClr val="000000">
-                <a:alpha val="38000"/>
-              </a:srgbClr>
-            </a:outerShdw>
-          </a:effectLst>
+          <a:effectLst/>
         </a:effectStyle>
         <a:effectStyle>
-          <a:effectLst>
-            <a:outerShdw blurRad="40000" dist="23000" dir="5400000" rotWithShape="0">
-              <a:srgbClr val="000000">
-                <a:alpha val="35000"/>
-              </a:srgbClr>
-            </a:outerShdw>
-          </a:effectLst>
+          <a:effectLst/>
         </a:effectStyle>
         <a:effectStyle>
-          <a:effectLst>
-            <a:outerShdw blurRad="40000" dist="23000" dir="5400000" rotWithShape="0">
-              <a:srgbClr val="000000">
-                <a:alpha val="35000"/>
-              </a:srgbClr>
-            </a:outerShdw>
-          </a:effectLst>
-          <a:scene3d>
-            <a:camera prst="orthographicFront">
-              <a:rot lat="0" lon="0" rev="0"/>
-            </a:camera>
-            <a:lightRig rig="threePt" dir="t">
-              <a:rot lat="0" lon="0" rev="1200000"/>
-            </a:lightRig>
-          </a:scene3d>
-          <a:sp3d>
-            <a:bevelT w="63500" h="25400"/>
-          </a:sp3d>
+          <a:effectLst/>
         </a:effectStyle>
       </a:effectStyleLst>
       <a:bgFillStyleLst>
         <a:solidFill>
           <a:schemeClr val="phClr"/>
         </a:solidFill>
-        <a:gradFill rotWithShape="1">
+        <a:gradFill>
           <a:gsLst>
             <a:gs pos="0">
               <a:schemeClr val="phClr">
                 <a:tint val="40000"/>
-                <a:satMod val="350000"/>
               </a:schemeClr>
             </a:gs>
             <a:gs pos="40000">
               <a:schemeClr val="phClr">
                 <a:tint val="45000"/>
                 <a:shade val="99000"/>
-                <a:satMod val="350000"/>
               </a:schemeClr>
             </a:gs>
             <a:gs pos="100000">
               <a:schemeClr val="phClr">
                 <a:shade val="20000"/>
-                <a:satMod val="255000"/>
               </a:schemeClr>
             </a:gs>
           </a:gsLst>
           <a:path path="circle">
             <a:fillToRect l="50000" t="-80000" r="50000" b="180000"/>
           </a:path>
+          <a:tileRect l="0" t="0" r="0" b="0"/>
         </a:gradFill>
-        <a:gradFill rotWithShape="1">
+        <a:gradFill>
           <a:gsLst>
             <a:gs pos="0">
               <a:schemeClr val="phClr">
                 <a:tint val="80000"/>
-                <a:satMod val="300000"/>
               </a:schemeClr>
             </a:gs>
             <a:gs pos="100000">
               <a:schemeClr val="phClr">
                 <a:shade val="30000"/>
-                <a:satMod val="200000"/>
               </a:schemeClr>
             </a:gs>
           </a:gsLst>
           <a:path path="circle">
             <a:fillToRect l="50000" t="50000" r="50000" b="50000"/>
           </a:path>
+          <a:tileRect l="0" t="0" r="0" b="0"/>
         </a:gradFill>
       </a:bgFillStyleLst>
     </a:fmtScheme>
@@ -7519,14 +9311,14 @@
 </file>
 
 <file path=ppt/theme/theme2.xml><?xml version="1.0" encoding="utf-8"?>
-<a:theme xmlns:a="http://schemas.openxmlformats.org/drawingml/2006/main" name="Office Theme">
+<a:theme xmlns:a="http://schemas.openxmlformats.org/drawingml/2006/main" xmlns:r="http://schemas.openxmlformats.org/officeDocument/2006/relationships" name="Office Theme">
   <a:themeElements>
     <a:clrScheme name="Office">
       <a:dk1>
-        <a:sysClr val="windowText" lastClr="000000"/>
+        <a:srgbClr val="000000"/>
       </a:dk1>
       <a:lt1>
-        <a:sysClr val="window" lastClr="FFFFFF"/>
+        <a:srgbClr val="ffffff"/>
       </a:lt1>
       <a:dk2>
         <a:srgbClr val="000000"/>
@@ -7561,182 +9353,134 @@
     </a:clrScheme>
     <a:fontScheme name="Office">
       <a:majorFont>
-        <a:latin typeface="Arial"/>
-        <a:ea typeface="DejaVu Sans"/>
-        <a:cs typeface="DejaVu Sans"/>
+        <a:latin typeface="Arial" pitchFamily="0" charset="1"/>
+        <a:ea typeface="DejaVu Sans" pitchFamily="0" charset="1"/>
+        <a:cs typeface="DejaVu Sans" pitchFamily="0" charset="1"/>
       </a:majorFont>
       <a:minorFont>
-        <a:latin typeface="Arial"/>
-        <a:ea typeface="DejaVu Sans"/>
-        <a:cs typeface="DejaVu Sans"/>
+        <a:latin typeface="Arial" pitchFamily="0" charset="1"/>
+        <a:ea typeface="DejaVu Sans" pitchFamily="0" charset="1"/>
+        <a:cs typeface="DejaVu Sans" pitchFamily="0" charset="1"/>
       </a:minorFont>
     </a:fontScheme>
-    <a:fmtScheme name="Office">
+    <a:fmtScheme>
       <a:fillStyleLst>
         <a:solidFill>
           <a:schemeClr val="phClr"/>
         </a:solidFill>
-        <a:gradFill rotWithShape="1">
+        <a:gradFill>
           <a:gsLst>
             <a:gs pos="0">
               <a:schemeClr val="phClr">
                 <a:tint val="50000"/>
-                <a:satMod val="300000"/>
               </a:schemeClr>
             </a:gs>
             <a:gs pos="35000">
               <a:schemeClr val="phClr">
                 <a:tint val="37000"/>
-                <a:satMod val="300000"/>
               </a:schemeClr>
             </a:gs>
             <a:gs pos="100000">
               <a:schemeClr val="phClr">
                 <a:tint val="15000"/>
-                <a:satMod val="350000"/>
               </a:schemeClr>
             </a:gs>
           </a:gsLst>
           <a:lin ang="16200000" scaled="1"/>
+          <a:tileRect l="0" t="0" r="0" b="0"/>
         </a:gradFill>
-        <a:gradFill rotWithShape="1">
+        <a:gradFill>
           <a:gsLst>
             <a:gs pos="0">
               <a:schemeClr val="phClr">
                 <a:shade val="51000"/>
-                <a:satMod val="130000"/>
               </a:schemeClr>
             </a:gs>
             <a:gs pos="80000">
               <a:schemeClr val="phClr">
                 <a:shade val="93000"/>
-                <a:satMod val="130000"/>
               </a:schemeClr>
             </a:gs>
             <a:gs pos="100000">
               <a:schemeClr val="phClr">
                 <a:shade val="94000"/>
-                <a:satMod val="135000"/>
               </a:schemeClr>
             </a:gs>
           </a:gsLst>
           <a:lin ang="16200000" scaled="0"/>
+          <a:tileRect l="0" t="0" r="0" b="0"/>
         </a:gradFill>
       </a:fillStyleLst>
       <a:lnStyleLst>
         <a:ln w="9525" cap="flat" cmpd="sng" algn="ctr">
-          <a:solidFill>
-            <a:schemeClr val="phClr">
-              <a:shade val="95000"/>
-              <a:satMod val="105000"/>
-            </a:schemeClr>
-          </a:solidFill>
           <a:prstDash val="solid"/>
           <a:miter/>
         </a:ln>
         <a:ln w="25400" cap="flat" cmpd="sng" algn="ctr">
-          <a:solidFill>
-            <a:schemeClr val="phClr"/>
-          </a:solidFill>
           <a:prstDash val="solid"/>
           <a:miter/>
         </a:ln>
         <a:ln w="38100" cap="flat" cmpd="sng" algn="ctr">
-          <a:solidFill>
-            <a:schemeClr val="phClr"/>
-          </a:solidFill>
           <a:prstDash val="solid"/>
           <a:miter/>
         </a:ln>
       </a:lnStyleLst>
       <a:effectStyleLst>
         <a:effectStyle>
-          <a:effectLst>
-            <a:outerShdw blurRad="40000" dist="20000" dir="5400000" rotWithShape="0">
-              <a:srgbClr val="000000">
-                <a:alpha val="38000"/>
-              </a:srgbClr>
-            </a:outerShdw>
-          </a:effectLst>
+          <a:effectLst/>
         </a:effectStyle>
         <a:effectStyle>
-          <a:effectLst>
-            <a:outerShdw blurRad="40000" dist="23000" dir="5400000" rotWithShape="0">
-              <a:srgbClr val="000000">
-                <a:alpha val="35000"/>
-              </a:srgbClr>
-            </a:outerShdw>
-          </a:effectLst>
+          <a:effectLst/>
         </a:effectStyle>
         <a:effectStyle>
-          <a:effectLst>
-            <a:outerShdw blurRad="40000" dist="23000" dir="5400000" rotWithShape="0">
-              <a:srgbClr val="000000">
-                <a:alpha val="35000"/>
-              </a:srgbClr>
-            </a:outerShdw>
-          </a:effectLst>
-          <a:scene3d>
-            <a:camera prst="orthographicFront">
-              <a:rot lat="0" lon="0" rev="0"/>
-            </a:camera>
-            <a:lightRig rig="threePt" dir="t">
-              <a:rot lat="0" lon="0" rev="1200000"/>
-            </a:lightRig>
-          </a:scene3d>
-          <a:sp3d>
-            <a:bevelT w="63500" h="25400"/>
-          </a:sp3d>
+          <a:effectLst/>
         </a:effectStyle>
       </a:effectStyleLst>
       <a:bgFillStyleLst>
         <a:solidFill>
           <a:schemeClr val="phClr"/>
         </a:solidFill>
-        <a:gradFill rotWithShape="1">
+        <a:gradFill>
           <a:gsLst>
             <a:gs pos="0">
               <a:schemeClr val="phClr">
                 <a:tint val="40000"/>
-                <a:satMod val="350000"/>
               </a:schemeClr>
             </a:gs>
             <a:gs pos="40000">
               <a:schemeClr val="phClr">
                 <a:tint val="45000"/>
                 <a:shade val="99000"/>
-                <a:satMod val="350000"/>
               </a:schemeClr>
             </a:gs>
             <a:gs pos="100000">
               <a:schemeClr val="phClr">
                 <a:shade val="20000"/>
-                <a:satMod val="255000"/>
               </a:schemeClr>
             </a:gs>
           </a:gsLst>
           <a:path path="circle">
             <a:fillToRect l="50000" t="-80000" r="50000" b="180000"/>
           </a:path>
+          <a:tileRect l="0" t="0" r="0" b="0"/>
         </a:gradFill>
-        <a:gradFill rotWithShape="1">
+        <a:gradFill>
           <a:gsLst>
             <a:gs pos="0">
               <a:schemeClr val="phClr">
                 <a:tint val="80000"/>
-                <a:satMod val="300000"/>
               </a:schemeClr>
             </a:gs>
             <a:gs pos="100000">
               <a:schemeClr val="phClr">
                 <a:shade val="30000"/>
-                <a:satMod val="200000"/>
               </a:schemeClr>
             </a:gs>
           </a:gsLst>
           <a:path path="circle">
             <a:fillToRect l="50000" t="50000" r="50000" b="50000"/>
           </a:path>
+          <a:tileRect l="0" t="0" r="0" b="0"/>
         </a:gradFill>
       </a:bgFillStyleLst>
     </a:fmtScheme>
@@ -7745,14 +9489,14 @@
 </file>
 
 <file path=ppt/theme/theme3.xml><?xml version="1.0" encoding="utf-8"?>
-<a:theme xmlns:a="http://schemas.openxmlformats.org/drawingml/2006/main" name="Office Theme">
+<a:theme xmlns:a="http://schemas.openxmlformats.org/drawingml/2006/main" xmlns:r="http://schemas.openxmlformats.org/officeDocument/2006/relationships" name="Office Theme">
   <a:themeElements>
     <a:clrScheme name="Office">
       <a:dk1>
-        <a:sysClr val="windowText" lastClr="000000"/>
+        <a:srgbClr val="000000"/>
       </a:dk1>
       <a:lt1>
-        <a:sysClr val="window" lastClr="FFFFFF"/>
+        <a:srgbClr val="ffffff"/>
       </a:lt1>
       <a:dk2>
         <a:srgbClr val="000000"/>
@@ -7787,182 +9531,134 @@
     </a:clrScheme>
     <a:fontScheme name="Office">
       <a:majorFont>
-        <a:latin typeface="Arial"/>
-        <a:ea typeface="DejaVu Sans"/>
-        <a:cs typeface="DejaVu Sans"/>
+        <a:latin typeface="Arial" pitchFamily="0" charset="1"/>
+        <a:ea typeface="DejaVu Sans" pitchFamily="0" charset="1"/>
+        <a:cs typeface="DejaVu Sans" pitchFamily="0" charset="1"/>
       </a:majorFont>
       <a:minorFont>
-        <a:latin typeface="Arial"/>
-        <a:ea typeface="DejaVu Sans"/>
-        <a:cs typeface="DejaVu Sans"/>
+        <a:latin typeface="Arial" pitchFamily="0" charset="1"/>
+        <a:ea typeface="DejaVu Sans" pitchFamily="0" charset="1"/>
+        <a:cs typeface="DejaVu Sans" pitchFamily="0" charset="1"/>
       </a:minorFont>
     </a:fontScheme>
-    <a:fmtScheme name="Office">
+    <a:fmtScheme>
       <a:fillStyleLst>
         <a:solidFill>
           <a:schemeClr val="phClr"/>
         </a:solidFill>
-        <a:gradFill rotWithShape="1">
+        <a:gradFill>
           <a:gsLst>
             <a:gs pos="0">
               <a:schemeClr val="phClr">
                 <a:tint val="50000"/>
-                <a:satMod val="300000"/>
               </a:schemeClr>
             </a:gs>
             <a:gs pos="35000">
               <a:schemeClr val="phClr">
                 <a:tint val="37000"/>
-                <a:satMod val="300000"/>
               </a:schemeClr>
             </a:gs>
             <a:gs pos="100000">
               <a:schemeClr val="phClr">
                 <a:tint val="15000"/>
-                <a:satMod val="350000"/>
               </a:schemeClr>
             </a:gs>
           </a:gsLst>
           <a:lin ang="16200000" scaled="1"/>
+          <a:tileRect l="0" t="0" r="0" b="0"/>
         </a:gradFill>
-        <a:gradFill rotWithShape="1">
+        <a:gradFill>
           <a:gsLst>
             <a:gs pos="0">
               <a:schemeClr val="phClr">
                 <a:shade val="51000"/>
-                <a:satMod val="130000"/>
               </a:schemeClr>
             </a:gs>
             <a:gs pos="80000">
               <a:schemeClr val="phClr">
                 <a:shade val="93000"/>
-                <a:satMod val="130000"/>
               </a:schemeClr>
             </a:gs>
             <a:gs pos="100000">
               <a:schemeClr val="phClr">
                 <a:shade val="94000"/>
-                <a:satMod val="135000"/>
               </a:schemeClr>
             </a:gs>
           </a:gsLst>
           <a:lin ang="16200000" scaled="0"/>
+          <a:tileRect l="0" t="0" r="0" b="0"/>
         </a:gradFill>
       </a:fillStyleLst>
       <a:lnStyleLst>
         <a:ln w="9525" cap="flat" cmpd="sng" algn="ctr">
-          <a:solidFill>
-            <a:schemeClr val="phClr">
-              <a:shade val="95000"/>
-              <a:satMod val="105000"/>
-            </a:schemeClr>
-          </a:solidFill>
           <a:prstDash val="solid"/>
           <a:miter/>
         </a:ln>
         <a:ln w="25400" cap="flat" cmpd="sng" algn="ctr">
-          <a:solidFill>
-            <a:schemeClr val="phClr"/>
-          </a:solidFill>
           <a:prstDash val="solid"/>
           <a:miter/>
         </a:ln>
         <a:ln w="38100" cap="flat" cmpd="sng" algn="ctr">
-          <a:solidFill>
-            <a:schemeClr val="phClr"/>
-          </a:solidFill>
           <a:prstDash val="solid"/>
           <a:miter/>
         </a:ln>
       </a:lnStyleLst>
       <a:effectStyleLst>
         <a:effectStyle>
-          <a:effectLst>
-            <a:outerShdw blurRad="40000" dist="20000" dir="5400000" rotWithShape="0">
-              <a:srgbClr val="000000">
-                <a:alpha val="38000"/>
-              </a:srgbClr>
-            </a:outerShdw>
-          </a:effectLst>
+          <a:effectLst/>
         </a:effectStyle>
         <a:effectStyle>
-          <a:effectLst>
-            <a:outerShdw blurRad="40000" dist="23000" dir="5400000" rotWithShape="0">
-              <a:srgbClr val="000000">
-                <a:alpha val="35000"/>
-              </a:srgbClr>
-            </a:outerShdw>
-          </a:effectLst>
+          <a:effectLst/>
         </a:effectStyle>
         <a:effectStyle>
-          <a:effectLst>
-            <a:outerShdw blurRad="40000" dist="23000" dir="5400000" rotWithShape="0">
-              <a:srgbClr val="000000">
-                <a:alpha val="35000"/>
-              </a:srgbClr>
-            </a:outerShdw>
-          </a:effectLst>
-          <a:scene3d>
-            <a:camera prst="orthographicFront">
-              <a:rot lat="0" lon="0" rev="0"/>
-            </a:camera>
-            <a:lightRig rig="threePt" dir="t">
-              <a:rot lat="0" lon="0" rev="1200000"/>
-            </a:lightRig>
-          </a:scene3d>
-          <a:sp3d>
-            <a:bevelT w="63500" h="25400"/>
-          </a:sp3d>
+          <a:effectLst/>
         </a:effectStyle>
       </a:effectStyleLst>
       <a:bgFillStyleLst>
         <a:solidFill>
           <a:schemeClr val="phClr"/>
         </a:solidFill>
-        <a:gradFill rotWithShape="1">
+        <a:gradFill>
           <a:gsLst>
             <a:gs pos="0">
               <a:schemeClr val="phClr">
                 <a:tint val="40000"/>
-                <a:satMod val="350000"/>
               </a:schemeClr>
             </a:gs>
             <a:gs pos="40000">
               <a:schemeClr val="phClr">
                 <a:tint val="45000"/>
                 <a:shade val="99000"/>
-                <a:satMod val="350000"/>
               </a:schemeClr>
             </a:gs>
             <a:gs pos="100000">
               <a:schemeClr val="phClr">
                 <a:shade val="20000"/>
-                <a:satMod val="255000"/>
               </a:schemeClr>
             </a:gs>
           </a:gsLst>
           <a:path path="circle">
             <a:fillToRect l="50000" t="-80000" r="50000" b="180000"/>
           </a:path>
+          <a:tileRect l="0" t="0" r="0" b="0"/>
         </a:gradFill>
-        <a:gradFill rotWithShape="1">
+        <a:gradFill>
           <a:gsLst>
             <a:gs pos="0">
               <a:schemeClr val="phClr">
                 <a:tint val="80000"/>
-                <a:satMod val="300000"/>
               </a:schemeClr>
             </a:gs>
             <a:gs pos="100000">
               <a:schemeClr val="phClr">
                 <a:shade val="30000"/>
-                <a:satMod val="200000"/>
               </a:schemeClr>
             </a:gs>
           </a:gsLst>
           <a:path path="circle">
             <a:fillToRect l="50000" t="50000" r="50000" b="50000"/>
           </a:path>
+          <a:tileRect l="0" t="0" r="0" b="0"/>
         </a:gradFill>
       </a:bgFillStyleLst>
     </a:fmtScheme>
